--- a/Slides/Lesson 4.3 Lists of Structures.pptx
+++ b/Slides/Lesson 4.3 Lists of Structures.pptx
@@ -223,7 +223,7 @@
             <a:fld id="{CF8F25F6-E1EF-4065-8525-42EDEBD9BD22}" type="datetimeFigureOut">
               <a:rPr lang="en-US" smtClean="0"/>
               <a:pPr/>
-              <a:t>8/24/2015</a:t>
+              <a:t>8/25/2015</a:t>
             </a:fld>
             <a:endParaRPr lang="en-US"/>
           </a:p>
@@ -936,7 +936,7 @@
           <a:p>
             <a:fld id="{2F1F79F5-7BEC-496A-AFC7-876E38F64D71}" type="datetime1">
               <a:rPr lang="en-US" smtClean="0"/>
-              <a:t>8/24/2015</a:t>
+              <a:t>8/25/2015</a:t>
             </a:fld>
             <a:endParaRPr lang="en-US"/>
           </a:p>
@@ -1038,7 +1038,7 @@
           <a:p>
             <a:fld id="{0A05703A-7669-4FEA-9056-25299B4D29D4}" type="datetime1">
               <a:rPr lang="en-US" smtClean="0"/>
-              <a:t>8/24/2015</a:t>
+              <a:t>8/25/2015</a:t>
             </a:fld>
             <a:endParaRPr lang="en-US"/>
           </a:p>
@@ -1315,7 +1315,7 @@
           <a:p>
             <a:fld id="{6E5077B5-BB57-49DB-88CA-226A139E5C01}" type="datetime1">
               <a:rPr lang="en-US" smtClean="0"/>
-              <a:t>8/24/2015</a:t>
+              <a:t>8/25/2015</a:t>
             </a:fld>
             <a:endParaRPr lang="en-US"/>
           </a:p>
@@ -1568,7 +1568,7 @@
           <a:p>
             <a:fld id="{C48D9447-CBD6-49A1-89FD-8512A8CF8999}" type="datetime1">
               <a:rPr lang="en-US" smtClean="0"/>
-              <a:t>8/24/2015</a:t>
+              <a:t>8/25/2015</a:t>
             </a:fld>
             <a:endParaRPr lang="en-US"/>
           </a:p>
@@ -1738,7 +1738,7 @@
           <a:p>
             <a:fld id="{A3639A2A-823D-48B7-9ACE-7FAF42870BA9}" type="datetime1">
               <a:rPr lang="en-US" smtClean="0"/>
-              <a:t>8/24/2015</a:t>
+              <a:t>8/25/2015</a:t>
             </a:fld>
             <a:endParaRPr lang="en-US"/>
           </a:p>
@@ -1918,7 +1918,7 @@
           <a:p>
             <a:fld id="{ED1B6996-82E9-463C-972C-7B56056E426C}" type="datetime1">
               <a:rPr lang="en-US" smtClean="0"/>
-              <a:t>8/24/2015</a:t>
+              <a:t>8/25/2015</a:t>
             </a:fld>
             <a:endParaRPr lang="en-US"/>
           </a:p>
@@ -2094,7 +2094,7 @@
           <a:p>
             <a:fld id="{E22ED4DA-448D-4BB1-B935-CC112220207B}" type="datetime1">
               <a:rPr lang="en-US" smtClean="0"/>
-              <a:t>8/24/2015</a:t>
+              <a:t>8/25/2015</a:t>
             </a:fld>
             <a:endParaRPr lang="en-US"/>
           </a:p>
@@ -2276,7 +2276,7 @@
           <a:p>
             <a:fld id="{E22ED4DA-448D-4BB1-B935-CC112220207B}" type="datetime1">
               <a:rPr lang="en-US" smtClean="0"/>
-              <a:t>8/24/2015</a:t>
+              <a:t>8/25/2015</a:t>
             </a:fld>
             <a:endParaRPr lang="en-US"/>
           </a:p>
@@ -2545,7 +2545,7 @@
           <a:p>
             <a:fld id="{FF5D65A6-AB94-4435-B0B7-3743215FA46C}" type="datetime1">
               <a:rPr lang="en-US" smtClean="0"/>
-              <a:t>8/24/2015</a:t>
+              <a:t>8/25/2015</a:t>
             </a:fld>
             <a:endParaRPr lang="en-US"/>
           </a:p>
@@ -2730,7 +2730,7 @@
           <a:p>
             <a:fld id="{FF5D65A6-AB94-4435-B0B7-3743215FA46C}" type="datetime1">
               <a:rPr lang="en-US" smtClean="0"/>
-              <a:t>8/24/2015</a:t>
+              <a:t>8/25/2015</a:t>
             </a:fld>
             <a:endParaRPr lang="en-US"/>
           </a:p>
@@ -3032,7 +3032,7 @@
           <a:p>
             <a:fld id="{7C193DC4-6EF0-48C9-B29C-616106A645E1}" type="datetime1">
               <a:rPr lang="en-US" smtClean="0"/>
-              <a:t>8/24/2015</a:t>
+              <a:t>8/25/2015</a:t>
             </a:fld>
             <a:endParaRPr lang="en-US"/>
           </a:p>
@@ -3320,7 +3320,7 @@
           <a:p>
             <a:fld id="{5D1846AD-9252-4647-9435-4C2AC365653A}" type="datetime1">
               <a:rPr lang="en-US" smtClean="0"/>
-              <a:t>8/24/2015</a:t>
+              <a:t>8/25/2015</a:t>
             </a:fld>
             <a:endParaRPr lang="en-US"/>
           </a:p>
@@ -3742,7 +3742,7 @@
           <a:p>
             <a:fld id="{CE56DC10-3561-4063-A6AF-C1CC7A41040A}" type="datetime1">
               <a:rPr lang="en-US" smtClean="0"/>
-              <a:t>8/24/2015</a:t>
+              <a:t>8/25/2015</a:t>
             </a:fld>
             <a:endParaRPr lang="en-US"/>
           </a:p>
@@ -3860,7 +3860,7 @@
           <a:p>
             <a:fld id="{2F7B77F5-1464-4F6B-92A8-64FC8A508293}" type="datetime1">
               <a:rPr lang="en-US" smtClean="0"/>
-              <a:t>8/24/2015</a:t>
+              <a:t>8/25/2015</a:t>
             </a:fld>
             <a:endParaRPr lang="en-US"/>
           </a:p>
@@ -4092,7 +4092,7 @@
           <a:p>
             <a:fld id="{02B3F677-983B-48DB-ADFD-63FE6CBC7FB2}" type="datetime1">
               <a:rPr lang="en-US" smtClean="0"/>
-              <a:t>8/24/2015</a:t>
+              <a:t>8/25/2015</a:t>
             </a:fld>
             <a:endParaRPr lang="en-US"/>
           </a:p>
@@ -5119,19 +5119,19 @@
           <a:p>
             <a:r>
               <a:rPr lang="en-US" dirty="0" smtClean="0"/>
-              <a:t>If you have questions about this lesson, ask them on the </a:t>
-            </a:r>
-            <a:r>
-              <a:rPr lang="en-US" smtClean="0"/>
-              <a:t>Discussion Board</a:t>
+              <a:t>If you have questions about this lesson, ask them on the Discussion Board</a:t>
+            </a:r>
+          </a:p>
+          <a:p>
+            <a:r>
+              <a:rPr lang="en-US" smtClean="0"/>
+              <a:t>Do </a:t>
+            </a:r>
+            <a:r>
+              <a:rPr lang="en-US" smtClean="0"/>
+              <a:t>Guided Practice 4.4</a:t>
             </a:r>
             <a:endParaRPr lang="en-US" dirty="0" smtClean="0"/>
-          </a:p>
-          <a:p>
-            <a:r>
-              <a:rPr lang="en-US" dirty="0" smtClean="0"/>
-              <a:t>Do the Guided Practices</a:t>
-            </a:r>
           </a:p>
           <a:p>
             <a:r>
@@ -7113,10 +7113,6 @@
               </a:rPr>
               <a:t>;; STRATEGY: Use template for LOB on lob</a:t>
             </a:r>
-            <a:endParaRPr lang="en-US" sz="2400" b="1" dirty="0" smtClean="0">
-              <a:latin typeface="Consolas" pitchFamily="49" charset="0"/>
-              <a:cs typeface="Consolas" pitchFamily="49" charset="0"/>
-            </a:endParaRPr>
           </a:p>
           <a:p>
             <a:pPr>

--- a/Slides/Lesson 4.3 Lists of Structures.pptx
+++ b/Slides/Lesson 4.3 Lists of Structures.pptx
@@ -5,26 +5,28 @@
     <p:sldMasterId id="2147483660" r:id="rId1"/>
   </p:sldMasterIdLst>
   <p:notesMasterIdLst>
-    <p:notesMasterId r:id="rId14"/>
+    <p:notesMasterId r:id="rId16"/>
   </p:notesMasterIdLst>
   <p:sldIdLst>
     <p:sldId id="396" r:id="rId2"/>
     <p:sldId id="397" r:id="rId3"/>
     <p:sldId id="408" r:id="rId4"/>
     <p:sldId id="407" r:id="rId5"/>
-    <p:sldId id="413" r:id="rId6"/>
+    <p:sldId id="416" r:id="rId6"/>
     <p:sldId id="398" r:id="rId7"/>
-    <p:sldId id="400" r:id="rId8"/>
-    <p:sldId id="405" r:id="rId9"/>
-    <p:sldId id="406" r:id="rId10"/>
-    <p:sldId id="404" r:id="rId11"/>
-    <p:sldId id="411" r:id="rId12"/>
-    <p:sldId id="412" r:id="rId13"/>
+    <p:sldId id="414" r:id="rId8"/>
+    <p:sldId id="415" r:id="rId9"/>
+    <p:sldId id="400" r:id="rId10"/>
+    <p:sldId id="413" r:id="rId11"/>
+    <p:sldId id="405" r:id="rId12"/>
+    <p:sldId id="404" r:id="rId13"/>
+    <p:sldId id="411" r:id="rId14"/>
+    <p:sldId id="412" r:id="rId15"/>
   </p:sldIdLst>
   <p:sldSz cx="9144000" cy="6858000" type="screen4x3"/>
   <p:notesSz cx="6858000" cy="9144000"/>
   <p:custDataLst>
-    <p:tags r:id="rId15"/>
+    <p:tags r:id="rId17"/>
   </p:custDataLst>
   <p:defaultTextStyle>
     <a:defPPr>
@@ -223,7 +225,7 @@
             <a:fld id="{CF8F25F6-E1EF-4065-8525-42EDEBD9BD22}" type="datetimeFigureOut">
               <a:rPr lang="en-US" smtClean="0"/>
               <a:pPr/>
-              <a:t>8/25/2015</a:t>
+              <a:t>8/14/2016</a:t>
             </a:fld>
             <a:endParaRPr lang="en-US"/>
           </a:p>
@@ -289,38 +291,37 @@
           <a:p>
             <a:pPr lvl="0"/>
             <a:r>
-              <a:rPr lang="en-US" smtClean="0"/>
+              <a:rPr lang="en-US"/>
               <a:t>Click to edit Master text styles</a:t>
             </a:r>
           </a:p>
           <a:p>
             <a:pPr lvl="1"/>
             <a:r>
-              <a:rPr lang="en-US" smtClean="0"/>
+              <a:rPr lang="en-US"/>
               <a:t>Second level</a:t>
             </a:r>
           </a:p>
           <a:p>
             <a:pPr lvl="2"/>
             <a:r>
-              <a:rPr lang="en-US" smtClean="0"/>
+              <a:rPr lang="en-US"/>
               <a:t>Third level</a:t>
             </a:r>
           </a:p>
           <a:p>
             <a:pPr lvl="3"/>
             <a:r>
-              <a:rPr lang="en-US" smtClean="0"/>
+              <a:rPr lang="en-US"/>
               <a:t>Fourth level</a:t>
             </a:r>
           </a:p>
           <a:p>
             <a:pPr lvl="4"/>
             <a:r>
-              <a:rPr lang="en-US" smtClean="0"/>
+              <a:rPr lang="en-US"/>
               <a:t>Fifth level</a:t>
             </a:r>
-            <a:endParaRPr lang="en-US"/>
           </a:p>
         </p:txBody>
       </p:sp>
@@ -540,7 +541,7 @@
           </a:bodyPr>
           <a:lstStyle/>
           <a:p>
-            <a:endParaRPr lang="en-US" dirty="0" smtClean="0"/>
+            <a:endParaRPr lang="en-US" dirty="0"/>
           </a:p>
         </p:txBody>
       </p:sp>
@@ -736,7 +737,7 @@
             <a:fld id="{00E1DFD8-B619-4FFF-B366-BDCC98D08110}" type="slidenum">
               <a:rPr lang="en-US" smtClean="0"/>
               <a:pPr/>
-              <a:t>10</a:t>
+              <a:t>12</a:t>
             </a:fld>
             <a:endParaRPr lang="en-US"/>
           </a:p>
@@ -793,10 +794,9 @@
           <a:lstStyle/>
           <a:p>
             <a:r>
-              <a:rPr lang="en-US" smtClean="0"/>
+              <a:rPr lang="en-US"/>
               <a:t>Click to edit Master title style</a:t>
             </a:r>
-            <a:endParaRPr lang="en-US"/>
           </a:p>
         </p:txBody>
       </p:sp>
@@ -912,10 +912,9 @@
           </a:lstStyle>
           <a:p>
             <a:r>
-              <a:rPr lang="en-US" smtClean="0"/>
+              <a:rPr lang="en-US"/>
               <a:t>Click to edit Master subtitle style</a:t>
             </a:r>
-            <a:endParaRPr lang="en-US"/>
           </a:p>
         </p:txBody>
       </p:sp>
@@ -936,7 +935,7 @@
           <a:p>
             <a:fld id="{2F1F79F5-7BEC-496A-AFC7-876E38F64D71}" type="datetime1">
               <a:rPr lang="en-US" smtClean="0"/>
-              <a:t>8/25/2015</a:t>
+              <a:t>8/14/2016</a:t>
             </a:fld>
             <a:endParaRPr lang="en-US"/>
           </a:p>
@@ -994,13 +993,6 @@
   <p:clrMapOvr>
     <a:masterClrMapping/>
   </p:clrMapOvr>
-  <p:timing>
-    <p:tnLst>
-      <p:par>
-        <p:cTn id="1" dur="indefinite" restart="never" nodeType="tmRoot"/>
-      </p:par>
-    </p:tnLst>
-  </p:timing>
 </p:sldLayout>
 </file>
 
@@ -1038,7 +1030,7 @@
           <a:p>
             <a:fld id="{0A05703A-7669-4FEA-9056-25299B4D29D4}" type="datetime1">
               <a:rPr lang="en-US" smtClean="0"/>
-              <a:t>8/25/2015</a:t>
+              <a:t>8/14/2016</a:t>
             </a:fld>
             <a:endParaRPr lang="en-US"/>
           </a:p>
@@ -1141,10 +1133,9 @@
           </a:lstStyle>
           <a:p>
             <a:r>
-              <a:rPr lang="en-US" smtClean="0"/>
+              <a:rPr lang="en-US"/>
               <a:t>Click to edit Master title style</a:t>
             </a:r>
-            <a:endParaRPr lang="en-US"/>
           </a:p>
         </p:txBody>
       </p:sp>
@@ -1198,38 +1189,37 @@
           <a:p>
             <a:pPr lvl="0"/>
             <a:r>
-              <a:rPr lang="en-US" smtClean="0"/>
+              <a:rPr lang="en-US"/>
               <a:t>Click to edit Master text styles</a:t>
             </a:r>
           </a:p>
           <a:p>
             <a:pPr lvl="1"/>
             <a:r>
-              <a:rPr lang="en-US" smtClean="0"/>
+              <a:rPr lang="en-US"/>
               <a:t>Second level</a:t>
             </a:r>
           </a:p>
           <a:p>
             <a:pPr lvl="2"/>
             <a:r>
-              <a:rPr lang="en-US" smtClean="0"/>
+              <a:rPr lang="en-US"/>
               <a:t>Third level</a:t>
             </a:r>
           </a:p>
           <a:p>
             <a:pPr lvl="3"/>
             <a:r>
-              <a:rPr lang="en-US" smtClean="0"/>
+              <a:rPr lang="en-US"/>
               <a:t>Fourth level</a:t>
             </a:r>
           </a:p>
           <a:p>
             <a:pPr lvl="4"/>
             <a:r>
-              <a:rPr lang="en-US" smtClean="0"/>
+              <a:rPr lang="en-US"/>
               <a:t>Fifth level</a:t>
             </a:r>
-            <a:endParaRPr lang="en-US"/>
           </a:p>
         </p:txBody>
       </p:sp>
@@ -1292,7 +1282,7 @@
           <a:p>
             <a:pPr lvl="0"/>
             <a:r>
-              <a:rPr lang="en-US" smtClean="0"/>
+              <a:rPr lang="en-US"/>
               <a:t>Click to edit Master text styles</a:t>
             </a:r>
           </a:p>
@@ -1315,7 +1305,7 @@
           <a:p>
             <a:fld id="{6E5077B5-BB57-49DB-88CA-226A139E5C01}" type="datetime1">
               <a:rPr lang="en-US" smtClean="0"/>
-              <a:t>8/25/2015</a:t>
+              <a:t>8/14/2016</a:t>
             </a:fld>
             <a:endParaRPr lang="en-US"/>
           </a:p>
@@ -1418,10 +1408,9 @@
           </a:lstStyle>
           <a:p>
             <a:r>
-              <a:rPr lang="en-US" smtClean="0"/>
+              <a:rPr lang="en-US"/>
               <a:t>Click to edit Master title style</a:t>
             </a:r>
-            <a:endParaRPr lang="en-US"/>
           </a:p>
         </p:txBody>
       </p:sp>
@@ -1545,7 +1534,7 @@
           <a:p>
             <a:pPr lvl="0"/>
             <a:r>
-              <a:rPr lang="en-US" smtClean="0"/>
+              <a:rPr lang="en-US"/>
               <a:t>Click to edit Master text styles</a:t>
             </a:r>
           </a:p>
@@ -1568,7 +1557,7 @@
           <a:p>
             <a:fld id="{C48D9447-CBD6-49A1-89FD-8512A8CF8999}" type="datetime1">
               <a:rPr lang="en-US" smtClean="0"/>
-              <a:t>8/25/2015</a:t>
+              <a:t>8/14/2016</a:t>
             </a:fld>
             <a:endParaRPr lang="en-US"/>
           </a:p>
@@ -1662,10 +1651,9 @@
           <a:lstStyle/>
           <a:p>
             <a:r>
-              <a:rPr lang="en-US" smtClean="0"/>
+              <a:rPr lang="en-US"/>
               <a:t>Click to edit Master title style</a:t>
             </a:r>
-            <a:endParaRPr lang="en-US"/>
           </a:p>
         </p:txBody>
       </p:sp>
@@ -1686,38 +1674,37 @@
           <a:p>
             <a:pPr lvl="0"/>
             <a:r>
-              <a:rPr lang="en-US" smtClean="0"/>
+              <a:rPr lang="en-US"/>
               <a:t>Click to edit Master text styles</a:t>
             </a:r>
           </a:p>
           <a:p>
             <a:pPr lvl="1"/>
             <a:r>
-              <a:rPr lang="en-US" smtClean="0"/>
+              <a:rPr lang="en-US"/>
               <a:t>Second level</a:t>
             </a:r>
           </a:p>
           <a:p>
             <a:pPr lvl="2"/>
             <a:r>
-              <a:rPr lang="en-US" smtClean="0"/>
+              <a:rPr lang="en-US"/>
               <a:t>Third level</a:t>
             </a:r>
           </a:p>
           <a:p>
             <a:pPr lvl="3"/>
             <a:r>
-              <a:rPr lang="en-US" smtClean="0"/>
+              <a:rPr lang="en-US"/>
               <a:t>Fourth level</a:t>
             </a:r>
           </a:p>
           <a:p>
             <a:pPr lvl="4"/>
             <a:r>
-              <a:rPr lang="en-US" smtClean="0"/>
+              <a:rPr lang="en-US"/>
               <a:t>Fifth level</a:t>
             </a:r>
-            <a:endParaRPr lang="en-US"/>
           </a:p>
         </p:txBody>
       </p:sp>
@@ -1738,7 +1725,7 @@
           <a:p>
             <a:fld id="{A3639A2A-823D-48B7-9ACE-7FAF42870BA9}" type="datetime1">
               <a:rPr lang="en-US" smtClean="0"/>
-              <a:t>8/25/2015</a:t>
+              <a:t>8/14/2016</a:t>
             </a:fld>
             <a:endParaRPr lang="en-US"/>
           </a:p>
@@ -1837,10 +1824,9 @@
           <a:lstStyle/>
           <a:p>
             <a:r>
-              <a:rPr lang="en-US" smtClean="0"/>
+              <a:rPr lang="en-US"/>
               <a:t>Click to edit Master title style</a:t>
             </a:r>
-            <a:endParaRPr lang="en-US"/>
           </a:p>
         </p:txBody>
       </p:sp>
@@ -1866,38 +1852,37 @@
           <a:p>
             <a:pPr lvl="0"/>
             <a:r>
-              <a:rPr lang="en-US" smtClean="0"/>
+              <a:rPr lang="en-US"/>
               <a:t>Click to edit Master text styles</a:t>
             </a:r>
           </a:p>
           <a:p>
             <a:pPr lvl="1"/>
             <a:r>
-              <a:rPr lang="en-US" smtClean="0"/>
+              <a:rPr lang="en-US"/>
               <a:t>Second level</a:t>
             </a:r>
           </a:p>
           <a:p>
             <a:pPr lvl="2"/>
             <a:r>
-              <a:rPr lang="en-US" smtClean="0"/>
+              <a:rPr lang="en-US"/>
               <a:t>Third level</a:t>
             </a:r>
           </a:p>
           <a:p>
             <a:pPr lvl="3"/>
             <a:r>
-              <a:rPr lang="en-US" smtClean="0"/>
+              <a:rPr lang="en-US"/>
               <a:t>Fourth level</a:t>
             </a:r>
           </a:p>
           <a:p>
             <a:pPr lvl="4"/>
             <a:r>
-              <a:rPr lang="en-US" smtClean="0"/>
+              <a:rPr lang="en-US"/>
               <a:t>Fifth level</a:t>
             </a:r>
-            <a:endParaRPr lang="en-US"/>
           </a:p>
         </p:txBody>
       </p:sp>
@@ -1918,7 +1903,7 @@
           <a:p>
             <a:fld id="{ED1B6996-82E9-463C-972C-7B56056E426C}" type="datetime1">
               <a:rPr lang="en-US" smtClean="0"/>
-              <a:t>8/25/2015</a:t>
+              <a:t>8/14/2016</a:t>
             </a:fld>
             <a:endParaRPr lang="en-US"/>
           </a:p>
@@ -2018,10 +2003,9 @@
           <a:lstStyle/>
           <a:p>
             <a:r>
-              <a:rPr lang="en-US" dirty="0" smtClean="0"/>
+              <a:rPr lang="en-US" dirty="0"/>
               <a:t>Click to edit Master title style</a:t>
             </a:r>
-            <a:endParaRPr lang="en-US" dirty="0"/>
           </a:p>
         </p:txBody>
       </p:sp>
@@ -2042,38 +2026,37 @@
           <a:p>
             <a:pPr lvl="0"/>
             <a:r>
-              <a:rPr lang="en-US" smtClean="0"/>
+              <a:rPr lang="en-US"/>
               <a:t>Click to edit Master text styles</a:t>
             </a:r>
           </a:p>
           <a:p>
             <a:pPr lvl="1"/>
             <a:r>
-              <a:rPr lang="en-US" smtClean="0"/>
+              <a:rPr lang="en-US"/>
               <a:t>Second level</a:t>
             </a:r>
           </a:p>
           <a:p>
             <a:pPr lvl="2"/>
             <a:r>
-              <a:rPr lang="en-US" smtClean="0"/>
+              <a:rPr lang="en-US"/>
               <a:t>Third level</a:t>
             </a:r>
           </a:p>
           <a:p>
             <a:pPr lvl="3"/>
             <a:r>
-              <a:rPr lang="en-US" smtClean="0"/>
+              <a:rPr lang="en-US"/>
               <a:t>Fourth level</a:t>
             </a:r>
           </a:p>
           <a:p>
             <a:pPr lvl="4"/>
             <a:r>
-              <a:rPr lang="en-US" smtClean="0"/>
+              <a:rPr lang="en-US"/>
               <a:t>Fifth level</a:t>
             </a:r>
-            <a:endParaRPr lang="en-US"/>
           </a:p>
         </p:txBody>
       </p:sp>
@@ -2094,7 +2077,7 @@
           <a:p>
             <a:fld id="{E22ED4DA-448D-4BB1-B935-CC112220207B}" type="datetime1">
               <a:rPr lang="en-US" smtClean="0"/>
-              <a:t>8/25/2015</a:t>
+              <a:t>8/14/2016</a:t>
             </a:fld>
             <a:endParaRPr lang="en-US"/>
           </a:p>
@@ -2152,13 +2135,6 @@
   <p:clrMapOvr>
     <a:masterClrMapping/>
   </p:clrMapOvr>
-  <p:timing>
-    <p:tnLst>
-      <p:par>
-        <p:cTn id="1" dur="indefinite" restart="never" nodeType="tmRoot"/>
-      </p:par>
-    </p:tnLst>
-  </p:timing>
 </p:sldLayout>
 </file>
 
@@ -2195,10 +2171,9 @@
           <a:lstStyle/>
           <a:p>
             <a:r>
-              <a:rPr lang="en-US" smtClean="0"/>
+              <a:rPr lang="en-US"/>
               <a:t>Click to edit Master title style</a:t>
             </a:r>
-            <a:endParaRPr lang="en-US"/>
           </a:p>
         </p:txBody>
       </p:sp>
@@ -2224,38 +2199,37 @@
           <a:p>
             <a:pPr lvl="0"/>
             <a:r>
-              <a:rPr lang="en-US" dirty="0" smtClean="0"/>
+              <a:rPr lang="en-US" dirty="0"/>
               <a:t>Click to edit Master text styles</a:t>
             </a:r>
           </a:p>
           <a:p>
             <a:pPr lvl="1"/>
             <a:r>
-              <a:rPr lang="en-US" dirty="0" smtClean="0"/>
+              <a:rPr lang="en-US" dirty="0"/>
               <a:t>Second level</a:t>
             </a:r>
           </a:p>
           <a:p>
             <a:pPr lvl="2"/>
             <a:r>
-              <a:rPr lang="en-US" dirty="0" smtClean="0"/>
+              <a:rPr lang="en-US" dirty="0"/>
               <a:t>Third level</a:t>
             </a:r>
           </a:p>
           <a:p>
             <a:pPr lvl="3"/>
             <a:r>
-              <a:rPr lang="en-US" dirty="0" smtClean="0"/>
+              <a:rPr lang="en-US" dirty="0"/>
               <a:t>Fourth level</a:t>
             </a:r>
           </a:p>
           <a:p>
             <a:pPr lvl="4"/>
             <a:r>
-              <a:rPr lang="en-US" dirty="0" smtClean="0"/>
+              <a:rPr lang="en-US" dirty="0"/>
               <a:t>Fifth level</a:t>
             </a:r>
-            <a:endParaRPr lang="en-US" dirty="0"/>
           </a:p>
         </p:txBody>
       </p:sp>
@@ -2276,7 +2250,7 @@
           <a:p>
             <a:fld id="{E22ED4DA-448D-4BB1-B935-CC112220207B}" type="datetime1">
               <a:rPr lang="en-US" smtClean="0"/>
-              <a:t>8/25/2015</a:t>
+              <a:t>8/14/2016</a:t>
             </a:fld>
             <a:endParaRPr lang="en-US"/>
           </a:p>
@@ -2366,7 +2340,7 @@
           <a:lstStyle/>
           <a:p>
             <a:pPr algn="ctr"/>
-            <a:endParaRPr lang="en-US" dirty="0" smtClean="0">
+            <a:endParaRPr lang="en-US" dirty="0">
               <a:solidFill>
                 <a:schemeClr val="tx1"/>
               </a:solidFill>
@@ -2397,11 +2371,11 @@
           <a:lstStyle/>
           <a:p>
             <a:r>
-              <a:rPr lang="en-US" dirty="0" smtClean="0"/>
+              <a:rPr lang="en-US" dirty="0"/>
               <a:t>Resize video to this</a:t>
             </a:r>
             <a:r>
-              <a:rPr lang="en-US" baseline="0" dirty="0" smtClean="0"/>
+              <a:rPr lang="en-US" baseline="0" dirty="0"/>
               <a:t> box.</a:t>
             </a:r>
             <a:endParaRPr lang="en-US" dirty="0"/>
@@ -2418,13 +2392,6 @@
   <p:clrMapOvr>
     <a:masterClrMapping/>
   </p:clrMapOvr>
-  <p:timing>
-    <p:tnLst>
-      <p:par>
-        <p:cTn id="1" dur="indefinite" restart="never" nodeType="tmRoot"/>
-      </p:par>
-    </p:tnLst>
-  </p:timing>
 </p:sldLayout>
 </file>
 
@@ -2461,10 +2428,9 @@
           <a:lstStyle/>
           <a:p>
             <a:r>
-              <a:rPr lang="en-US" smtClean="0"/>
+              <a:rPr lang="en-US"/>
               <a:t>Click to edit Master title style</a:t>
             </a:r>
-            <a:endParaRPr lang="en-US"/>
           </a:p>
         </p:txBody>
       </p:sp>
@@ -2493,38 +2459,37 @@
           <a:p>
             <a:pPr lvl="0"/>
             <a:r>
-              <a:rPr lang="en-US" dirty="0" smtClean="0"/>
+              <a:rPr lang="en-US" dirty="0"/>
               <a:t>Click to edit Master text styles</a:t>
             </a:r>
           </a:p>
           <a:p>
             <a:pPr lvl="1"/>
             <a:r>
-              <a:rPr lang="en-US" dirty="0" smtClean="0"/>
+              <a:rPr lang="en-US" dirty="0"/>
               <a:t>Second level</a:t>
             </a:r>
           </a:p>
           <a:p>
             <a:pPr lvl="2"/>
             <a:r>
-              <a:rPr lang="en-US" dirty="0" smtClean="0"/>
+              <a:rPr lang="en-US" dirty="0"/>
               <a:t>Third level</a:t>
             </a:r>
           </a:p>
           <a:p>
             <a:pPr lvl="3"/>
             <a:r>
-              <a:rPr lang="en-US" dirty="0" smtClean="0"/>
+              <a:rPr lang="en-US" dirty="0"/>
               <a:t>Fourth level</a:t>
             </a:r>
           </a:p>
           <a:p>
             <a:pPr lvl="4"/>
             <a:r>
-              <a:rPr lang="en-US" dirty="0" smtClean="0"/>
+              <a:rPr lang="en-US" dirty="0"/>
               <a:t>Fifth level</a:t>
             </a:r>
-            <a:endParaRPr lang="en-US" dirty="0"/>
           </a:p>
         </p:txBody>
       </p:sp>
@@ -2545,7 +2510,7 @@
           <a:p>
             <a:fld id="{FF5D65A6-AB94-4435-B0B7-3743215FA46C}" type="datetime1">
               <a:rPr lang="en-US" smtClean="0"/>
-              <a:t>8/25/2015</a:t>
+              <a:t>8/14/2016</a:t>
             </a:fld>
             <a:endParaRPr lang="en-US"/>
           </a:p>
@@ -2603,13 +2568,6 @@
   <p:clrMapOvr>
     <a:masterClrMapping/>
   </p:clrMapOvr>
-  <p:timing>
-    <p:tnLst>
-      <p:par>
-        <p:cTn id="1" dur="indefinite" restart="never" nodeType="tmRoot"/>
-      </p:par>
-    </p:tnLst>
-  </p:timing>
 </p:sldLayout>
 </file>
 
@@ -2646,10 +2604,9 @@
           <a:lstStyle/>
           <a:p>
             <a:r>
-              <a:rPr lang="en-US" smtClean="0"/>
+              <a:rPr lang="en-US"/>
               <a:t>Click to edit Master title style</a:t>
             </a:r>
-            <a:endParaRPr lang="en-US"/>
           </a:p>
         </p:txBody>
       </p:sp>
@@ -2678,38 +2635,37 @@
           <a:p>
             <a:pPr lvl="0"/>
             <a:r>
-              <a:rPr lang="en-US" dirty="0" smtClean="0"/>
+              <a:rPr lang="en-US" dirty="0"/>
               <a:t>Click to edit Master text styles</a:t>
             </a:r>
           </a:p>
           <a:p>
             <a:pPr lvl="1"/>
             <a:r>
-              <a:rPr lang="en-US" dirty="0" smtClean="0"/>
+              <a:rPr lang="en-US" dirty="0"/>
               <a:t>Second level</a:t>
             </a:r>
           </a:p>
           <a:p>
             <a:pPr lvl="2"/>
             <a:r>
-              <a:rPr lang="en-US" dirty="0" smtClean="0"/>
+              <a:rPr lang="en-US" dirty="0"/>
               <a:t>Third level</a:t>
             </a:r>
           </a:p>
           <a:p>
             <a:pPr lvl="3"/>
             <a:r>
-              <a:rPr lang="en-US" dirty="0" smtClean="0"/>
+              <a:rPr lang="en-US" dirty="0"/>
               <a:t>Fourth level</a:t>
             </a:r>
           </a:p>
           <a:p>
             <a:pPr lvl="4"/>
             <a:r>
-              <a:rPr lang="en-US" dirty="0" smtClean="0"/>
+              <a:rPr lang="en-US" dirty="0"/>
               <a:t>Fifth level</a:t>
             </a:r>
-            <a:endParaRPr lang="en-US" dirty="0"/>
           </a:p>
         </p:txBody>
       </p:sp>
@@ -2730,7 +2686,7 @@
           <a:p>
             <a:fld id="{FF5D65A6-AB94-4435-B0B7-3743215FA46C}" type="datetime1">
               <a:rPr lang="en-US" smtClean="0"/>
-              <a:t>8/25/2015</a:t>
+              <a:t>8/14/2016</a:t>
             </a:fld>
             <a:endParaRPr lang="en-US"/>
           </a:p>
@@ -2837,13 +2793,6 @@
   <p:clrMapOvr>
     <a:masterClrMapping/>
   </p:clrMapOvr>
-  <p:timing>
-    <p:tnLst>
-      <p:par>
-        <p:cTn id="1" dur="indefinite" restart="never" nodeType="tmRoot"/>
-      </p:par>
-    </p:tnLst>
-  </p:timing>
 </p:sldLayout>
 </file>
 
@@ -2889,10 +2838,9 @@
           </a:lstStyle>
           <a:p>
             <a:r>
-              <a:rPr lang="en-US" smtClean="0"/>
+              <a:rPr lang="en-US"/>
               <a:t>Click to edit Master title style</a:t>
             </a:r>
-            <a:endParaRPr lang="en-US"/>
           </a:p>
         </p:txBody>
       </p:sp>
@@ -3009,7 +2957,7 @@
           <a:p>
             <a:pPr lvl="0"/>
             <a:r>
-              <a:rPr lang="en-US" smtClean="0"/>
+              <a:rPr lang="en-US"/>
               <a:t>Click to edit Master text styles</a:t>
             </a:r>
           </a:p>
@@ -3032,7 +2980,7 @@
           <a:p>
             <a:fld id="{7C193DC4-6EF0-48C9-B29C-616106A645E1}" type="datetime1">
               <a:rPr lang="en-US" smtClean="0"/>
-              <a:t>8/25/2015</a:t>
+              <a:t>8/14/2016</a:t>
             </a:fld>
             <a:endParaRPr lang="en-US"/>
           </a:p>
@@ -3126,10 +3074,9 @@
           <a:lstStyle/>
           <a:p>
             <a:r>
-              <a:rPr lang="en-US" smtClean="0"/>
+              <a:rPr lang="en-US"/>
               <a:t>Click to edit Master title style</a:t>
             </a:r>
-            <a:endParaRPr lang="en-US"/>
           </a:p>
         </p:txBody>
       </p:sp>
@@ -3183,38 +3130,37 @@
           <a:p>
             <a:pPr lvl="0"/>
             <a:r>
-              <a:rPr lang="en-US" smtClean="0"/>
+              <a:rPr lang="en-US"/>
               <a:t>Click to edit Master text styles</a:t>
             </a:r>
           </a:p>
           <a:p>
             <a:pPr lvl="1"/>
             <a:r>
-              <a:rPr lang="en-US" smtClean="0"/>
+              <a:rPr lang="en-US"/>
               <a:t>Second level</a:t>
             </a:r>
           </a:p>
           <a:p>
             <a:pPr lvl="2"/>
             <a:r>
-              <a:rPr lang="en-US" smtClean="0"/>
+              <a:rPr lang="en-US"/>
               <a:t>Third level</a:t>
             </a:r>
           </a:p>
           <a:p>
             <a:pPr lvl="3"/>
             <a:r>
-              <a:rPr lang="en-US" smtClean="0"/>
+              <a:rPr lang="en-US"/>
               <a:t>Fourth level</a:t>
             </a:r>
           </a:p>
           <a:p>
             <a:pPr lvl="4"/>
             <a:r>
-              <a:rPr lang="en-US" smtClean="0"/>
+              <a:rPr lang="en-US"/>
               <a:t>Fifth level</a:t>
             </a:r>
-            <a:endParaRPr lang="en-US"/>
           </a:p>
         </p:txBody>
       </p:sp>
@@ -3268,38 +3214,37 @@
           <a:p>
             <a:pPr lvl="0"/>
             <a:r>
-              <a:rPr lang="en-US" smtClean="0"/>
+              <a:rPr lang="en-US"/>
               <a:t>Click to edit Master text styles</a:t>
             </a:r>
           </a:p>
           <a:p>
             <a:pPr lvl="1"/>
             <a:r>
-              <a:rPr lang="en-US" smtClean="0"/>
+              <a:rPr lang="en-US"/>
               <a:t>Second level</a:t>
             </a:r>
           </a:p>
           <a:p>
             <a:pPr lvl="2"/>
             <a:r>
-              <a:rPr lang="en-US" smtClean="0"/>
+              <a:rPr lang="en-US"/>
               <a:t>Third level</a:t>
             </a:r>
           </a:p>
           <a:p>
             <a:pPr lvl="3"/>
             <a:r>
-              <a:rPr lang="en-US" smtClean="0"/>
+              <a:rPr lang="en-US"/>
               <a:t>Fourth level</a:t>
             </a:r>
           </a:p>
           <a:p>
             <a:pPr lvl="4"/>
             <a:r>
-              <a:rPr lang="en-US" smtClean="0"/>
+              <a:rPr lang="en-US"/>
               <a:t>Fifth level</a:t>
             </a:r>
-            <a:endParaRPr lang="en-US"/>
           </a:p>
         </p:txBody>
       </p:sp>
@@ -3320,7 +3265,7 @@
           <a:p>
             <a:fld id="{5D1846AD-9252-4647-9435-4C2AC365653A}" type="datetime1">
               <a:rPr lang="en-US" smtClean="0"/>
-              <a:t>8/25/2015</a:t>
+              <a:t>8/14/2016</a:t>
             </a:fld>
             <a:endParaRPr lang="en-US"/>
           </a:p>
@@ -3418,10 +3363,9 @@
           </a:lstStyle>
           <a:p>
             <a:r>
-              <a:rPr lang="en-US" smtClean="0"/>
+              <a:rPr lang="en-US"/>
               <a:t>Click to edit Master title style</a:t>
             </a:r>
-            <a:endParaRPr lang="en-US"/>
           </a:p>
         </p:txBody>
       </p:sp>
@@ -3484,7 +3428,7 @@
           <a:p>
             <a:pPr lvl="0"/>
             <a:r>
-              <a:rPr lang="en-US" smtClean="0"/>
+              <a:rPr lang="en-US"/>
               <a:t>Click to edit Master text styles</a:t>
             </a:r>
           </a:p>
@@ -3540,38 +3484,37 @@
           <a:p>
             <a:pPr lvl="0"/>
             <a:r>
-              <a:rPr lang="en-US" smtClean="0"/>
+              <a:rPr lang="en-US"/>
               <a:t>Click to edit Master text styles</a:t>
             </a:r>
           </a:p>
           <a:p>
             <a:pPr lvl="1"/>
             <a:r>
-              <a:rPr lang="en-US" smtClean="0"/>
+              <a:rPr lang="en-US"/>
               <a:t>Second level</a:t>
             </a:r>
           </a:p>
           <a:p>
             <a:pPr lvl="2"/>
             <a:r>
-              <a:rPr lang="en-US" smtClean="0"/>
+              <a:rPr lang="en-US"/>
               <a:t>Third level</a:t>
             </a:r>
           </a:p>
           <a:p>
             <a:pPr lvl="3"/>
             <a:r>
-              <a:rPr lang="en-US" smtClean="0"/>
+              <a:rPr lang="en-US"/>
               <a:t>Fourth level</a:t>
             </a:r>
           </a:p>
           <a:p>
             <a:pPr lvl="4"/>
             <a:r>
-              <a:rPr lang="en-US" smtClean="0"/>
+              <a:rPr lang="en-US"/>
               <a:t>Fifth level</a:t>
             </a:r>
-            <a:endParaRPr lang="en-US"/>
           </a:p>
         </p:txBody>
       </p:sp>
@@ -3634,7 +3577,7 @@
           <a:p>
             <a:pPr lvl="0"/>
             <a:r>
-              <a:rPr lang="en-US" smtClean="0"/>
+              <a:rPr lang="en-US"/>
               <a:t>Click to edit Master text styles</a:t>
             </a:r>
           </a:p>
@@ -3690,38 +3633,37 @@
           <a:p>
             <a:pPr lvl="0"/>
             <a:r>
-              <a:rPr lang="en-US" smtClean="0"/>
+              <a:rPr lang="en-US"/>
               <a:t>Click to edit Master text styles</a:t>
             </a:r>
           </a:p>
           <a:p>
             <a:pPr lvl="1"/>
             <a:r>
-              <a:rPr lang="en-US" smtClean="0"/>
+              <a:rPr lang="en-US"/>
               <a:t>Second level</a:t>
             </a:r>
           </a:p>
           <a:p>
             <a:pPr lvl="2"/>
             <a:r>
-              <a:rPr lang="en-US" smtClean="0"/>
+              <a:rPr lang="en-US"/>
               <a:t>Third level</a:t>
             </a:r>
           </a:p>
           <a:p>
             <a:pPr lvl="3"/>
             <a:r>
-              <a:rPr lang="en-US" smtClean="0"/>
+              <a:rPr lang="en-US"/>
               <a:t>Fourth level</a:t>
             </a:r>
           </a:p>
           <a:p>
             <a:pPr lvl="4"/>
             <a:r>
-              <a:rPr lang="en-US" smtClean="0"/>
+              <a:rPr lang="en-US"/>
               <a:t>Fifth level</a:t>
             </a:r>
-            <a:endParaRPr lang="en-US"/>
           </a:p>
         </p:txBody>
       </p:sp>
@@ -3742,7 +3684,7 @@
           <a:p>
             <a:fld id="{CE56DC10-3561-4063-A6AF-C1CC7A41040A}" type="datetime1">
               <a:rPr lang="en-US" smtClean="0"/>
-              <a:t>8/25/2015</a:t>
+              <a:t>8/14/2016</a:t>
             </a:fld>
             <a:endParaRPr lang="en-US"/>
           </a:p>
@@ -3836,10 +3778,9 @@
           <a:lstStyle/>
           <a:p>
             <a:r>
-              <a:rPr lang="en-US" smtClean="0"/>
+              <a:rPr lang="en-US"/>
               <a:t>Click to edit Master title style</a:t>
             </a:r>
-            <a:endParaRPr lang="en-US"/>
           </a:p>
         </p:txBody>
       </p:sp>
@@ -3860,7 +3801,7 @@
           <a:p>
             <a:fld id="{2F7B77F5-1464-4F6B-92A8-64FC8A508293}" type="datetime1">
               <a:rPr lang="en-US" smtClean="0"/>
-              <a:t>8/25/2015</a:t>
+              <a:t>8/14/2016</a:t>
             </a:fld>
             <a:endParaRPr lang="en-US"/>
           </a:p>
@@ -3918,13 +3859,6 @@
   <p:clrMapOvr>
     <a:masterClrMapping/>
   </p:clrMapOvr>
-  <p:timing>
-    <p:tnLst>
-      <p:par>
-        <p:cTn id="1" dur="indefinite" restart="never" nodeType="tmRoot"/>
-      </p:par>
-    </p:tnLst>
-  </p:timing>
 </p:sldLayout>
 </file>
 
@@ -3988,10 +3922,9 @@
           <a:lstStyle/>
           <a:p>
             <a:r>
-              <a:rPr lang="en-US" smtClean="0"/>
+              <a:rPr lang="en-US"/>
               <a:t>Click to edit Master title style</a:t>
             </a:r>
-            <a:endParaRPr lang="en-US"/>
           </a:p>
         </p:txBody>
       </p:sp>
@@ -4022,38 +3955,37 @@
           <a:p>
             <a:pPr lvl="0"/>
             <a:r>
-              <a:rPr lang="en-US" smtClean="0"/>
+              <a:rPr lang="en-US"/>
               <a:t>Click to edit Master text styles</a:t>
             </a:r>
           </a:p>
           <a:p>
             <a:pPr lvl="1"/>
             <a:r>
-              <a:rPr lang="en-US" smtClean="0"/>
+              <a:rPr lang="en-US"/>
               <a:t>Second level</a:t>
             </a:r>
           </a:p>
           <a:p>
             <a:pPr lvl="2"/>
             <a:r>
-              <a:rPr lang="en-US" smtClean="0"/>
+              <a:rPr lang="en-US"/>
               <a:t>Third level</a:t>
             </a:r>
           </a:p>
           <a:p>
             <a:pPr lvl="3"/>
             <a:r>
-              <a:rPr lang="en-US" smtClean="0"/>
+              <a:rPr lang="en-US"/>
               <a:t>Fourth level</a:t>
             </a:r>
           </a:p>
           <a:p>
             <a:pPr lvl="4"/>
             <a:r>
-              <a:rPr lang="en-US" smtClean="0"/>
+              <a:rPr lang="en-US"/>
               <a:t>Fifth level</a:t>
             </a:r>
-            <a:endParaRPr lang="en-US"/>
           </a:p>
         </p:txBody>
       </p:sp>
@@ -4092,7 +4024,7 @@
           <a:p>
             <a:fld id="{02B3F677-983B-48DB-ADFD-63FE6CBC7FB2}" type="datetime1">
               <a:rPr lang="en-US" smtClean="0"/>
-              <a:t>8/25/2015</a:t>
+              <a:t>8/14/2016</a:t>
             </a:fld>
             <a:endParaRPr lang="en-US"/>
           </a:p>
@@ -4200,13 +4132,6 @@
     <p:sldLayoutId id="2147483673" r:id="rId13"/>
     <p:sldLayoutId id="2147483674" r:id="rId14"/>
   </p:sldLayoutIdLst>
-  <p:timing>
-    <p:tnLst>
-      <p:par>
-        <p:cTn id="1" dur="indefinite" restart="never" nodeType="tmRoot"/>
-      </p:par>
-    </p:tnLst>
-  </p:timing>
   <p:hf hdr="0" ftr="0" dt="0"/>
   <p:txStyles>
     <p:titleStyle>
@@ -4494,10 +4419,9 @@
           <a:lstStyle/>
           <a:p>
             <a:r>
-              <a:rPr lang="en-US" dirty="0" smtClean="0"/>
+              <a:rPr lang="en-US" dirty="0"/>
               <a:t>Lists of Structures</a:t>
             </a:r>
-            <a:endParaRPr lang="en-US" dirty="0"/>
           </a:p>
         </p:txBody>
       </p:sp>
@@ -4517,13 +4441,13 @@
           <a:lstStyle/>
           <a:p>
             <a:r>
-              <a:rPr lang="en-US" dirty="0" smtClean="0"/>
+              <a:rPr lang="en-US" dirty="0"/>
               <a:t>CS 5010 Program Design Paradigms “Bootcamp”</a:t>
             </a:r>
           </a:p>
           <a:p>
             <a:r>
-              <a:rPr lang="en-US" dirty="0" smtClean="0"/>
+              <a:rPr lang="en-US" dirty="0"/>
               <a:t>Lesson 4.3</a:t>
             </a:r>
           </a:p>
@@ -4583,29 +4507,29 @@
           <a:lstStyle/>
           <a:p>
             <a:r>
-              <a:rPr lang="en-US" smtClean="0"/>
+              <a:rPr lang="en-US"/>
               <a:t>TexPoint fonts used in EMF. </a:t>
             </a:r>
           </a:p>
           <a:p>
             <a:r>
-              <a:rPr lang="en-US" smtClean="0"/>
+              <a:rPr lang="en-US"/>
               <a:t>Read the TexPoint manual before you delete this box.: </a:t>
             </a:r>
             <a:r>
-              <a:rPr lang="en-US" smtClean="0">
+              <a:rPr lang="en-US">
                 <a:latin typeface="CMMI10"/>
               </a:rPr>
               <a:t>A</a:t>
             </a:r>
             <a:r>
-              <a:rPr lang="en-US" smtClean="0">
+              <a:rPr lang="en-US">
                 <a:latin typeface="CMR10"/>
               </a:rPr>
               <a:t>A</a:t>
             </a:r>
             <a:r>
-              <a:rPr lang="en-US" smtClean="0">
+              <a:rPr lang="en-US">
                 <a:latin typeface="CMSY10ORIG"/>
               </a:rPr>
               <a:t>A</a:t>
@@ -4682,27 +4606,13 @@
             <a:p>
               <a:r>
                 <a:rPr lang="en-US" sz="1000" dirty="0"/>
-                <a:t>© Mitchell Wand, </a:t>
-              </a:r>
-              <a:r>
-                <a:rPr lang="en-US" sz="1000" dirty="0" smtClean="0"/>
-                <a:t>2012-2014</a:t>
+                <a:t>© Mitchell Wand, 2012-2014</a:t>
               </a:r>
             </a:p>
             <a:p>
               <a:r>
-                <a:rPr lang="en-US" sz="1000" dirty="0" smtClean="0"/>
+                <a:rPr lang="en-US" sz="1000" dirty="0"/>
                 <a:t>This work is licensed under a </a:t>
-              </a:r>
-              <a:r>
-                <a:rPr lang="en-US" altLang="en-US" sz="1000" dirty="0" smtClean="0">
-                  <a:solidFill>
-                    <a:srgbClr val="4374B7"/>
-                  </a:solidFill>
-                  <a:latin typeface="Helvetica Neue"/>
-                  <a:hlinkClick r:id="rId5"/>
-                </a:rPr>
-                <a:t>Creative </a:t>
               </a:r>
               <a:r>
                 <a:rPr lang="en-US" altLang="en-US" sz="1000" dirty="0">
@@ -4712,7 +4622,7 @@
                   <a:latin typeface="Helvetica Neue"/>
                   <a:hlinkClick r:id="rId5"/>
                 </a:rPr>
-                <a:t>Commons Attribution-</a:t>
+                <a:t>Creative Commons Attribution-</a:t>
               </a:r>
               <a:r>
                 <a:rPr lang="en-US" altLang="en-US" sz="1000" dirty="0" err="1">
@@ -4735,10 +4645,9 @@
                 <a:t> 4.0 International License</a:t>
               </a:r>
               <a:r>
-                <a:rPr lang="en-US" sz="1000" dirty="0" smtClean="0"/>
+                <a:rPr lang="en-US" sz="1000" dirty="0"/>
                 <a:t>.</a:t>
               </a:r>
-              <a:endParaRPr lang="en-US" sz="1000" dirty="0"/>
             </a:p>
           </p:txBody>
         </p:sp>
@@ -4753,13 +4662,6 @@
   <p:clrMapOvr>
     <a:masterClrMapping/>
   </p:clrMapOvr>
-  <p:timing>
-    <p:tnLst>
-      <p:par>
-        <p:cTn id="1" dur="indefinite" restart="never" nodeType="tmRoot"/>
-      </p:par>
-    </p:tnLst>
-  </p:timing>
 </p:sld>
 </file>
 
@@ -4793,794 +4695,14 @@
         <p:spPr/>
         <p:txBody>
           <a:bodyPr>
-            <a:normAutofit fontScale="90000"/>
-          </a:bodyPr>
-          <a:lstStyle/>
-          <a:p>
-            <a:r>
-              <a:rPr lang="en-US" dirty="0" smtClean="0"/>
-              <a:t>Module Summary: Self-Referential or Recursive Information</a:t>
-            </a:r>
-            <a:endParaRPr lang="en-US" dirty="0"/>
-          </a:p>
-        </p:txBody>
-      </p:sp>
-      <p:sp>
-        <p:nvSpPr>
-          <p:cNvPr id="3" name="Content Placeholder 2"/>
-          <p:cNvSpPr>
-            <a:spLocks noGrp="1"/>
-          </p:cNvSpPr>
-          <p:nvPr>
-            <p:ph idx="1"/>
-          </p:nvPr>
-        </p:nvSpPr>
-        <p:spPr/>
-        <p:txBody>
-          <a:bodyPr>
-            <a:normAutofit lnSpcReduction="10000"/>
-          </a:bodyPr>
-          <a:lstStyle/>
-          <a:p>
-            <a:r>
-              <a:rPr lang="en-US" dirty="0" smtClean="0"/>
-              <a:t>Represent arbitrary-sized information using a </a:t>
-            </a:r>
-            <a:r>
-              <a:rPr lang="en-US" i="1" dirty="0" smtClean="0">
-                <a:solidFill>
-                  <a:srgbClr val="FF0000"/>
-                </a:solidFill>
-              </a:rPr>
-              <a:t>self-referential</a:t>
-            </a:r>
-            <a:r>
-              <a:rPr lang="en-US" dirty="0" smtClean="0"/>
-              <a:t> (or </a:t>
-            </a:r>
-            <a:r>
-              <a:rPr lang="en-US" i="1" dirty="0" smtClean="0">
-                <a:solidFill>
-                  <a:srgbClr val="FF0000"/>
-                </a:solidFill>
-              </a:rPr>
-              <a:t>recursive</a:t>
-            </a:r>
-            <a:r>
-              <a:rPr lang="en-US" dirty="0" smtClean="0"/>
-              <a:t>) data definition.</a:t>
-            </a:r>
-          </a:p>
-          <a:p>
-            <a:r>
-              <a:rPr lang="en-US" dirty="0" smtClean="0"/>
-              <a:t>Self-reference in the data definition leads to self-reference in the template.</a:t>
-            </a:r>
-          </a:p>
-          <a:p>
-            <a:r>
-              <a:rPr lang="en-US" dirty="0" smtClean="0"/>
-              <a:t>Self-reference in the template leads to self-reference in the code.</a:t>
-            </a:r>
-          </a:p>
-          <a:p>
-            <a:r>
-              <a:rPr lang="en-US" dirty="0" smtClean="0"/>
-              <a:t>Writing functions on this kind of data is easy: just Follow The Recipe!</a:t>
-            </a:r>
-          </a:p>
-          <a:p>
-            <a:r>
-              <a:rPr lang="en-US" dirty="0" smtClean="0"/>
-              <a:t>But get the template right!</a:t>
-            </a:r>
-          </a:p>
-          <a:p>
-            <a:pPr lvl="1"/>
-            <a:endParaRPr lang="en-US" dirty="0"/>
-          </a:p>
-        </p:txBody>
-      </p:sp>
-      <p:sp>
-        <p:nvSpPr>
-          <p:cNvPr id="4" name="Slide Number Placeholder 3"/>
-          <p:cNvSpPr>
-            <a:spLocks noGrp="1"/>
-          </p:cNvSpPr>
-          <p:nvPr>
-            <p:ph type="sldNum" sz="quarter" idx="12"/>
-          </p:nvPr>
-        </p:nvSpPr>
-        <p:spPr/>
-        <p:txBody>
-          <a:bodyPr/>
-          <a:lstStyle/>
-          <a:p>
-            <a:fld id="{9F4492BD-6A9C-48FC-AC76-0B4FE11194A1}" type="slidenum">
-              <a:rPr lang="en-US" smtClean="0"/>
-              <a:pPr/>
-              <a:t>10</a:t>
-            </a:fld>
-            <a:endParaRPr lang="en-US"/>
-          </a:p>
-        </p:txBody>
-      </p:sp>
-    </p:spTree>
-    <p:extLst>
-      <p:ext uri="{BB962C8B-B14F-4D97-AF65-F5344CB8AC3E}">
-        <p14:creationId xmlns:p14="http://schemas.microsoft.com/office/powerpoint/2010/main" val="2462851628"/>
-      </p:ext>
-    </p:extLst>
-  </p:cSld>
-  <p:clrMapOvr>
-    <a:masterClrMapping/>
-  </p:clrMapOvr>
-  <p:timing>
-    <p:tnLst>
-      <p:par>
-        <p:cTn id="1" dur="indefinite" restart="never" nodeType="tmRoot"/>
-      </p:par>
-    </p:tnLst>
-  </p:timing>
-</p:sld>
-</file>
-
-<file path=ppt/slides/slide11.xml><?xml version="1.0" encoding="utf-8"?>
-<p:sld xmlns:a="http://schemas.openxmlformats.org/drawingml/2006/main" xmlns:r="http://schemas.openxmlformats.org/officeDocument/2006/relationships" xmlns:p="http://schemas.openxmlformats.org/presentationml/2006/main">
-  <p:cSld>
-    <p:spTree>
-      <p:nvGrpSpPr>
-        <p:cNvPr id="1" name=""/>
-        <p:cNvGrpSpPr/>
-        <p:nvPr/>
-      </p:nvGrpSpPr>
-      <p:grpSpPr>
-        <a:xfrm>
-          <a:off x="0" y="0"/>
-          <a:ext cx="0" cy="0"/>
-          <a:chOff x="0" y="0"/>
-          <a:chExt cx="0" cy="0"/>
-        </a:xfrm>
-      </p:grpSpPr>
-      <p:sp>
-        <p:nvSpPr>
-          <p:cNvPr id="2" name="Title 1"/>
-          <p:cNvSpPr>
-            <a:spLocks noGrp="1"/>
-          </p:cNvSpPr>
-          <p:nvPr>
-            <p:ph type="title"/>
-          </p:nvPr>
-        </p:nvSpPr>
-        <p:spPr/>
-        <p:txBody>
-          <a:bodyPr/>
-          <a:lstStyle/>
-          <a:p>
-            <a:r>
-              <a:rPr lang="en-US" dirty="0" smtClean="0"/>
-              <a:t>Summary</a:t>
-            </a:r>
-            <a:endParaRPr lang="en-US" dirty="0"/>
-          </a:p>
-        </p:txBody>
-      </p:sp>
-      <p:sp>
-        <p:nvSpPr>
-          <p:cNvPr id="3" name="Content Placeholder 2"/>
-          <p:cNvSpPr>
-            <a:spLocks noGrp="1"/>
-          </p:cNvSpPr>
-          <p:nvPr>
-            <p:ph idx="1"/>
-          </p:nvPr>
-        </p:nvSpPr>
-        <p:spPr/>
-        <p:txBody>
-          <a:bodyPr/>
-          <a:lstStyle/>
-          <a:p>
-            <a:r>
-              <a:rPr lang="en-US" dirty="0"/>
-              <a:t>At the end of this lesson you should be able to:</a:t>
-            </a:r>
-          </a:p>
-          <a:p>
-            <a:pPr lvl="1"/>
-            <a:r>
-              <a:rPr lang="en-US" dirty="0"/>
-              <a:t>write down a template for lists of compound data</a:t>
-            </a:r>
-          </a:p>
-          <a:p>
-            <a:pPr lvl="1"/>
-            <a:r>
-              <a:rPr lang="en-US" dirty="0"/>
-              <a:t>use the template to write simple functions on lists of compound </a:t>
-            </a:r>
-            <a:r>
-              <a:rPr lang="en-US" dirty="0" smtClean="0"/>
-              <a:t>data</a:t>
-            </a:r>
-          </a:p>
-          <a:p>
-            <a:r>
-              <a:rPr lang="en-US" dirty="0" smtClean="0"/>
-              <a:t>The Guided Practices will give you some exercise in doing this.</a:t>
-            </a:r>
-            <a:endParaRPr lang="en-US" dirty="0"/>
-          </a:p>
-        </p:txBody>
-      </p:sp>
-      <p:sp>
-        <p:nvSpPr>
-          <p:cNvPr id="4" name="Slide Number Placeholder 3"/>
-          <p:cNvSpPr>
-            <a:spLocks noGrp="1"/>
-          </p:cNvSpPr>
-          <p:nvPr>
-            <p:ph type="sldNum" sz="quarter" idx="12"/>
-          </p:nvPr>
-        </p:nvSpPr>
-        <p:spPr/>
-        <p:txBody>
-          <a:bodyPr/>
-          <a:lstStyle/>
-          <a:p>
-            <a:fld id="{9F4492BD-6A9C-48FC-AC76-0B4FE11194A1}" type="slidenum">
-              <a:rPr lang="en-US" smtClean="0"/>
-              <a:pPr/>
-              <a:t>11</a:t>
-            </a:fld>
-            <a:endParaRPr lang="en-US"/>
-          </a:p>
-        </p:txBody>
-      </p:sp>
-    </p:spTree>
-    <p:extLst>
-      <p:ext uri="{BB962C8B-B14F-4D97-AF65-F5344CB8AC3E}">
-        <p14:creationId xmlns:p14="http://schemas.microsoft.com/office/powerpoint/2010/main" val="711196483"/>
-      </p:ext>
-    </p:extLst>
-  </p:cSld>
-  <p:clrMapOvr>
-    <a:masterClrMapping/>
-  </p:clrMapOvr>
-  <p:timing>
-    <p:tnLst>
-      <p:par>
-        <p:cTn id="1" dur="indefinite" restart="never" nodeType="tmRoot"/>
-      </p:par>
-    </p:tnLst>
-  </p:timing>
-</p:sld>
-</file>
-
-<file path=ppt/slides/slide12.xml><?xml version="1.0" encoding="utf-8"?>
-<p:sld xmlns:a="http://schemas.openxmlformats.org/drawingml/2006/main" xmlns:r="http://schemas.openxmlformats.org/officeDocument/2006/relationships" xmlns:p="http://schemas.openxmlformats.org/presentationml/2006/main">
-  <p:cSld>
-    <p:spTree>
-      <p:nvGrpSpPr>
-        <p:cNvPr id="1" name=""/>
-        <p:cNvGrpSpPr/>
-        <p:nvPr/>
-      </p:nvGrpSpPr>
-      <p:grpSpPr>
-        <a:xfrm>
-          <a:off x="0" y="0"/>
-          <a:ext cx="0" cy="0"/>
-          <a:chOff x="0" y="0"/>
-          <a:chExt cx="0" cy="0"/>
-        </a:xfrm>
-      </p:grpSpPr>
-      <p:sp>
-        <p:nvSpPr>
-          <p:cNvPr id="2" name="Title 1"/>
-          <p:cNvSpPr>
-            <a:spLocks noGrp="1"/>
-          </p:cNvSpPr>
-          <p:nvPr>
-            <p:ph type="title"/>
-          </p:nvPr>
-        </p:nvSpPr>
-        <p:spPr/>
-        <p:txBody>
-          <a:bodyPr/>
-          <a:lstStyle/>
-          <a:p>
-            <a:r>
-              <a:rPr lang="en-US" dirty="0" smtClean="0"/>
-              <a:t>Next Steps</a:t>
-            </a:r>
-            <a:endParaRPr lang="en-US" dirty="0"/>
-          </a:p>
-        </p:txBody>
-      </p:sp>
-      <p:sp>
-        <p:nvSpPr>
-          <p:cNvPr id="3" name="Content Placeholder 2"/>
-          <p:cNvSpPr>
-            <a:spLocks noGrp="1"/>
-          </p:cNvSpPr>
-          <p:nvPr>
-            <p:ph idx="1"/>
-          </p:nvPr>
-        </p:nvSpPr>
-        <p:spPr/>
-        <p:txBody>
-          <a:bodyPr/>
-          <a:lstStyle/>
-          <a:p>
-            <a:r>
-              <a:rPr lang="en-US" dirty="0" smtClean="0"/>
-              <a:t>Study 04-2-books.rkt in the Examples file</a:t>
-            </a:r>
-          </a:p>
-          <a:p>
-            <a:r>
-              <a:rPr lang="en-US" dirty="0" smtClean="0"/>
-              <a:t>If you have questions about this lesson, ask them on the Discussion Board</a:t>
-            </a:r>
-          </a:p>
-          <a:p>
-            <a:r>
-              <a:rPr lang="en-US" smtClean="0"/>
-              <a:t>Do </a:t>
-            </a:r>
-            <a:r>
-              <a:rPr lang="en-US" smtClean="0"/>
-              <a:t>Guided Practice 4.4</a:t>
-            </a:r>
-            <a:endParaRPr lang="en-US" dirty="0" smtClean="0"/>
-          </a:p>
-          <a:p>
-            <a:r>
-              <a:rPr lang="en-US" dirty="0" smtClean="0"/>
-              <a:t>Go on to the next lesson</a:t>
-            </a:r>
-            <a:endParaRPr lang="en-US" dirty="0"/>
-          </a:p>
-        </p:txBody>
-      </p:sp>
-      <p:sp>
-        <p:nvSpPr>
-          <p:cNvPr id="4" name="Slide Number Placeholder 3"/>
-          <p:cNvSpPr>
-            <a:spLocks noGrp="1"/>
-          </p:cNvSpPr>
-          <p:nvPr>
-            <p:ph type="sldNum" sz="quarter" idx="12"/>
-          </p:nvPr>
-        </p:nvSpPr>
-        <p:spPr/>
-        <p:txBody>
-          <a:bodyPr/>
-          <a:lstStyle/>
-          <a:p>
-            <a:fld id="{9F4492BD-6A9C-48FC-AC76-0B4FE11194A1}" type="slidenum">
-              <a:rPr lang="en-US" smtClean="0"/>
-              <a:pPr/>
-              <a:t>12</a:t>
-            </a:fld>
-            <a:endParaRPr lang="en-US"/>
-          </a:p>
-        </p:txBody>
-      </p:sp>
-    </p:spTree>
-    <p:extLst>
-      <p:ext uri="{BB962C8B-B14F-4D97-AF65-F5344CB8AC3E}">
-        <p14:creationId xmlns:p14="http://schemas.microsoft.com/office/powerpoint/2010/main" val="2521155999"/>
-      </p:ext>
-    </p:extLst>
-  </p:cSld>
-  <p:clrMapOvr>
-    <a:masterClrMapping/>
-  </p:clrMapOvr>
-  <p:timing>
-    <p:tnLst>
-      <p:par>
-        <p:cTn id="1" dur="indefinite" restart="never" nodeType="tmRoot"/>
-      </p:par>
-    </p:tnLst>
-  </p:timing>
-</p:sld>
-</file>
-
-<file path=ppt/slides/slide2.xml><?xml version="1.0" encoding="utf-8"?>
-<p:sld xmlns:a="http://schemas.openxmlformats.org/drawingml/2006/main" xmlns:r="http://schemas.openxmlformats.org/officeDocument/2006/relationships" xmlns:p="http://schemas.openxmlformats.org/presentationml/2006/main">
-  <p:cSld>
-    <p:spTree>
-      <p:nvGrpSpPr>
-        <p:cNvPr id="1" name=""/>
-        <p:cNvGrpSpPr/>
-        <p:nvPr/>
-      </p:nvGrpSpPr>
-      <p:grpSpPr>
-        <a:xfrm>
-          <a:off x="0" y="0"/>
-          <a:ext cx="0" cy="0"/>
-          <a:chOff x="0" y="0"/>
-          <a:chExt cx="0" cy="0"/>
-        </a:xfrm>
-      </p:grpSpPr>
-      <p:sp>
-        <p:nvSpPr>
-          <p:cNvPr id="2" name="Title 1"/>
-          <p:cNvSpPr>
-            <a:spLocks noGrp="1"/>
-          </p:cNvSpPr>
-          <p:nvPr>
-            <p:ph type="title"/>
-          </p:nvPr>
-        </p:nvSpPr>
-        <p:spPr/>
-        <p:txBody>
-          <a:bodyPr/>
-          <a:lstStyle/>
-          <a:p>
-            <a:r>
-              <a:rPr lang="en-US" dirty="0" smtClean="0"/>
-              <a:t>Introduction</a:t>
-            </a:r>
-            <a:endParaRPr lang="en-US" dirty="0"/>
-          </a:p>
-        </p:txBody>
-      </p:sp>
-      <p:sp>
-        <p:nvSpPr>
-          <p:cNvPr id="3" name="Content Placeholder 2"/>
-          <p:cNvSpPr>
-            <a:spLocks noGrp="1"/>
-          </p:cNvSpPr>
-          <p:nvPr>
-            <p:ph idx="1"/>
-          </p:nvPr>
-        </p:nvSpPr>
-        <p:spPr/>
-        <p:txBody>
-          <a:bodyPr>
             <a:normAutofit/>
           </a:bodyPr>
           <a:lstStyle/>
           <a:p>
             <a:r>
-              <a:rPr lang="en-US" dirty="0" smtClean="0"/>
-              <a:t>Lists of structures occur all the time</a:t>
-            </a:r>
-          </a:p>
-          <a:p>
-            <a:r>
-              <a:rPr lang="en-US" dirty="0" smtClean="0"/>
-              <a:t>Programming with these is no different:</a:t>
-            </a:r>
-          </a:p>
-          <a:p>
-            <a:pPr lvl="1"/>
-            <a:r>
-              <a:rPr lang="en-US" dirty="0" smtClean="0"/>
-              <a:t>write down the data definition, including interpretation and template</a:t>
-            </a:r>
-          </a:p>
-          <a:p>
-            <a:pPr lvl="1"/>
-            <a:r>
-              <a:rPr lang="en-US" dirty="0" smtClean="0"/>
-              <a:t>Follow the Recipe!</a:t>
-            </a:r>
-            <a:endParaRPr lang="en-US" dirty="0"/>
-          </a:p>
-        </p:txBody>
-      </p:sp>
-      <p:sp>
-        <p:nvSpPr>
-          <p:cNvPr id="4" name="Slide Number Placeholder 3"/>
-          <p:cNvSpPr>
-            <a:spLocks noGrp="1"/>
-          </p:cNvSpPr>
-          <p:nvPr>
-            <p:ph type="sldNum" sz="quarter" idx="12"/>
-          </p:nvPr>
-        </p:nvSpPr>
-        <p:spPr/>
-        <p:txBody>
-          <a:bodyPr/>
-          <a:lstStyle/>
-          <a:p>
-            <a:fld id="{9F4492BD-6A9C-48FC-AC76-0B4FE11194A1}" type="slidenum">
-              <a:rPr lang="en-US" smtClean="0"/>
-              <a:pPr/>
-              <a:t>2</a:t>
-            </a:fld>
-            <a:endParaRPr lang="en-US"/>
-          </a:p>
-        </p:txBody>
-      </p:sp>
-    </p:spTree>
-    <p:extLst>
-      <p:ext uri="{BB962C8B-B14F-4D97-AF65-F5344CB8AC3E}">
-        <p14:creationId xmlns:p14="http://schemas.microsoft.com/office/powerpoint/2010/main" val="2509334978"/>
-      </p:ext>
-    </p:extLst>
-  </p:cSld>
-  <p:clrMapOvr>
-    <a:masterClrMapping/>
-  </p:clrMapOvr>
-  <p:timing>
-    <p:tnLst>
-      <p:par>
-        <p:cTn id="1" dur="indefinite" restart="never" nodeType="tmRoot"/>
-      </p:par>
-    </p:tnLst>
-  </p:timing>
-</p:sld>
-</file>
-
-<file path=ppt/slides/slide3.xml><?xml version="1.0" encoding="utf-8"?>
-<p:sld xmlns:a="http://schemas.openxmlformats.org/drawingml/2006/main" xmlns:r="http://schemas.openxmlformats.org/officeDocument/2006/relationships" xmlns:p="http://schemas.openxmlformats.org/presentationml/2006/main">
-  <p:cSld>
-    <p:spTree>
-      <p:nvGrpSpPr>
-        <p:cNvPr id="1" name=""/>
-        <p:cNvGrpSpPr/>
-        <p:nvPr/>
-      </p:nvGrpSpPr>
-      <p:grpSpPr>
-        <a:xfrm>
-          <a:off x="0" y="0"/>
-          <a:ext cx="0" cy="0"/>
-          <a:chOff x="0" y="0"/>
-          <a:chExt cx="0" cy="0"/>
-        </a:xfrm>
-      </p:grpSpPr>
-      <p:sp>
-        <p:nvSpPr>
-          <p:cNvPr id="2" name="Title 1"/>
-          <p:cNvSpPr>
-            <a:spLocks noGrp="1"/>
-          </p:cNvSpPr>
-          <p:nvPr>
-            <p:ph type="title"/>
-          </p:nvPr>
-        </p:nvSpPr>
-        <p:spPr/>
-        <p:txBody>
-          <a:bodyPr/>
-          <a:lstStyle/>
-          <a:p>
-            <a:r>
-              <a:rPr lang="en-US" dirty="0" smtClean="0"/>
-              <a:t>Learning Objectives</a:t>
-            </a:r>
-            <a:endParaRPr lang="en-US" dirty="0"/>
-          </a:p>
-        </p:txBody>
-      </p:sp>
-      <p:sp>
-        <p:nvSpPr>
-          <p:cNvPr id="3" name="Content Placeholder 2"/>
-          <p:cNvSpPr>
-            <a:spLocks noGrp="1"/>
-          </p:cNvSpPr>
-          <p:nvPr>
-            <p:ph idx="1"/>
-          </p:nvPr>
-        </p:nvSpPr>
-        <p:spPr/>
-        <p:txBody>
-          <a:bodyPr/>
-          <a:lstStyle/>
-          <a:p>
-            <a:r>
-              <a:rPr lang="en-US" dirty="0" smtClean="0"/>
-              <a:t>At the end of this lesson you should be able to:</a:t>
-            </a:r>
-          </a:p>
-          <a:p>
-            <a:pPr lvl="1"/>
-            <a:r>
-              <a:rPr lang="en-US" dirty="0" smtClean="0"/>
-              <a:t>write down a template for lists of compound data</a:t>
-            </a:r>
-          </a:p>
-          <a:p>
-            <a:pPr lvl="1"/>
-            <a:r>
-              <a:rPr lang="en-US" dirty="0" smtClean="0"/>
-              <a:t>use the template to write simple functions on lists of compound data</a:t>
-            </a:r>
-          </a:p>
-        </p:txBody>
-      </p:sp>
-      <p:sp>
-        <p:nvSpPr>
-          <p:cNvPr id="4" name="Slide Number Placeholder 3"/>
-          <p:cNvSpPr>
-            <a:spLocks noGrp="1"/>
-          </p:cNvSpPr>
-          <p:nvPr>
-            <p:ph type="sldNum" sz="quarter" idx="12"/>
-          </p:nvPr>
-        </p:nvSpPr>
-        <p:spPr/>
-        <p:txBody>
-          <a:bodyPr/>
-          <a:lstStyle/>
-          <a:p>
-            <a:fld id="{9F4492BD-6A9C-48FC-AC76-0B4FE11194A1}" type="slidenum">
-              <a:rPr lang="en-US" smtClean="0"/>
-              <a:pPr/>
-              <a:t>3</a:t>
-            </a:fld>
-            <a:endParaRPr lang="en-US"/>
-          </a:p>
-        </p:txBody>
-      </p:sp>
-    </p:spTree>
-    <p:extLst>
-      <p:ext uri="{BB962C8B-B14F-4D97-AF65-F5344CB8AC3E}">
-        <p14:creationId xmlns:p14="http://schemas.microsoft.com/office/powerpoint/2010/main" val="3512701119"/>
-      </p:ext>
-    </p:extLst>
-  </p:cSld>
-  <p:clrMapOvr>
-    <a:masterClrMapping/>
-  </p:clrMapOvr>
-  <p:timing>
-    <p:tnLst>
-      <p:par>
-        <p:cTn id="1" dur="indefinite" restart="never" nodeType="tmRoot"/>
-      </p:par>
-    </p:tnLst>
-  </p:timing>
-</p:sld>
-</file>
-
-<file path=ppt/slides/slide4.xml><?xml version="1.0" encoding="utf-8"?>
-<p:sld xmlns:a="http://schemas.openxmlformats.org/drawingml/2006/main" xmlns:r="http://schemas.openxmlformats.org/officeDocument/2006/relationships" xmlns:p="http://schemas.openxmlformats.org/presentationml/2006/main">
-  <p:cSld>
-    <p:spTree>
-      <p:nvGrpSpPr>
-        <p:cNvPr id="1" name=""/>
-        <p:cNvGrpSpPr/>
-        <p:nvPr/>
-      </p:nvGrpSpPr>
-      <p:grpSpPr>
-        <a:xfrm>
-          <a:off x="0" y="0"/>
-          <a:ext cx="0" cy="0"/>
-          <a:chOff x="0" y="0"/>
-          <a:chExt cx="0" cy="0"/>
-        </a:xfrm>
-      </p:grpSpPr>
-      <p:sp>
-        <p:nvSpPr>
-          <p:cNvPr id="2" name="Title 1"/>
-          <p:cNvSpPr>
-            <a:spLocks noGrp="1"/>
-          </p:cNvSpPr>
-          <p:nvPr>
-            <p:ph type="title"/>
-          </p:nvPr>
-        </p:nvSpPr>
-        <p:spPr/>
-        <p:txBody>
-          <a:bodyPr/>
-          <a:lstStyle/>
-          <a:p>
-            <a:r>
-              <a:rPr lang="en-US" dirty="0" smtClean="0"/>
-              <a:t>Tweaking the Template Recipe</a:t>
-            </a:r>
-            <a:endParaRPr lang="en-US" dirty="0"/>
-          </a:p>
-        </p:txBody>
-      </p:sp>
-      <p:sp>
-        <p:nvSpPr>
-          <p:cNvPr id="3" name="Content Placeholder 2"/>
-          <p:cNvSpPr>
-            <a:spLocks noGrp="1"/>
-          </p:cNvSpPr>
-          <p:nvPr>
-            <p:ph idx="1"/>
-          </p:nvPr>
-        </p:nvSpPr>
-        <p:spPr/>
-        <p:txBody>
-          <a:bodyPr/>
-          <a:lstStyle/>
-          <a:p>
-            <a:r>
-              <a:rPr lang="en-US" dirty="0" smtClean="0"/>
-              <a:t>Programming with lists of compound data is no different from programming with lists of scalars, except that we make one small change in the recipe for templates</a:t>
-            </a:r>
-            <a:endParaRPr lang="en-US" dirty="0"/>
-          </a:p>
-        </p:txBody>
-      </p:sp>
-      <p:sp>
-        <p:nvSpPr>
-          <p:cNvPr id="4" name="Slide Number Placeholder 3"/>
-          <p:cNvSpPr>
-            <a:spLocks noGrp="1"/>
-          </p:cNvSpPr>
-          <p:nvPr>
-            <p:ph type="sldNum" sz="quarter" idx="12"/>
-          </p:nvPr>
-        </p:nvSpPr>
-        <p:spPr/>
-        <p:txBody>
-          <a:bodyPr/>
-          <a:lstStyle/>
-          <a:p>
-            <a:fld id="{9F4492BD-6A9C-48FC-AC76-0B4FE11194A1}" type="slidenum">
-              <a:rPr lang="en-US" smtClean="0"/>
-              <a:pPr/>
-              <a:t>4</a:t>
-            </a:fld>
-            <a:endParaRPr lang="en-US"/>
-          </a:p>
-        </p:txBody>
-      </p:sp>
-    </p:spTree>
-    <p:extLst>
-      <p:ext uri="{BB962C8B-B14F-4D97-AF65-F5344CB8AC3E}">
-        <p14:creationId xmlns:p14="http://schemas.microsoft.com/office/powerpoint/2010/main" val="3746742104"/>
-      </p:ext>
-    </p:extLst>
-  </p:cSld>
-  <p:clrMapOvr>
-    <a:masterClrMapping/>
-  </p:clrMapOvr>
-  <p:timing>
-    <p:tnLst>
-      <p:par>
-        <p:cTn id="1" dur="indefinite" restart="never" nodeType="tmRoot"/>
-      </p:par>
-    </p:tnLst>
-  </p:timing>
-</p:sld>
-</file>
-
-<file path=ppt/slides/slide5.xml><?xml version="1.0" encoding="utf-8"?>
-<p:sld xmlns:a="http://schemas.openxmlformats.org/drawingml/2006/main" xmlns:r="http://schemas.openxmlformats.org/officeDocument/2006/relationships" xmlns:p="http://schemas.openxmlformats.org/presentationml/2006/main">
-  <p:cSld>
-    <p:spTree>
-      <p:nvGrpSpPr>
-        <p:cNvPr id="1" name=""/>
-        <p:cNvGrpSpPr/>
-        <p:nvPr/>
-      </p:nvGrpSpPr>
-      <p:grpSpPr>
-        <a:xfrm>
-          <a:off x="0" y="0"/>
-          <a:ext cx="0" cy="0"/>
-          <a:chOff x="0" y="0"/>
-          <a:chExt cx="0" cy="0"/>
-        </a:xfrm>
-      </p:grpSpPr>
-      <p:sp>
-        <p:nvSpPr>
-          <p:cNvPr id="2" name="Title 1"/>
-          <p:cNvSpPr>
-            <a:spLocks noGrp="1"/>
-          </p:cNvSpPr>
-          <p:nvPr>
-            <p:ph type="title"/>
-          </p:nvPr>
-        </p:nvSpPr>
-        <p:spPr/>
-        <p:txBody>
-          <a:bodyPr>
-            <a:normAutofit/>
-          </a:bodyPr>
-          <a:lstStyle/>
-          <a:p>
-            <a:r>
-              <a:rPr lang="en-US" dirty="0" smtClean="0"/>
+              <a:rPr lang="en-US" dirty="0"/>
               <a:t>The template recipe, updated</a:t>
             </a:r>
-            <a:endParaRPr lang="en-US" dirty="0"/>
           </a:p>
         </p:txBody>
       </p:sp>
@@ -5610,8 +4732,20 @@
                 <a:tableStyleId>{5C22544A-7EE6-4342-B048-85BDC9FD1C3A}</a:tableStyleId>
               </a:tblPr>
               <a:tblGrid>
-                <a:gridCol w="4114800"/>
-                <a:gridCol w="4114800"/>
+                <a:gridCol w="4114800">
+                  <a:extLst>
+                    <a:ext uri="{9D8B030D-6E8A-4147-A177-3AD203B41FA5}">
+                      <a16:colId xmlns:a16="http://schemas.microsoft.com/office/drawing/2014/main" val="20000"/>
+                    </a:ext>
+                  </a:extLst>
+                </a:gridCol>
+                <a:gridCol w="4114800">
+                  <a:extLst>
+                    <a:ext uri="{9D8B030D-6E8A-4147-A177-3AD203B41FA5}">
+                      <a16:colId xmlns:a16="http://schemas.microsoft.com/office/drawing/2014/main" val="20001"/>
+                    </a:ext>
+                  </a:extLst>
+                </a:gridCol>
               </a:tblGrid>
               <a:tr h="370840">
                 <a:tc>
@@ -5620,10 +4754,9 @@
                     <a:lstStyle/>
                     <a:p>
                       <a:r>
-                        <a:rPr lang="en-US" dirty="0" smtClean="0"/>
+                        <a:rPr lang="en-US" dirty="0"/>
                         <a:t>Question</a:t>
                       </a:r>
-                      <a:endParaRPr lang="en-US" dirty="0"/>
                     </a:p>
                   </a:txBody>
                   <a:tcPr/>
@@ -5634,14 +4767,18 @@
                     <a:lstStyle/>
                     <a:p>
                       <a:r>
-                        <a:rPr lang="en-US" dirty="0" smtClean="0"/>
+                        <a:rPr lang="en-US" dirty="0"/>
                         <a:t>Answer</a:t>
                       </a:r>
-                      <a:endParaRPr lang="en-US" dirty="0"/>
                     </a:p>
                   </a:txBody>
                   <a:tcPr/>
                 </a:tc>
+                <a:extLst>
+                  <a:ext uri="{0D108BD9-81ED-4DB2-BD59-A6C34878D82A}">
+                    <a16:rowId xmlns:a16="http://schemas.microsoft.com/office/drawing/2014/main" val="10000"/>
+                  </a:ext>
+                </a:extLst>
               </a:tr>
               <a:tr h="370840">
                 <a:tc>
@@ -5650,10 +4787,9 @@
                     <a:lstStyle/>
                     <a:p>
                       <a:r>
-                        <a:rPr lang="en-US" dirty="0" smtClean="0"/>
+                        <a:rPr lang="en-US" dirty="0"/>
                         <a:t>Does the data definition distinguish among different subclasses of data?</a:t>
                       </a:r>
-                      <a:endParaRPr lang="en-US" dirty="0"/>
                     </a:p>
                   </a:txBody>
                   <a:tcPr/>
@@ -5664,24 +4800,28 @@
                     <a:lstStyle/>
                     <a:p>
                       <a:r>
-                        <a:rPr lang="en-US" dirty="0" smtClean="0"/>
+                        <a:rPr lang="en-US" dirty="0"/>
                         <a:t>Your template needs as many </a:t>
                       </a:r>
                       <a:r>
-                        <a:rPr lang="en-US" dirty="0" err="1" smtClean="0">
+                        <a:rPr lang="en-US" dirty="0" err="1">
                           <a:hlinkClick r:id="rId2"/>
                         </a:rPr>
                         <a:t>cond</a:t>
                       </a:r>
                       <a:r>
-                        <a:rPr lang="en-US" dirty="0" smtClean="0"/>
+                        <a:rPr lang="en-US" dirty="0"/>
                         <a:t> clauses as subclasses that the data definition distinguishes.</a:t>
                       </a:r>
-                      <a:endParaRPr lang="en-US" dirty="0"/>
                     </a:p>
                   </a:txBody>
                   <a:tcPr/>
                 </a:tc>
+                <a:extLst>
+                  <a:ext uri="{0D108BD9-81ED-4DB2-BD59-A6C34878D82A}">
+                    <a16:rowId xmlns:a16="http://schemas.microsoft.com/office/drawing/2014/main" val="10001"/>
+                  </a:ext>
+                </a:extLst>
               </a:tr>
               <a:tr h="370840">
                 <a:tc>
@@ -5690,10 +4830,9 @@
                     <a:lstStyle/>
                     <a:p>
                       <a:r>
-                        <a:rPr lang="en-US" dirty="0" smtClean="0"/>
+                        <a:rPr lang="en-US" dirty="0"/>
                         <a:t>How do the subclasses differ from each other?</a:t>
                       </a:r>
-                      <a:endParaRPr lang="en-US" dirty="0"/>
                     </a:p>
                   </a:txBody>
                   <a:tcPr/>
@@ -5704,14 +4843,18 @@
                     <a:lstStyle/>
                     <a:p>
                       <a:r>
-                        <a:rPr lang="en-US" dirty="0" smtClean="0"/>
+                        <a:rPr lang="en-US" dirty="0"/>
                         <a:t>Use the differences to formulate a condition per clause.</a:t>
                       </a:r>
-                      <a:endParaRPr lang="en-US" dirty="0"/>
                     </a:p>
                   </a:txBody>
                   <a:tcPr/>
                 </a:tc>
+                <a:extLst>
+                  <a:ext uri="{0D108BD9-81ED-4DB2-BD59-A6C34878D82A}">
+                    <a16:rowId xmlns:a16="http://schemas.microsoft.com/office/drawing/2014/main" val="10002"/>
+                  </a:ext>
+                </a:extLst>
               </a:tr>
               <a:tr h="370840">
                 <a:tc>
@@ -5720,10 +4863,9 @@
                     <a:lstStyle/>
                     <a:p>
                       <a:r>
-                        <a:rPr lang="en-US" dirty="0" smtClean="0"/>
+                        <a:rPr lang="en-US" dirty="0"/>
                         <a:t>Do any of the clauses deal with structured values?</a:t>
                       </a:r>
-                      <a:endParaRPr lang="en-US" dirty="0"/>
                     </a:p>
                   </a:txBody>
                   <a:tcPr/>
@@ -5734,14 +4876,18 @@
                     <a:lstStyle/>
                     <a:p>
                       <a:r>
-                        <a:rPr lang="en-US" dirty="0" smtClean="0"/>
+                        <a:rPr lang="en-US" dirty="0"/>
                         <a:t>If so, add appropriate selector expressions to the clause.</a:t>
                       </a:r>
-                      <a:endParaRPr lang="en-US" dirty="0"/>
                     </a:p>
                   </a:txBody>
                   <a:tcPr/>
                 </a:tc>
+                <a:extLst>
+                  <a:ext uri="{0D108BD9-81ED-4DB2-BD59-A6C34878D82A}">
+                    <a16:rowId xmlns:a16="http://schemas.microsoft.com/office/drawing/2014/main" val="10003"/>
+                  </a:ext>
+                </a:extLst>
               </a:tr>
               <a:tr h="370840">
                 <a:tc>
@@ -5750,18 +4896,13 @@
                     <a:lstStyle/>
                     <a:p>
                       <a:r>
-                        <a:rPr lang="en-US" dirty="0" smtClean="0">
+                        <a:rPr lang="en-US" dirty="0">
                           <a:solidFill>
                             <a:schemeClr val="tx1"/>
                           </a:solidFill>
                         </a:rPr>
                         <a:t>Does the data definition use self-references?</a:t>
                       </a:r>
-                      <a:endParaRPr lang="en-US" dirty="0">
-                        <a:solidFill>
-                          <a:schemeClr val="tx1"/>
-                        </a:solidFill>
-                      </a:endParaRPr>
                     </a:p>
                   </a:txBody>
                   <a:tcPr/>
@@ -5772,22 +4913,22 @@
                     <a:lstStyle/>
                     <a:p>
                       <a:r>
-                        <a:rPr lang="en-US" dirty="0" smtClean="0">
+                        <a:rPr lang="en-US" dirty="0">
                           <a:solidFill>
                             <a:schemeClr val="tx1"/>
                           </a:solidFill>
                         </a:rPr>
                         <a:t>Formulate ``natural recursions'' for the template to represent the self-references of the data definition.</a:t>
                       </a:r>
-                      <a:endParaRPr lang="en-US" dirty="0">
-                        <a:solidFill>
-                          <a:schemeClr val="tx1"/>
-                        </a:solidFill>
-                      </a:endParaRPr>
                     </a:p>
                   </a:txBody>
                   <a:tcPr/>
                 </a:tc>
+                <a:extLst>
+                  <a:ext uri="{0D108BD9-81ED-4DB2-BD59-A6C34878D82A}">
+                    <a16:rowId xmlns:a16="http://schemas.microsoft.com/office/drawing/2014/main" val="10004"/>
+                  </a:ext>
+                </a:extLst>
               </a:tr>
               <a:tr h="370840">
                 <a:tc>
@@ -5796,7 +4937,7 @@
                     <a:lstStyle/>
                     <a:p>
                       <a:r>
-                        <a:rPr lang="en-US" dirty="0" smtClean="0">
+                        <a:rPr lang="en-US" dirty="0">
                           <a:solidFill>
                             <a:srgbClr val="FF0000"/>
                           </a:solidFill>
@@ -5804,7 +4945,7 @@
                         <a:t>Do any of the fields contain compound</a:t>
                       </a:r>
                       <a:r>
-                        <a:rPr lang="en-US" baseline="0" dirty="0" smtClean="0">
+                        <a:rPr lang="en-US" baseline="0" dirty="0">
                           <a:solidFill>
                             <a:srgbClr val="FF0000"/>
                           </a:solidFill>
@@ -5826,7 +4967,7 @@
                     <a:lstStyle/>
                     <a:p>
                       <a:r>
-                        <a:rPr lang="en-US" dirty="0" smtClean="0">
+                        <a:rPr lang="en-US" dirty="0">
                           <a:solidFill>
                             <a:srgbClr val="FF0000"/>
                           </a:solidFill>
@@ -5834,7 +4975,7 @@
                         <a:t>If the value of a field is a foo,</a:t>
                       </a:r>
                       <a:r>
-                        <a:rPr lang="en-US" baseline="0" dirty="0" smtClean="0">
+                        <a:rPr lang="en-US" baseline="0" dirty="0">
                           <a:solidFill>
                             <a:srgbClr val="FF0000"/>
                           </a:solidFill>
@@ -5842,7 +4983,7 @@
                         <a:t> add a call to a foo-</a:t>
                       </a:r>
                       <a:r>
-                        <a:rPr lang="en-US" baseline="0" dirty="0" err="1" smtClean="0">
+                        <a:rPr lang="en-US" baseline="0" dirty="0" err="1">
                           <a:solidFill>
                             <a:srgbClr val="FF0000"/>
                           </a:solidFill>
@@ -5850,7 +4991,7 @@
                         <a:t>fn</a:t>
                       </a:r>
                       <a:r>
-                        <a:rPr lang="en-US" baseline="0" dirty="0" smtClean="0">
+                        <a:rPr lang="en-US" baseline="0" dirty="0">
                           <a:solidFill>
                             <a:srgbClr val="FF0000"/>
                           </a:solidFill>
@@ -5866,6 +5007,11 @@
                   </a:txBody>
                   <a:tcPr/>
                 </a:tc>
+                <a:extLst>
+                  <a:ext uri="{0D108BD9-81ED-4DB2-BD59-A6C34878D82A}">
+                    <a16:rowId xmlns:a16="http://schemas.microsoft.com/office/drawing/2014/main" val="10005"/>
+                  </a:ext>
+                </a:extLst>
               </a:tr>
             </a:tbl>
           </a:graphicData>
@@ -5889,7 +5035,7 @@
             <a:fld id="{9F4492BD-6A9C-48FC-AC76-0B4FE11194A1}" type="slidenum">
               <a:rPr lang="en-US" smtClean="0"/>
               <a:pPr/>
-              <a:t>5</a:t>
+              <a:t>10</a:t>
             </a:fld>
             <a:endParaRPr lang="en-US"/>
           </a:p>
@@ -5942,7 +5088,7 @@
           <a:p>
             <a:pPr algn="ctr"/>
             <a:r>
-              <a:rPr lang="en-US" dirty="0" smtClean="0">
+              <a:rPr lang="en-US" dirty="0">
                 <a:solidFill>
                   <a:schemeClr val="tx1"/>
                 </a:solidFill>
@@ -6043,7 +5189,7 @@
 </p:sld>
 </file>
 
-<file path=ppt/slides/slide6.xml><?xml version="1.0" encoding="utf-8"?>
+<file path=ppt/slides/slide11.xml><?xml version="1.0" encoding="utf-8"?>
 <p:sld xmlns:a="http://schemas.openxmlformats.org/drawingml/2006/main" xmlns:r="http://schemas.openxmlformats.org/officeDocument/2006/relationships" xmlns:p="http://schemas.openxmlformats.org/presentationml/2006/main">
   <p:cSld>
     <p:spTree>
@@ -6072,747 +5218,216 @@
         </p:nvSpPr>
         <p:spPr/>
         <p:txBody>
-          <a:bodyPr/>
-          <a:lstStyle/>
-          <a:p>
-            <a:r>
-              <a:rPr lang="en-US" dirty="0" smtClean="0"/>
-              <a:t>Books, again</a:t>
-            </a:r>
-            <a:endParaRPr lang="en-US" dirty="0"/>
-          </a:p>
-        </p:txBody>
-      </p:sp>
-      <p:sp>
-        <p:nvSpPr>
-          <p:cNvPr id="3" name="Slide Number Placeholder 2"/>
-          <p:cNvSpPr>
-            <a:spLocks noGrp="1"/>
-          </p:cNvSpPr>
-          <p:nvPr>
-            <p:ph type="sldNum" sz="quarter" idx="12"/>
-          </p:nvPr>
-        </p:nvSpPr>
-        <p:spPr/>
-        <p:txBody>
-          <a:bodyPr/>
-          <a:lstStyle/>
-          <a:p>
-            <a:fld id="{9F4492BD-6A9C-48FC-AC76-0B4FE11194A1}" type="slidenum">
-              <a:rPr lang="en-US" smtClean="0"/>
-              <a:pPr/>
-              <a:t>6</a:t>
-            </a:fld>
-            <a:endParaRPr lang="en-US"/>
-          </a:p>
-        </p:txBody>
-      </p:sp>
-      <p:sp>
-        <p:nvSpPr>
-          <p:cNvPr id="4" name="TextBox 3"/>
-          <p:cNvSpPr txBox="1"/>
-          <p:nvPr/>
-        </p:nvSpPr>
-        <p:spPr>
-          <a:xfrm>
-            <a:off x="289560" y="1371600"/>
-            <a:ext cx="8686800" cy="5324535"/>
-          </a:xfrm>
-          <a:prstGeom prst="rect">
-            <a:avLst/>
-          </a:prstGeom>
-          <a:noFill/>
-        </p:spPr>
-        <p:txBody>
-          <a:bodyPr wrap="square" rtlCol="0">
-            <a:spAutoFit/>
+          <a:bodyPr>
+            <a:normAutofit fontScale="90000"/>
           </a:bodyPr>
           <a:lstStyle/>
           <a:p>
             <a:r>
-              <a:rPr lang="en-US" sz="2000" b="1" dirty="0" smtClean="0">
+              <a:rPr lang="en-US" dirty="0"/>
+              <a:t>Example: if book-</a:t>
+            </a:r>
+            <a:r>
+              <a:rPr lang="en-US" dirty="0" err="1"/>
+              <a:t>fn</a:t>
+            </a:r>
+            <a:r>
+              <a:rPr lang="en-US" dirty="0"/>
+              <a:t> is just a selector, you can put it in directly</a:t>
+            </a:r>
+          </a:p>
+        </p:txBody>
+      </p:sp>
+      <p:sp>
+        <p:nvSpPr>
+          <p:cNvPr id="3" name="Content Placeholder 2"/>
+          <p:cNvSpPr>
+            <a:spLocks noGrp="1"/>
+          </p:cNvSpPr>
+          <p:nvPr>
+            <p:ph idx="1"/>
+          </p:nvPr>
+        </p:nvSpPr>
+        <p:spPr/>
+        <p:txBody>
+          <a:bodyPr>
+            <a:normAutofit/>
+          </a:bodyPr>
+          <a:lstStyle/>
+          <a:p>
+            <a:pPr>
+              <a:buNone/>
+            </a:pPr>
+            <a:r>
+              <a:rPr lang="en-US" sz="2400" b="1" dirty="0">
                 <a:latin typeface="Consolas" pitchFamily="49" charset="0"/>
                 <a:cs typeface="Consolas" pitchFamily="49" charset="0"/>
               </a:rPr>
-              <a:t>(define-</a:t>
-            </a:r>
-            <a:r>
-              <a:rPr lang="en-US" sz="2000" b="1" dirty="0" err="1" smtClean="0">
+              <a:t>;; books-authors : LOB -&gt; </a:t>
+            </a:r>
+            <a:r>
+              <a:rPr lang="en-US" sz="2400" b="1" dirty="0" err="1">
                 <a:latin typeface="Consolas" pitchFamily="49" charset="0"/>
                 <a:cs typeface="Consolas" pitchFamily="49" charset="0"/>
               </a:rPr>
-              <a:t>struct</a:t>
-            </a:r>
-            <a:r>
-              <a:rPr lang="en-US" sz="2000" b="1" dirty="0" smtClean="0">
-                <a:latin typeface="Consolas" pitchFamily="49" charset="0"/>
-                <a:cs typeface="Consolas" pitchFamily="49" charset="0"/>
-              </a:rPr>
-              <a:t> book (author title on-hand price))</a:t>
-            </a:r>
-          </a:p>
-          <a:p>
-            <a:endParaRPr lang="en-US" sz="2000" b="1" dirty="0" smtClean="0">
+              <a:t>ListOfString</a:t>
+            </a:r>
+            <a:endParaRPr lang="en-US" sz="2400" b="1" dirty="0">
               <a:latin typeface="Consolas" pitchFamily="49" charset="0"/>
               <a:cs typeface="Consolas" pitchFamily="49" charset="0"/>
             </a:endParaRPr>
           </a:p>
           <a:p>
-            <a:r>
-              <a:rPr lang="en-US" sz="2000" b="1" dirty="0" smtClean="0">
+            <a:pPr>
+              <a:buNone/>
+            </a:pPr>
+            <a:r>
+              <a:rPr lang="en-US" sz="2400" b="1" dirty="0">
                 <a:latin typeface="Consolas" pitchFamily="49" charset="0"/>
                 <a:cs typeface="Consolas" pitchFamily="49" charset="0"/>
               </a:rPr>
-              <a:t>;; A Book is a </a:t>
-            </a:r>
-          </a:p>
-          <a:p>
-            <a:r>
-              <a:rPr lang="en-US" sz="2000" b="1" dirty="0" smtClean="0">
+              <a:t>;; STRATEGY: Use template for LOB on lob</a:t>
+            </a:r>
+          </a:p>
+          <a:p>
+            <a:pPr>
+              <a:buNone/>
+            </a:pPr>
+            <a:r>
+              <a:rPr lang="en-US" sz="2400" b="1" dirty="0">
                 <a:latin typeface="Consolas" pitchFamily="49" charset="0"/>
                 <a:cs typeface="Consolas" pitchFamily="49" charset="0"/>
               </a:rPr>
-              <a:t>;;  (make-book String </a:t>
-            </a:r>
-            <a:r>
-              <a:rPr lang="en-US" sz="2000" b="1" dirty="0" err="1" smtClean="0">
-                <a:latin typeface="Consolas" pitchFamily="49" charset="0"/>
-                <a:cs typeface="Consolas" pitchFamily="49" charset="0"/>
-              </a:rPr>
-              <a:t>String</a:t>
-            </a:r>
-            <a:r>
-              <a:rPr lang="en-US" sz="2000" b="1" dirty="0" smtClean="0">
-                <a:latin typeface="Consolas" pitchFamily="49" charset="0"/>
-                <a:cs typeface="Consolas" pitchFamily="49" charset="0"/>
-              </a:rPr>
-              <a:t> </a:t>
-            </a:r>
-            <a:r>
-              <a:rPr lang="en-US" sz="2000" b="1" dirty="0" err="1" smtClean="0">
-                <a:latin typeface="Consolas" pitchFamily="49" charset="0"/>
-                <a:cs typeface="Consolas" pitchFamily="49" charset="0"/>
-              </a:rPr>
-              <a:t>NonNegInt</a:t>
-            </a:r>
-            <a:r>
-              <a:rPr lang="en-US" sz="2000" b="1" dirty="0" smtClean="0">
-                <a:latin typeface="Consolas" pitchFamily="49" charset="0"/>
-                <a:cs typeface="Consolas" pitchFamily="49" charset="0"/>
-              </a:rPr>
-              <a:t> </a:t>
-            </a:r>
-            <a:r>
-              <a:rPr lang="en-US" sz="2000" b="1" dirty="0" err="1" smtClean="0">
-                <a:latin typeface="Consolas" pitchFamily="49" charset="0"/>
-                <a:cs typeface="Consolas" pitchFamily="49" charset="0"/>
-              </a:rPr>
-              <a:t>NonNegInt</a:t>
-            </a:r>
-            <a:r>
-              <a:rPr lang="en-US" sz="2000" b="1" dirty="0" smtClean="0">
-                <a:latin typeface="Consolas" pitchFamily="49" charset="0"/>
-                <a:cs typeface="Consolas" pitchFamily="49" charset="0"/>
-              </a:rPr>
-              <a:t>)</a:t>
-            </a:r>
-          </a:p>
-          <a:p>
-            <a:r>
-              <a:rPr lang="en-US" sz="2000" b="1" dirty="0" smtClean="0">
-                <a:latin typeface="Consolas" pitchFamily="49" charset="0"/>
-                <a:cs typeface="Consolas" pitchFamily="49" charset="0"/>
-              </a:rPr>
-              <a:t>;; Interpretation:</a:t>
-            </a:r>
-          </a:p>
-          <a:p>
-            <a:r>
-              <a:rPr lang="en-US" sz="2000" b="1" dirty="0" smtClean="0">
-                <a:latin typeface="Consolas" pitchFamily="49" charset="0"/>
-                <a:cs typeface="Consolas" pitchFamily="49" charset="0"/>
-              </a:rPr>
-              <a:t>;; --author is the author’s name</a:t>
-            </a:r>
-          </a:p>
-          <a:p>
-            <a:r>
-              <a:rPr lang="en-US" sz="2000" b="1" dirty="0" smtClean="0">
-                <a:latin typeface="Consolas" pitchFamily="49" charset="0"/>
-                <a:cs typeface="Consolas" pitchFamily="49" charset="0"/>
-              </a:rPr>
-              <a:t>;; --title is the title</a:t>
-            </a:r>
-          </a:p>
-          <a:p>
-            <a:r>
-              <a:rPr lang="en-US" sz="2000" b="1" dirty="0" smtClean="0">
-                <a:latin typeface="Consolas" pitchFamily="49" charset="0"/>
-                <a:cs typeface="Consolas" pitchFamily="49" charset="0"/>
-              </a:rPr>
-              <a:t>;; --on-hand is the number of copies on hand</a:t>
-            </a:r>
-          </a:p>
-          <a:p>
-            <a:r>
-              <a:rPr lang="en-US" sz="2000" b="1" dirty="0" smtClean="0">
-                <a:latin typeface="Consolas" pitchFamily="49" charset="0"/>
-                <a:cs typeface="Consolas" pitchFamily="49" charset="0"/>
-              </a:rPr>
-              <a:t>;; --price is the price in USD*100</a:t>
-            </a:r>
-          </a:p>
-          <a:p>
-            <a:endParaRPr lang="en-US" sz="2000" b="1" dirty="0" smtClean="0">
-              <a:latin typeface="Consolas" pitchFamily="49" charset="0"/>
-              <a:cs typeface="Consolas" pitchFamily="49" charset="0"/>
-            </a:endParaRPr>
-          </a:p>
-          <a:p>
-            <a:pPr>
-              <a:buNone/>
-            </a:pPr>
-            <a:r>
-              <a:rPr lang="en-US" sz="2000" b="1" dirty="0" smtClean="0">
-                <a:latin typeface="Consolas" pitchFamily="49" charset="0"/>
-                <a:cs typeface="Consolas" pitchFamily="49" charset="0"/>
-              </a:rPr>
-              <a:t>;; book-</a:t>
-            </a:r>
-            <a:r>
-              <a:rPr lang="en-US" sz="2000" b="1" dirty="0" err="1" smtClean="0">
-                <a:latin typeface="Consolas" pitchFamily="49" charset="0"/>
-                <a:cs typeface="Consolas" pitchFamily="49" charset="0"/>
-              </a:rPr>
-              <a:t>fn</a:t>
-            </a:r>
-            <a:r>
-              <a:rPr lang="en-US" sz="2000" b="1" dirty="0" smtClean="0">
-                <a:latin typeface="Consolas" pitchFamily="49" charset="0"/>
-                <a:cs typeface="Consolas" pitchFamily="49" charset="0"/>
-              </a:rPr>
-              <a:t> </a:t>
-            </a:r>
-            <a:r>
-              <a:rPr lang="en-US" sz="2000" b="1" dirty="0">
-                <a:latin typeface="Consolas" pitchFamily="49" charset="0"/>
-                <a:cs typeface="Consolas" pitchFamily="49" charset="0"/>
-              </a:rPr>
-              <a:t>: Book -&gt; ??</a:t>
-            </a:r>
-          </a:p>
-          <a:p>
-            <a:pPr>
-              <a:buNone/>
-            </a:pPr>
-            <a:r>
-              <a:rPr lang="en-US" sz="2000" b="1" dirty="0" smtClean="0">
-                <a:latin typeface="Consolas" pitchFamily="49" charset="0"/>
-                <a:cs typeface="Consolas" pitchFamily="49" charset="0"/>
-              </a:rPr>
-              <a:t>;; (</a:t>
-            </a:r>
-            <a:r>
-              <a:rPr lang="en-US" sz="2000" b="1" dirty="0">
-                <a:latin typeface="Consolas" pitchFamily="49" charset="0"/>
-                <a:cs typeface="Consolas" pitchFamily="49" charset="0"/>
-              </a:rPr>
-              <a:t>define (book-</a:t>
-            </a:r>
-            <a:r>
-              <a:rPr lang="en-US" sz="2000" b="1" dirty="0" err="1">
-                <a:latin typeface="Consolas" pitchFamily="49" charset="0"/>
-                <a:cs typeface="Consolas" pitchFamily="49" charset="0"/>
-              </a:rPr>
-              <a:t>fn</a:t>
-            </a:r>
-            <a:r>
-              <a:rPr lang="en-US" sz="2000" b="1" dirty="0">
-                <a:latin typeface="Consolas" pitchFamily="49" charset="0"/>
-                <a:cs typeface="Consolas" pitchFamily="49" charset="0"/>
-              </a:rPr>
-              <a:t> b)</a:t>
-            </a:r>
-          </a:p>
-          <a:p>
-            <a:pPr>
-              <a:buNone/>
-            </a:pPr>
-            <a:r>
-              <a:rPr lang="en-US" sz="2000" b="1" dirty="0" smtClean="0">
-                <a:latin typeface="Consolas" pitchFamily="49" charset="0"/>
-                <a:cs typeface="Consolas" pitchFamily="49" charset="0"/>
-              </a:rPr>
-              <a:t>;;   </a:t>
-            </a:r>
-            <a:r>
-              <a:rPr lang="en-US" sz="2000" b="1" dirty="0">
-                <a:latin typeface="Consolas" pitchFamily="49" charset="0"/>
-                <a:cs typeface="Consolas" pitchFamily="49" charset="0"/>
-              </a:rPr>
-              <a:t>(... (book-author b) </a:t>
-            </a:r>
-          </a:p>
-          <a:p>
-            <a:pPr>
-              <a:buNone/>
-            </a:pPr>
-            <a:r>
-              <a:rPr lang="en-US" sz="2000" b="1" dirty="0" smtClean="0">
-                <a:latin typeface="Consolas" pitchFamily="49" charset="0"/>
-                <a:cs typeface="Consolas" pitchFamily="49" charset="0"/>
-              </a:rPr>
-              <a:t>;;        </a:t>
-            </a:r>
-            <a:r>
-              <a:rPr lang="en-US" sz="2000" b="1" dirty="0">
-                <a:latin typeface="Consolas" pitchFamily="49" charset="0"/>
-                <a:cs typeface="Consolas" pitchFamily="49" charset="0"/>
-              </a:rPr>
-              <a:t>(book-title b) </a:t>
-            </a:r>
-          </a:p>
-          <a:p>
-            <a:pPr>
-              <a:buNone/>
-            </a:pPr>
-            <a:r>
-              <a:rPr lang="en-US" sz="2000" b="1" dirty="0" smtClean="0">
-                <a:latin typeface="Consolas" pitchFamily="49" charset="0"/>
-                <a:cs typeface="Consolas" pitchFamily="49" charset="0"/>
-              </a:rPr>
-              <a:t>;;        </a:t>
-            </a:r>
-            <a:r>
-              <a:rPr lang="en-US" sz="2000" b="1" dirty="0">
-                <a:latin typeface="Consolas" pitchFamily="49" charset="0"/>
-                <a:cs typeface="Consolas" pitchFamily="49" charset="0"/>
-              </a:rPr>
-              <a:t>(book-on-hand b) </a:t>
-            </a:r>
-          </a:p>
-          <a:p>
-            <a:pPr>
-              <a:buNone/>
-            </a:pPr>
-            <a:r>
-              <a:rPr lang="en-US" sz="2000" b="1" dirty="0" smtClean="0">
-                <a:latin typeface="Consolas" pitchFamily="49" charset="0"/>
-                <a:cs typeface="Consolas" pitchFamily="49" charset="0"/>
-              </a:rPr>
-              <a:t>;;        </a:t>
-            </a:r>
-            <a:r>
-              <a:rPr lang="en-US" sz="2000" b="1" dirty="0">
-                <a:latin typeface="Consolas" pitchFamily="49" charset="0"/>
-                <a:cs typeface="Consolas" pitchFamily="49" charset="0"/>
-              </a:rPr>
-              <a:t>(book-price b)))</a:t>
-            </a:r>
-          </a:p>
-          <a:p>
-            <a:endParaRPr lang="en-US" sz="2000" b="1" dirty="0">
-              <a:latin typeface="Consolas" pitchFamily="49" charset="0"/>
-              <a:cs typeface="Consolas" pitchFamily="49" charset="0"/>
-            </a:endParaRPr>
-          </a:p>
-        </p:txBody>
-      </p:sp>
-      <p:sp>
-        <p:nvSpPr>
-          <p:cNvPr id="5" name="Rectangle 4"/>
-          <p:cNvSpPr/>
-          <p:nvPr/>
-        </p:nvSpPr>
-        <p:spPr>
-          <a:xfrm>
-            <a:off x="4820343" y="3886200"/>
-            <a:ext cx="4149090" cy="1158765"/>
-          </a:xfrm>
-          <a:prstGeom prst="rect">
-            <a:avLst/>
-          </a:prstGeom>
-          <a:solidFill>
-            <a:schemeClr val="accent3">
-              <a:lumMod val="40000"/>
-              <a:lumOff val="60000"/>
-            </a:schemeClr>
-          </a:solidFill>
-          <a:ln/>
-        </p:spPr>
-        <p:style>
-          <a:lnRef idx="2">
-            <a:schemeClr val="accent1"/>
-          </a:lnRef>
-          <a:fillRef idx="1">
-            <a:schemeClr val="lt1"/>
-          </a:fillRef>
-          <a:effectRef idx="0">
-            <a:schemeClr val="accent1"/>
-          </a:effectRef>
-          <a:fontRef idx="minor">
-            <a:schemeClr val="dk1"/>
-          </a:fontRef>
-        </p:style>
-        <p:txBody>
-          <a:bodyPr rot="0" spcFirstLastPara="0" vertOverflow="overflow" horzOverflow="overflow" vert="horz" wrap="square" lIns="91440" tIns="45720" rIns="91440" bIns="45720" numCol="1" spcCol="0" rtlCol="0" fromWordArt="0" anchor="ctr" anchorCtr="0" forceAA="0" compatLnSpc="1">
-            <a:prstTxWarp prst="textNoShape">
-              <a:avLst/>
-            </a:prstTxWarp>
-            <a:noAutofit/>
-          </a:bodyPr>
-          <a:lstStyle/>
-          <a:p>
-            <a:pPr>
-              <a:defRPr/>
-            </a:pPr>
-            <a:r>
-              <a:rPr lang="en-US" dirty="0" smtClean="0">
-                <a:solidFill>
-                  <a:schemeClr val="tx1"/>
-                </a:solidFill>
-              </a:rPr>
-              <a:t>Here is the data definition for a book in a bookstore, with structure definition, data definition, interpretation, and template.</a:t>
-            </a:r>
-            <a:endParaRPr lang="en-US" dirty="0">
-              <a:solidFill>
-                <a:schemeClr val="tx1"/>
-              </a:solidFill>
-            </a:endParaRPr>
-          </a:p>
-        </p:txBody>
-      </p:sp>
-      <p:sp>
-        <p:nvSpPr>
-          <p:cNvPr id="6" name="Rectangle 5"/>
-          <p:cNvSpPr/>
-          <p:nvPr/>
-        </p:nvSpPr>
-        <p:spPr>
-          <a:xfrm>
-            <a:off x="4876800" y="5334000"/>
-            <a:ext cx="3810000" cy="1387475"/>
-          </a:xfrm>
-          <a:prstGeom prst="rect">
-            <a:avLst/>
-          </a:prstGeom>
-          <a:solidFill>
-            <a:schemeClr val="accent3">
-              <a:lumMod val="40000"/>
-              <a:lumOff val="60000"/>
-            </a:schemeClr>
-          </a:solidFill>
-          <a:ln/>
-        </p:spPr>
-        <p:style>
-          <a:lnRef idx="2">
-            <a:schemeClr val="accent1"/>
-          </a:lnRef>
-          <a:fillRef idx="1">
-            <a:schemeClr val="lt1"/>
-          </a:fillRef>
-          <a:effectRef idx="0">
-            <a:schemeClr val="accent1"/>
-          </a:effectRef>
-          <a:fontRef idx="minor">
-            <a:schemeClr val="dk1"/>
-          </a:fontRef>
-        </p:style>
-        <p:txBody>
-          <a:bodyPr rot="0" spcFirstLastPara="0" vertOverflow="overflow" horzOverflow="overflow" vert="horz" wrap="square" lIns="91440" tIns="45720" rIns="91440" bIns="45720" numCol="1" spcCol="0" rtlCol="0" fromWordArt="0" anchor="t" anchorCtr="0" forceAA="0" compatLnSpc="1">
-            <a:prstTxWarp prst="textNoShape">
-              <a:avLst/>
-            </a:prstTxWarp>
-            <a:noAutofit/>
-          </a:bodyPr>
-          <a:lstStyle/>
-          <a:p>
-            <a:r>
-              <a:rPr lang="en-US" sz="1600" dirty="0" smtClean="0">
-                <a:solidFill>
-                  <a:schemeClr val="tx1"/>
-                </a:solidFill>
-              </a:rPr>
-              <a:t>Notice that the data definition doesn't say WHICH list of books this is.  It could be all the books in the bookstore, just the paperbacks, the ones that have been ordered in the last 30 days, etc. etc.</a:t>
-            </a:r>
-            <a:endParaRPr lang="en-US" sz="1600" dirty="0">
-              <a:solidFill>
-                <a:schemeClr val="tx1"/>
-              </a:solidFill>
-            </a:endParaRPr>
-          </a:p>
-        </p:txBody>
-      </p:sp>
-    </p:spTree>
-    <p:extLst>
-      <p:ext uri="{BB962C8B-B14F-4D97-AF65-F5344CB8AC3E}">
-        <p14:creationId xmlns:p14="http://schemas.microsoft.com/office/powerpoint/2010/main" val="1482377572"/>
-      </p:ext>
-    </p:extLst>
-  </p:cSld>
-  <p:clrMapOvr>
-    <a:masterClrMapping/>
-  </p:clrMapOvr>
-  <p:timing>
-    <p:tnLst>
-      <p:par>
-        <p:cTn id="1" dur="indefinite" restart="never" nodeType="tmRoot"/>
-      </p:par>
-    </p:tnLst>
-  </p:timing>
-</p:sld>
-</file>
-
-<file path=ppt/slides/slide7.xml><?xml version="1.0" encoding="utf-8"?>
-<p:sld xmlns:a="http://schemas.openxmlformats.org/drawingml/2006/main" xmlns:r="http://schemas.openxmlformats.org/officeDocument/2006/relationships" xmlns:p="http://schemas.openxmlformats.org/presentationml/2006/main">
-  <p:cSld>
-    <p:spTree>
-      <p:nvGrpSpPr>
-        <p:cNvPr id="1" name=""/>
-        <p:cNvGrpSpPr/>
-        <p:nvPr/>
-      </p:nvGrpSpPr>
-      <p:grpSpPr>
-        <a:xfrm>
-          <a:off x="0" y="0"/>
-          <a:ext cx="0" cy="0"/>
-          <a:chOff x="0" y="0"/>
-          <a:chExt cx="0" cy="0"/>
-        </a:xfrm>
-      </p:grpSpPr>
-      <p:sp>
-        <p:nvSpPr>
-          <p:cNvPr id="2" name="Title 1"/>
-          <p:cNvSpPr>
-            <a:spLocks noGrp="1"/>
-          </p:cNvSpPr>
-          <p:nvPr>
-            <p:ph type="title"/>
-          </p:nvPr>
-        </p:nvSpPr>
-        <p:spPr/>
-        <p:txBody>
-          <a:bodyPr/>
-          <a:lstStyle/>
-          <a:p>
-            <a:r>
-              <a:rPr lang="en-US" dirty="0" smtClean="0"/>
-              <a:t>Template for </a:t>
-            </a:r>
-            <a:r>
-              <a:rPr lang="en-US" dirty="0" err="1" smtClean="0"/>
-              <a:t>ListofBooks</a:t>
-            </a:r>
-            <a:endParaRPr lang="en-US" dirty="0"/>
-          </a:p>
-        </p:txBody>
-      </p:sp>
-      <p:sp>
-        <p:nvSpPr>
-          <p:cNvPr id="3" name="Content Placeholder 2"/>
-          <p:cNvSpPr>
-            <a:spLocks noGrp="1"/>
-          </p:cNvSpPr>
-          <p:nvPr>
-            <p:ph idx="1"/>
-          </p:nvPr>
-        </p:nvSpPr>
-        <p:spPr/>
-        <p:txBody>
-          <a:bodyPr>
-            <a:normAutofit lnSpcReduction="10000"/>
-          </a:bodyPr>
-          <a:lstStyle/>
-          <a:p>
-            <a:pPr>
-              <a:buNone/>
-            </a:pPr>
-            <a:r>
-              <a:rPr lang="en-US" sz="2400" b="1" dirty="0" smtClean="0">
-                <a:latin typeface="Consolas" pitchFamily="49" charset="0"/>
-                <a:cs typeface="Consolas" pitchFamily="49" charset="0"/>
-              </a:rPr>
-              <a:t>;; A </a:t>
-            </a:r>
-            <a:r>
-              <a:rPr lang="en-US" sz="2400" b="1" dirty="0" err="1" smtClean="0">
-                <a:latin typeface="Consolas" pitchFamily="49" charset="0"/>
-                <a:cs typeface="Consolas" pitchFamily="49" charset="0"/>
-              </a:rPr>
-              <a:t>ListOfBooks</a:t>
-            </a:r>
-            <a:r>
-              <a:rPr lang="en-US" sz="2400" b="1" dirty="0" smtClean="0">
-                <a:latin typeface="Consolas" pitchFamily="49" charset="0"/>
-                <a:cs typeface="Consolas" pitchFamily="49" charset="0"/>
-              </a:rPr>
-              <a:t> (LOB) is either</a:t>
-            </a:r>
-          </a:p>
-          <a:p>
-            <a:pPr>
-              <a:buNone/>
-            </a:pPr>
-            <a:r>
-              <a:rPr lang="en-US" sz="2400" b="1" dirty="0" smtClean="0">
-                <a:latin typeface="Consolas" pitchFamily="49" charset="0"/>
-                <a:cs typeface="Consolas" pitchFamily="49" charset="0"/>
-              </a:rPr>
-              <a:t>;; -- empty</a:t>
-            </a:r>
-          </a:p>
-          <a:p>
-            <a:pPr>
-              <a:buNone/>
-            </a:pPr>
-            <a:r>
-              <a:rPr lang="en-US" sz="2400" b="1" dirty="0" smtClean="0">
-                <a:latin typeface="Consolas" pitchFamily="49" charset="0"/>
-                <a:cs typeface="Consolas" pitchFamily="49" charset="0"/>
-              </a:rPr>
-              <a:t>;; -- (cons Book LOB)</a:t>
-            </a:r>
-          </a:p>
-          <a:p>
-            <a:pPr>
-              <a:buNone/>
-            </a:pPr>
-            <a:endParaRPr lang="en-US" sz="2400" b="1" dirty="0" smtClean="0">
-              <a:latin typeface="Consolas" pitchFamily="49" charset="0"/>
-              <a:cs typeface="Consolas" pitchFamily="49" charset="0"/>
-            </a:endParaRPr>
-          </a:p>
-          <a:p>
-            <a:pPr>
-              <a:buNone/>
-            </a:pPr>
-            <a:r>
-              <a:rPr lang="en-US" sz="2400" b="1" dirty="0" smtClean="0">
-                <a:latin typeface="Consolas" pitchFamily="49" charset="0"/>
-                <a:cs typeface="Consolas" pitchFamily="49" charset="0"/>
-              </a:rPr>
-              <a:t>;; lob-fn : LOB -&gt; ??</a:t>
-            </a:r>
-          </a:p>
-          <a:p>
-            <a:pPr>
-              <a:buNone/>
-            </a:pPr>
-            <a:r>
-              <a:rPr lang="en-US" sz="2400" b="1" dirty="0" smtClean="0">
-                <a:latin typeface="Consolas" pitchFamily="49" charset="0"/>
-                <a:cs typeface="Consolas" pitchFamily="49" charset="0"/>
-              </a:rPr>
-              <a:t>;; (define (lob-fn lob)</a:t>
-            </a:r>
-          </a:p>
-          <a:p>
-            <a:pPr>
-              <a:buNone/>
-            </a:pPr>
-            <a:r>
-              <a:rPr lang="en-US" sz="2400" b="1" dirty="0" smtClean="0">
-                <a:latin typeface="Consolas" pitchFamily="49" charset="0"/>
-                <a:cs typeface="Consolas" pitchFamily="49" charset="0"/>
-              </a:rPr>
-              <a:t>;;   (</a:t>
-            </a:r>
-            <a:r>
-              <a:rPr lang="en-US" sz="2400" b="1" dirty="0" err="1" smtClean="0">
-                <a:latin typeface="Consolas" pitchFamily="49" charset="0"/>
-                <a:cs typeface="Consolas" pitchFamily="49" charset="0"/>
-              </a:rPr>
-              <a:t>cond</a:t>
-            </a:r>
-            <a:endParaRPr lang="en-US" sz="2400" b="1" dirty="0" smtClean="0">
-              <a:latin typeface="Consolas" pitchFamily="49" charset="0"/>
-              <a:cs typeface="Consolas" pitchFamily="49" charset="0"/>
-            </a:endParaRPr>
-          </a:p>
-          <a:p>
-            <a:pPr>
-              <a:buNone/>
-            </a:pPr>
-            <a:r>
-              <a:rPr lang="en-US" sz="2400" b="1" dirty="0" smtClean="0">
-                <a:latin typeface="Consolas" pitchFamily="49" charset="0"/>
-                <a:cs typeface="Consolas" pitchFamily="49" charset="0"/>
-              </a:rPr>
-              <a:t>;;     [(empty? lob) ...]</a:t>
-            </a:r>
-          </a:p>
-          <a:p>
-            <a:pPr>
-              <a:buNone/>
-            </a:pPr>
-            <a:r>
-              <a:rPr lang="en-US" sz="2400" b="1" dirty="0" smtClean="0">
-                <a:latin typeface="Consolas" pitchFamily="49" charset="0"/>
-                <a:cs typeface="Consolas" pitchFamily="49" charset="0"/>
-              </a:rPr>
-              <a:t>;;     [else (...</a:t>
-            </a:r>
-          </a:p>
-          <a:p>
-            <a:pPr>
-              <a:buNone/>
-            </a:pPr>
-            <a:r>
-              <a:rPr lang="en-US" sz="2400" b="1" dirty="0" smtClean="0">
-                <a:latin typeface="Consolas" pitchFamily="49" charset="0"/>
-                <a:cs typeface="Consolas" pitchFamily="49" charset="0"/>
-              </a:rPr>
-              <a:t>;;             (</a:t>
-            </a:r>
-            <a:r>
-              <a:rPr lang="en-US" sz="2400" b="1" dirty="0" smtClean="0">
+              <a:t>(define (</a:t>
+            </a:r>
+            <a:r>
+              <a:rPr lang="en-US" sz="2400" b="1" dirty="0">
                 <a:solidFill>
                   <a:srgbClr val="FF0000"/>
                 </a:solidFill>
                 <a:latin typeface="Consolas" pitchFamily="49" charset="0"/>
                 <a:cs typeface="Consolas" pitchFamily="49" charset="0"/>
               </a:rPr>
-              <a:t>book-</a:t>
-            </a:r>
-            <a:r>
-              <a:rPr lang="en-US" sz="2400" b="1" dirty="0" err="1" smtClean="0">
+              <a:t>books-authors</a:t>
+            </a:r>
+            <a:r>
+              <a:rPr lang="en-US" sz="2400" b="1" dirty="0">
+                <a:latin typeface="Consolas" pitchFamily="49" charset="0"/>
+                <a:cs typeface="Consolas" pitchFamily="49" charset="0"/>
+              </a:rPr>
+              <a:t> lob)</a:t>
+            </a:r>
+          </a:p>
+          <a:p>
+            <a:pPr>
+              <a:buNone/>
+            </a:pPr>
+            <a:r>
+              <a:rPr lang="en-US" sz="2400" b="1" dirty="0">
+                <a:latin typeface="Consolas" pitchFamily="49" charset="0"/>
+                <a:cs typeface="Consolas" pitchFamily="49" charset="0"/>
+              </a:rPr>
+              <a:t>  (</a:t>
+            </a:r>
+            <a:r>
+              <a:rPr lang="en-US" sz="2400" b="1" dirty="0" err="1">
+                <a:latin typeface="Consolas" pitchFamily="49" charset="0"/>
+                <a:cs typeface="Consolas" pitchFamily="49" charset="0"/>
+              </a:rPr>
+              <a:t>cond</a:t>
+            </a:r>
+            <a:endParaRPr lang="en-US" sz="2400" b="1" dirty="0">
+              <a:latin typeface="Consolas" pitchFamily="49" charset="0"/>
+              <a:cs typeface="Consolas" pitchFamily="49" charset="0"/>
+            </a:endParaRPr>
+          </a:p>
+          <a:p>
+            <a:pPr>
+              <a:buNone/>
+            </a:pPr>
+            <a:r>
+              <a:rPr lang="en-US" sz="2400" b="1" dirty="0">
+                <a:latin typeface="Consolas" pitchFamily="49" charset="0"/>
+                <a:cs typeface="Consolas" pitchFamily="49" charset="0"/>
+              </a:rPr>
+              <a:t>    [(empty? lob) empty]</a:t>
+            </a:r>
+          </a:p>
+          <a:p>
+            <a:pPr>
+              <a:buNone/>
+            </a:pPr>
+            <a:r>
+              <a:rPr lang="en-US" sz="2400" b="1" dirty="0">
+                <a:latin typeface="Consolas" pitchFamily="49" charset="0"/>
+                <a:cs typeface="Consolas" pitchFamily="49" charset="0"/>
+              </a:rPr>
+              <a:t>    [else (cons</a:t>
+            </a:r>
+          </a:p>
+          <a:p>
+            <a:pPr>
+              <a:buNone/>
+            </a:pPr>
+            <a:r>
+              <a:rPr lang="en-US" sz="2400" b="1" dirty="0">
+                <a:latin typeface="Consolas" pitchFamily="49" charset="0"/>
+                <a:cs typeface="Consolas" pitchFamily="49" charset="0"/>
+              </a:rPr>
+              <a:t>            (</a:t>
+            </a:r>
+            <a:r>
+              <a:rPr lang="en-US" sz="2400" b="1" dirty="0">
+                <a:solidFill>
+                  <a:srgbClr val="00B050"/>
+                </a:solidFill>
+                <a:latin typeface="Consolas" pitchFamily="49" charset="0"/>
+                <a:cs typeface="Consolas" pitchFamily="49" charset="0"/>
+              </a:rPr>
+              <a:t>book-author</a:t>
+            </a:r>
+            <a:r>
+              <a:rPr lang="en-US" sz="2400" b="1" dirty="0">
+                <a:latin typeface="Consolas" pitchFamily="49" charset="0"/>
+                <a:cs typeface="Consolas" pitchFamily="49" charset="0"/>
+              </a:rPr>
+              <a:t> (first lob))</a:t>
+            </a:r>
+          </a:p>
+          <a:p>
+            <a:pPr>
+              <a:buNone/>
+            </a:pPr>
+            <a:r>
+              <a:rPr lang="en-US" sz="2400" b="1" dirty="0">
+                <a:latin typeface="Consolas" pitchFamily="49" charset="0"/>
+                <a:cs typeface="Consolas" pitchFamily="49" charset="0"/>
+              </a:rPr>
+              <a:t>            (</a:t>
+            </a:r>
+            <a:r>
+              <a:rPr lang="en-US" sz="2400" b="1" dirty="0">
                 <a:solidFill>
                   <a:srgbClr val="FF0000"/>
                 </a:solidFill>
                 <a:latin typeface="Consolas" pitchFamily="49" charset="0"/>
                 <a:cs typeface="Consolas" pitchFamily="49" charset="0"/>
               </a:rPr>
-              <a:t>fn</a:t>
-            </a:r>
-            <a:r>
-              <a:rPr lang="en-US" sz="2400" b="1" dirty="0" smtClean="0">
+              <a:t>books-authors</a:t>
+            </a:r>
+            <a:r>
+              <a:rPr lang="en-US" sz="2400" b="1" dirty="0">
                 <a:latin typeface="Consolas" pitchFamily="49" charset="0"/>
                 <a:cs typeface="Consolas" pitchFamily="49" charset="0"/>
               </a:rPr>
-              <a:t> (first lob))</a:t>
-            </a:r>
-          </a:p>
-          <a:p>
-            <a:pPr>
-              <a:buNone/>
-            </a:pPr>
-            <a:r>
-              <a:rPr lang="en-US" sz="2400" b="1" dirty="0" smtClean="0">
-                <a:latin typeface="Consolas" pitchFamily="49" charset="0"/>
-                <a:cs typeface="Consolas" pitchFamily="49" charset="0"/>
-              </a:rPr>
-              <a:t>;;             (lob-fn (rest lob)))]))</a:t>
-            </a:r>
-            <a:endParaRPr lang="en-US" sz="2400" b="1" dirty="0">
-              <a:latin typeface="Consolas" pitchFamily="49" charset="0"/>
-              <a:cs typeface="Consolas" pitchFamily="49" charset="0"/>
-            </a:endParaRPr>
-          </a:p>
-        </p:txBody>
-      </p:sp>
-      <p:sp>
-        <p:nvSpPr>
-          <p:cNvPr id="4" name="Slide Number Placeholder 3"/>
+              <a:t> (rest lob)))]))</a:t>
+            </a:r>
+          </a:p>
+        </p:txBody>
+      </p:sp>
+      <p:sp>
+        <p:nvSpPr>
+          <p:cNvPr id="5" name="Slide Number Placeholder 4"/>
           <p:cNvSpPr>
             <a:spLocks noGrp="1"/>
           </p:cNvSpPr>
@@ -6828,451 +5443,7 @@
             <a:fld id="{9F4492BD-6A9C-48FC-AC76-0B4FE11194A1}" type="slidenum">
               <a:rPr lang="en-US" smtClean="0"/>
               <a:pPr/>
-              <a:t>7</a:t>
-            </a:fld>
-            <a:endParaRPr lang="en-US"/>
-          </a:p>
-        </p:txBody>
-      </p:sp>
-      <p:sp>
-        <p:nvSpPr>
-          <p:cNvPr id="5" name="TextBox 4"/>
-          <p:cNvSpPr txBox="1"/>
-          <p:nvPr/>
-        </p:nvSpPr>
-        <p:spPr>
-          <a:xfrm>
-            <a:off x="5498593" y="2136338"/>
-            <a:ext cx="3657600" cy="2585323"/>
-          </a:xfrm>
-          <a:prstGeom prst="rect">
-            <a:avLst/>
-          </a:prstGeom>
-          <a:solidFill>
-            <a:schemeClr val="accent3">
-              <a:lumMod val="40000"/>
-              <a:lumOff val="60000"/>
-            </a:schemeClr>
-          </a:solidFill>
-          <a:ln/>
-        </p:spPr>
-        <p:style>
-          <a:lnRef idx="2">
-            <a:schemeClr val="accent1"/>
-          </a:lnRef>
-          <a:fillRef idx="1">
-            <a:schemeClr val="lt1"/>
-          </a:fillRef>
-          <a:effectRef idx="0">
-            <a:schemeClr val="accent1"/>
-          </a:effectRef>
-          <a:fontRef idx="minor">
-            <a:schemeClr val="dk1"/>
-          </a:fontRef>
-        </p:style>
-        <p:txBody>
-          <a:bodyPr wrap="square" rtlCol="0">
-            <a:spAutoFit/>
-          </a:bodyPr>
-          <a:lstStyle/>
-          <a:p>
-            <a:r>
-              <a:rPr lang="en-US" dirty="0" smtClean="0"/>
-              <a:t>When dealing with a list of structures, you should insert a call to a function here.</a:t>
-            </a:r>
-          </a:p>
-          <a:p>
-            <a:endParaRPr lang="en-US" dirty="0"/>
-          </a:p>
-          <a:p>
-            <a:r>
-              <a:rPr lang="en-US" dirty="0" smtClean="0"/>
-              <a:t>(rest lob) is a LOB, so we wrap it in a lob-fn.</a:t>
-            </a:r>
-          </a:p>
-          <a:p>
-            <a:endParaRPr lang="en-US" dirty="0"/>
-          </a:p>
-          <a:p>
-            <a:r>
-              <a:rPr lang="en-US" dirty="0" smtClean="0"/>
-              <a:t>Similarly, (first lob) is a Book, so we wrap it in a book-fn.</a:t>
-            </a:r>
-            <a:endParaRPr lang="en-US" dirty="0"/>
-          </a:p>
-        </p:txBody>
-      </p:sp>
-      <p:sp>
-        <p:nvSpPr>
-          <p:cNvPr id="9" name="Freeform 8"/>
-          <p:cNvSpPr/>
-          <p:nvPr/>
-        </p:nvSpPr>
-        <p:spPr>
-          <a:xfrm>
-            <a:off x="4011168" y="3035808"/>
-            <a:ext cx="2743200" cy="2218944"/>
-          </a:xfrm>
-          <a:custGeom>
-            <a:avLst/>
-            <a:gdLst>
-              <a:gd name="connsiteX0" fmla="*/ 2743200 w 2743200"/>
-              <a:gd name="connsiteY0" fmla="*/ 0 h 2218944"/>
-              <a:gd name="connsiteX1" fmla="*/ 1011936 w 2743200"/>
-              <a:gd name="connsiteY1" fmla="*/ 377952 h 2218944"/>
-              <a:gd name="connsiteX2" fmla="*/ 0 w 2743200"/>
-              <a:gd name="connsiteY2" fmla="*/ 2218944 h 2218944"/>
-              <a:gd name="connsiteX0" fmla="*/ 2743200 w 2743200"/>
-              <a:gd name="connsiteY0" fmla="*/ 0 h 2218944"/>
-              <a:gd name="connsiteX1" fmla="*/ 1011936 w 2743200"/>
-              <a:gd name="connsiteY1" fmla="*/ 377952 h 2218944"/>
-              <a:gd name="connsiteX2" fmla="*/ 0 w 2743200"/>
-              <a:gd name="connsiteY2" fmla="*/ 2218944 h 2218944"/>
-            </a:gdLst>
-            <a:ahLst/>
-            <a:cxnLst>
-              <a:cxn ang="0">
-                <a:pos x="connsiteX0" y="connsiteY0"/>
-              </a:cxn>
-              <a:cxn ang="0">
-                <a:pos x="connsiteX1" y="connsiteY1"/>
-              </a:cxn>
-              <a:cxn ang="0">
-                <a:pos x="connsiteX2" y="connsiteY2"/>
-              </a:cxn>
-            </a:cxnLst>
-            <a:rect l="l" t="t" r="r" b="b"/>
-            <a:pathLst>
-              <a:path w="2743200" h="2218944">
-                <a:moveTo>
-                  <a:pt x="2743200" y="0"/>
-                </a:moveTo>
-                <a:cubicBezTo>
-                  <a:pt x="2276856" y="357632"/>
-                  <a:pt x="1469136" y="8128"/>
-                  <a:pt x="1011936" y="377952"/>
-                </a:cubicBezTo>
-                <a:cubicBezTo>
-                  <a:pt x="554736" y="747776"/>
-                  <a:pt x="277368" y="1483360"/>
-                  <a:pt x="0" y="2218944"/>
-                </a:cubicBezTo>
-              </a:path>
-            </a:pathLst>
-          </a:custGeom>
-          <a:noFill/>
-          <a:ln w="12700">
-            <a:solidFill>
-              <a:schemeClr val="tx1"/>
-            </a:solidFill>
-            <a:tailEnd type="stealth" w="lg" len="lg"/>
-          </a:ln>
-        </p:spPr>
-        <p:style>
-          <a:lnRef idx="2">
-            <a:schemeClr val="accent1">
-              <a:shade val="50000"/>
-            </a:schemeClr>
-          </a:lnRef>
-          <a:fillRef idx="1">
-            <a:schemeClr val="accent1"/>
-          </a:fillRef>
-          <a:effectRef idx="0">
-            <a:schemeClr val="accent1"/>
-          </a:effectRef>
-          <a:fontRef idx="minor">
-            <a:schemeClr val="lt1"/>
-          </a:fontRef>
-        </p:style>
-        <p:txBody>
-          <a:bodyPr rtlCol="0" anchor="ctr"/>
-          <a:lstStyle/>
-          <a:p>
-            <a:pPr algn="ctr"/>
-            <a:endParaRPr lang="en-US"/>
-          </a:p>
-        </p:txBody>
-      </p:sp>
-    </p:spTree>
-    <p:extLst>
-      <p:ext uri="{BB962C8B-B14F-4D97-AF65-F5344CB8AC3E}">
-        <p14:creationId xmlns:p14="http://schemas.microsoft.com/office/powerpoint/2010/main" val="4258007034"/>
-      </p:ext>
-    </p:extLst>
-  </p:cSld>
-  <p:clrMapOvr>
-    <a:masterClrMapping/>
-  </p:clrMapOvr>
-  <p:timing>
-    <p:tnLst>
-      <p:par>
-        <p:cTn id="1" dur="indefinite" restart="never" nodeType="tmRoot"/>
-      </p:par>
-    </p:tnLst>
-  </p:timing>
-</p:sld>
-</file>
-
-<file path=ppt/slides/slide8.xml><?xml version="1.0" encoding="utf-8"?>
-<p:sld xmlns:a="http://schemas.openxmlformats.org/drawingml/2006/main" xmlns:r="http://schemas.openxmlformats.org/officeDocument/2006/relationships" xmlns:p="http://schemas.openxmlformats.org/presentationml/2006/main">
-  <p:cSld>
-    <p:spTree>
-      <p:nvGrpSpPr>
-        <p:cNvPr id="1" name=""/>
-        <p:cNvGrpSpPr/>
-        <p:nvPr/>
-      </p:nvGrpSpPr>
-      <p:grpSpPr>
-        <a:xfrm>
-          <a:off x="0" y="0"/>
-          <a:ext cx="0" cy="0"/>
-          <a:chOff x="0" y="0"/>
-          <a:chExt cx="0" cy="0"/>
-        </a:xfrm>
-      </p:grpSpPr>
-      <p:sp>
-        <p:nvSpPr>
-          <p:cNvPr id="2" name="Title 1"/>
-          <p:cNvSpPr>
-            <a:spLocks noGrp="1"/>
-          </p:cNvSpPr>
-          <p:nvPr>
-            <p:ph type="title"/>
-          </p:nvPr>
-        </p:nvSpPr>
-        <p:spPr/>
-        <p:txBody>
-          <a:bodyPr>
-            <a:normAutofit fontScale="90000"/>
-          </a:bodyPr>
-          <a:lstStyle/>
-          <a:p>
-            <a:r>
-              <a:rPr lang="en-US" dirty="0" smtClean="0"/>
-              <a:t>Example: if book-</a:t>
-            </a:r>
-            <a:r>
-              <a:rPr lang="en-US" dirty="0" err="1" smtClean="0"/>
-              <a:t>fn</a:t>
-            </a:r>
-            <a:r>
-              <a:rPr lang="en-US" dirty="0" smtClean="0"/>
-              <a:t> is just a selector, you can put it in directly</a:t>
-            </a:r>
-            <a:endParaRPr lang="en-US" dirty="0"/>
-          </a:p>
-        </p:txBody>
-      </p:sp>
-      <p:sp>
-        <p:nvSpPr>
-          <p:cNvPr id="3" name="Content Placeholder 2"/>
-          <p:cNvSpPr>
-            <a:spLocks noGrp="1"/>
-          </p:cNvSpPr>
-          <p:nvPr>
-            <p:ph idx="1"/>
-          </p:nvPr>
-        </p:nvSpPr>
-        <p:spPr/>
-        <p:txBody>
-          <a:bodyPr>
-            <a:normAutofit/>
-          </a:bodyPr>
-          <a:lstStyle/>
-          <a:p>
-            <a:pPr>
-              <a:buNone/>
-            </a:pPr>
-            <a:r>
-              <a:rPr lang="en-US" sz="2400" b="1" dirty="0" smtClean="0">
-                <a:latin typeface="Consolas" pitchFamily="49" charset="0"/>
-                <a:cs typeface="Consolas" pitchFamily="49" charset="0"/>
-              </a:rPr>
-              <a:t>;; books-authors : LOB -&gt; </a:t>
-            </a:r>
-            <a:r>
-              <a:rPr lang="en-US" sz="2400" b="1" dirty="0" err="1" smtClean="0">
-                <a:latin typeface="Consolas" pitchFamily="49" charset="0"/>
-                <a:cs typeface="Consolas" pitchFamily="49" charset="0"/>
-              </a:rPr>
-              <a:t>ListOfString</a:t>
-            </a:r>
-            <a:endParaRPr lang="en-US" sz="2400" b="1" dirty="0" smtClean="0">
-              <a:latin typeface="Consolas" pitchFamily="49" charset="0"/>
-              <a:cs typeface="Consolas" pitchFamily="49" charset="0"/>
-            </a:endParaRPr>
-          </a:p>
-          <a:p>
-            <a:pPr>
-              <a:buNone/>
-            </a:pPr>
-            <a:r>
-              <a:rPr lang="en-US" sz="2400" b="1" dirty="0" smtClean="0">
-                <a:latin typeface="Consolas" pitchFamily="49" charset="0"/>
-                <a:cs typeface="Consolas" pitchFamily="49" charset="0"/>
-              </a:rPr>
-              <a:t>;; STRATEGY: Use template for LOB on lob</a:t>
-            </a:r>
-          </a:p>
-          <a:p>
-            <a:pPr>
-              <a:buNone/>
-            </a:pPr>
-            <a:r>
-              <a:rPr lang="en-US" sz="2400" b="1" dirty="0" smtClean="0">
-                <a:latin typeface="Consolas" pitchFamily="49" charset="0"/>
-                <a:cs typeface="Consolas" pitchFamily="49" charset="0"/>
-              </a:rPr>
-              <a:t>(define (</a:t>
-            </a:r>
-            <a:r>
-              <a:rPr lang="en-US" sz="2400" b="1" dirty="0" smtClean="0">
-                <a:solidFill>
-                  <a:srgbClr val="FF0000"/>
-                </a:solidFill>
-                <a:latin typeface="Consolas" pitchFamily="49" charset="0"/>
-                <a:cs typeface="Consolas" pitchFamily="49" charset="0"/>
-              </a:rPr>
-              <a:t>books-authors</a:t>
-            </a:r>
-            <a:r>
-              <a:rPr lang="en-US" sz="2400" b="1" dirty="0" smtClean="0">
-                <a:latin typeface="Consolas" pitchFamily="49" charset="0"/>
-                <a:cs typeface="Consolas" pitchFamily="49" charset="0"/>
-              </a:rPr>
-              <a:t> lob)</a:t>
-            </a:r>
-          </a:p>
-          <a:p>
-            <a:pPr>
-              <a:buNone/>
-            </a:pPr>
-            <a:r>
-              <a:rPr lang="en-US" sz="2400" b="1" dirty="0" smtClean="0">
-                <a:latin typeface="Consolas" pitchFamily="49" charset="0"/>
-                <a:cs typeface="Consolas" pitchFamily="49" charset="0"/>
-              </a:rPr>
-              <a:t>  (</a:t>
-            </a:r>
-            <a:r>
-              <a:rPr lang="en-US" sz="2400" b="1" dirty="0" err="1" smtClean="0">
-                <a:latin typeface="Consolas" pitchFamily="49" charset="0"/>
-                <a:cs typeface="Consolas" pitchFamily="49" charset="0"/>
-              </a:rPr>
-              <a:t>cond</a:t>
-            </a:r>
-            <a:endParaRPr lang="en-US" sz="2400" b="1" dirty="0" smtClean="0">
-              <a:latin typeface="Consolas" pitchFamily="49" charset="0"/>
-              <a:cs typeface="Consolas" pitchFamily="49" charset="0"/>
-            </a:endParaRPr>
-          </a:p>
-          <a:p>
-            <a:pPr>
-              <a:buNone/>
-            </a:pPr>
-            <a:r>
-              <a:rPr lang="en-US" sz="2400" b="1" dirty="0" smtClean="0">
-                <a:latin typeface="Consolas" pitchFamily="49" charset="0"/>
-                <a:cs typeface="Consolas" pitchFamily="49" charset="0"/>
-              </a:rPr>
-              <a:t>    [(empty? lob) empty]</a:t>
-            </a:r>
-          </a:p>
-          <a:p>
-            <a:pPr>
-              <a:buNone/>
-            </a:pPr>
-            <a:r>
-              <a:rPr lang="en-US" sz="2400" b="1" dirty="0" smtClean="0">
-                <a:latin typeface="Consolas" pitchFamily="49" charset="0"/>
-                <a:cs typeface="Consolas" pitchFamily="49" charset="0"/>
-              </a:rPr>
-              <a:t>    [else (cons</a:t>
-            </a:r>
-          </a:p>
-          <a:p>
-            <a:pPr>
-              <a:buNone/>
-            </a:pPr>
-            <a:r>
-              <a:rPr lang="en-US" sz="2400" b="1" dirty="0" smtClean="0">
-                <a:latin typeface="Consolas" pitchFamily="49" charset="0"/>
-                <a:cs typeface="Consolas" pitchFamily="49" charset="0"/>
-              </a:rPr>
-              <a:t>            (</a:t>
-            </a:r>
-            <a:r>
-              <a:rPr lang="en-US" sz="2400" b="1" dirty="0" smtClean="0">
-                <a:solidFill>
-                  <a:srgbClr val="00B050"/>
-                </a:solidFill>
-                <a:latin typeface="Consolas" pitchFamily="49" charset="0"/>
-                <a:cs typeface="Consolas" pitchFamily="49" charset="0"/>
-              </a:rPr>
-              <a:t>book-author</a:t>
-            </a:r>
-            <a:r>
-              <a:rPr lang="en-US" sz="2400" b="1" dirty="0" smtClean="0">
-                <a:latin typeface="Consolas" pitchFamily="49" charset="0"/>
-                <a:cs typeface="Consolas" pitchFamily="49" charset="0"/>
-              </a:rPr>
-              <a:t> (first lob))</a:t>
-            </a:r>
-          </a:p>
-          <a:p>
-            <a:pPr>
-              <a:buNone/>
-            </a:pPr>
-            <a:r>
-              <a:rPr lang="en-US" sz="2400" b="1" dirty="0" smtClean="0">
-                <a:latin typeface="Consolas" pitchFamily="49" charset="0"/>
-                <a:cs typeface="Consolas" pitchFamily="49" charset="0"/>
-              </a:rPr>
-              <a:t>            (</a:t>
-            </a:r>
-            <a:r>
-              <a:rPr lang="en-US" sz="2400" b="1" dirty="0" smtClean="0">
-                <a:solidFill>
-                  <a:srgbClr val="FF0000"/>
-                </a:solidFill>
-                <a:latin typeface="Consolas" pitchFamily="49" charset="0"/>
-                <a:cs typeface="Consolas" pitchFamily="49" charset="0"/>
-              </a:rPr>
-              <a:t>books-authors</a:t>
-            </a:r>
-            <a:r>
-              <a:rPr lang="en-US" sz="2400" b="1" dirty="0" smtClean="0">
-                <a:latin typeface="Consolas" pitchFamily="49" charset="0"/>
-                <a:cs typeface="Consolas" pitchFamily="49" charset="0"/>
-              </a:rPr>
-              <a:t> (rest lob)))]))</a:t>
-            </a:r>
-            <a:endParaRPr lang="en-US" sz="2400" b="1" dirty="0">
-              <a:latin typeface="Consolas" pitchFamily="49" charset="0"/>
-              <a:cs typeface="Consolas" pitchFamily="49" charset="0"/>
-            </a:endParaRPr>
-          </a:p>
-        </p:txBody>
-      </p:sp>
-      <p:sp>
-        <p:nvSpPr>
-          <p:cNvPr id="5" name="Slide Number Placeholder 4"/>
-          <p:cNvSpPr>
-            <a:spLocks noGrp="1"/>
-          </p:cNvSpPr>
-          <p:nvPr>
-            <p:ph type="sldNum" sz="quarter" idx="12"/>
-          </p:nvPr>
-        </p:nvSpPr>
-        <p:spPr/>
-        <p:txBody>
-          <a:bodyPr/>
-          <a:lstStyle/>
-          <a:p>
-            <a:fld id="{9F4492BD-6A9C-48FC-AC76-0B4FE11194A1}" type="slidenum">
-              <a:rPr lang="en-US" smtClean="0"/>
-              <a:pPr/>
-              <a:t>8</a:t>
+              <a:t>11</a:t>
             </a:fld>
             <a:endParaRPr lang="en-US"/>
           </a:p>
@@ -7325,7 +5496,7 @@
           <a:p>
             <a:pPr algn="ctr"/>
             <a:r>
-              <a:rPr lang="en-US" b="1" dirty="0" smtClean="0">
+              <a:rPr lang="en-US" b="1" dirty="0">
                 <a:solidFill>
                   <a:schemeClr val="tx1"/>
                 </a:solidFill>
@@ -7333,7 +5504,7 @@
               <a:t>book-author</a:t>
             </a:r>
             <a:r>
-              <a:rPr lang="en-US" dirty="0" smtClean="0">
+              <a:rPr lang="en-US" dirty="0">
                 <a:solidFill>
                   <a:schemeClr val="tx1"/>
                 </a:solidFill>
@@ -7341,7 +5512,7 @@
               <a:t> is certainly a </a:t>
             </a:r>
             <a:r>
-              <a:rPr lang="en-US" b="1" dirty="0" smtClean="0">
+              <a:rPr lang="en-US" b="1" dirty="0">
                 <a:solidFill>
                   <a:schemeClr val="tx1"/>
                 </a:solidFill>
@@ -7349,7 +5520,7 @@
               <a:t>book-</a:t>
             </a:r>
             <a:r>
-              <a:rPr lang="en-US" b="1" dirty="0" err="1" smtClean="0">
+              <a:rPr lang="en-US" b="1" dirty="0" err="1">
                 <a:solidFill>
                   <a:schemeClr val="tx1"/>
                 </a:solidFill>
@@ -7357,7 +5528,7 @@
               <a:t>fn</a:t>
             </a:r>
             <a:r>
-              <a:rPr lang="en-US" dirty="0" smtClean="0">
+              <a:rPr lang="en-US" dirty="0">
                 <a:solidFill>
                   <a:schemeClr val="tx1"/>
                 </a:solidFill>
@@ -7377,17 +5548,10 @@
   <p:clrMapOvr>
     <a:masterClrMapping/>
   </p:clrMapOvr>
-  <p:timing>
-    <p:tnLst>
-      <p:par>
-        <p:cTn id="1" dur="indefinite" restart="never" nodeType="tmRoot"/>
-      </p:par>
-    </p:tnLst>
-  </p:timing>
 </p:sld>
 </file>
 
-<file path=ppt/slides/slide9.xml><?xml version="1.0" encoding="utf-8"?>
+<file path=ppt/slides/slide12.xml><?xml version="1.0" encoding="utf-8"?>
 <p:sld xmlns:a="http://schemas.openxmlformats.org/drawingml/2006/main" xmlns:r="http://schemas.openxmlformats.org/officeDocument/2006/relationships" xmlns:p="http://schemas.openxmlformats.org/presentationml/2006/main">
   <p:cSld>
     <p:spTree>
@@ -7422,10 +5586,9 @@
           <a:lstStyle/>
           <a:p>
             <a:r>
-              <a:rPr lang="en-US" dirty="0" smtClean="0"/>
-              <a:t>Same thing for lists of other non-scalar data</a:t>
-            </a:r>
-            <a:endParaRPr lang="en-US" dirty="0"/>
+              <a:rPr lang="en-US" dirty="0"/>
+              <a:t>Module Summary: Self-Referential or Recursive Information</a:t>
+            </a:r>
           </a:p>
         </p:txBody>
       </p:sp>
@@ -7446,141 +5609,962 @@
           </a:bodyPr>
           <a:lstStyle/>
           <a:p>
-            <a:pPr>
-              <a:buNone/>
-            </a:pPr>
-            <a:r>
-              <a:rPr lang="en-US" sz="2400" b="1" dirty="0" smtClean="0">
+            <a:r>
+              <a:rPr lang="en-US" dirty="0"/>
+              <a:t>Represent arbitrary-sized information using a </a:t>
+            </a:r>
+            <a:r>
+              <a:rPr lang="en-US" i="1" dirty="0">
+                <a:solidFill>
+                  <a:srgbClr val="FF0000"/>
+                </a:solidFill>
+              </a:rPr>
+              <a:t>self-referential</a:t>
+            </a:r>
+            <a:r>
+              <a:rPr lang="en-US" dirty="0"/>
+              <a:t> (or </a:t>
+            </a:r>
+            <a:r>
+              <a:rPr lang="en-US" i="1" dirty="0">
+                <a:solidFill>
+                  <a:srgbClr val="FF0000"/>
+                </a:solidFill>
+              </a:rPr>
+              <a:t>recursive</a:t>
+            </a:r>
+            <a:r>
+              <a:rPr lang="en-US" dirty="0"/>
+              <a:t>) data definition.</a:t>
+            </a:r>
+          </a:p>
+          <a:p>
+            <a:r>
+              <a:rPr lang="en-US" dirty="0"/>
+              <a:t>Self-reference in the data definition leads to self-reference in the template.</a:t>
+            </a:r>
+          </a:p>
+          <a:p>
+            <a:r>
+              <a:rPr lang="en-US" dirty="0"/>
+              <a:t>Self-reference in the template leads to self-reference in the code.</a:t>
+            </a:r>
+          </a:p>
+          <a:p>
+            <a:r>
+              <a:rPr lang="en-US" dirty="0"/>
+              <a:t>Writing functions on this kind of data is easy: just Follow The Recipe!</a:t>
+            </a:r>
+          </a:p>
+          <a:p>
+            <a:r>
+              <a:rPr lang="en-US" dirty="0"/>
+              <a:t>But get the template right!</a:t>
+            </a:r>
+          </a:p>
+          <a:p>
+            <a:pPr lvl="1"/>
+            <a:endParaRPr lang="en-US" dirty="0"/>
+          </a:p>
+        </p:txBody>
+      </p:sp>
+      <p:sp>
+        <p:nvSpPr>
+          <p:cNvPr id="4" name="Slide Number Placeholder 3"/>
+          <p:cNvSpPr>
+            <a:spLocks noGrp="1"/>
+          </p:cNvSpPr>
+          <p:nvPr>
+            <p:ph type="sldNum" sz="quarter" idx="12"/>
+          </p:nvPr>
+        </p:nvSpPr>
+        <p:spPr/>
+        <p:txBody>
+          <a:bodyPr/>
+          <a:lstStyle/>
+          <a:p>
+            <a:fld id="{9F4492BD-6A9C-48FC-AC76-0B4FE11194A1}" type="slidenum">
+              <a:rPr lang="en-US" smtClean="0"/>
+              <a:pPr/>
+              <a:t>12</a:t>
+            </a:fld>
+            <a:endParaRPr lang="en-US"/>
+          </a:p>
+        </p:txBody>
+      </p:sp>
+    </p:spTree>
+    <p:extLst>
+      <p:ext uri="{BB962C8B-B14F-4D97-AF65-F5344CB8AC3E}">
+        <p14:creationId xmlns:p14="http://schemas.microsoft.com/office/powerpoint/2010/main" val="2462851628"/>
+      </p:ext>
+    </p:extLst>
+  </p:cSld>
+  <p:clrMapOvr>
+    <a:masterClrMapping/>
+  </p:clrMapOvr>
+</p:sld>
+</file>
+
+<file path=ppt/slides/slide13.xml><?xml version="1.0" encoding="utf-8"?>
+<p:sld xmlns:a="http://schemas.openxmlformats.org/drawingml/2006/main" xmlns:r="http://schemas.openxmlformats.org/officeDocument/2006/relationships" xmlns:p="http://schemas.openxmlformats.org/presentationml/2006/main">
+  <p:cSld>
+    <p:spTree>
+      <p:nvGrpSpPr>
+        <p:cNvPr id="1" name=""/>
+        <p:cNvGrpSpPr/>
+        <p:nvPr/>
+      </p:nvGrpSpPr>
+      <p:grpSpPr>
+        <a:xfrm>
+          <a:off x="0" y="0"/>
+          <a:ext cx="0" cy="0"/>
+          <a:chOff x="0" y="0"/>
+          <a:chExt cx="0" cy="0"/>
+        </a:xfrm>
+      </p:grpSpPr>
+      <p:sp>
+        <p:nvSpPr>
+          <p:cNvPr id="2" name="Title 1"/>
+          <p:cNvSpPr>
+            <a:spLocks noGrp="1"/>
+          </p:cNvSpPr>
+          <p:nvPr>
+            <p:ph type="title"/>
+          </p:nvPr>
+        </p:nvSpPr>
+        <p:spPr/>
+        <p:txBody>
+          <a:bodyPr/>
+          <a:lstStyle/>
+          <a:p>
+            <a:r>
+              <a:rPr lang="en-US" dirty="0"/>
+              <a:t>Summary</a:t>
+            </a:r>
+          </a:p>
+        </p:txBody>
+      </p:sp>
+      <p:sp>
+        <p:nvSpPr>
+          <p:cNvPr id="3" name="Content Placeholder 2"/>
+          <p:cNvSpPr>
+            <a:spLocks noGrp="1"/>
+          </p:cNvSpPr>
+          <p:nvPr>
+            <p:ph idx="1"/>
+          </p:nvPr>
+        </p:nvSpPr>
+        <p:spPr/>
+        <p:txBody>
+          <a:bodyPr/>
+          <a:lstStyle/>
+          <a:p>
+            <a:r>
+              <a:rPr lang="en-US" dirty="0"/>
+              <a:t>At the end of this lesson you should be able to:</a:t>
+            </a:r>
+          </a:p>
+          <a:p>
+            <a:pPr lvl="1"/>
+            <a:r>
+              <a:rPr lang="en-US" dirty="0"/>
+              <a:t>write down a template for lists of compound data</a:t>
+            </a:r>
+          </a:p>
+          <a:p>
+            <a:pPr lvl="1"/>
+            <a:r>
+              <a:rPr lang="en-US" dirty="0"/>
+              <a:t>use the template to write simple functions on lists of compound data</a:t>
+            </a:r>
+          </a:p>
+          <a:p>
+            <a:r>
+              <a:rPr lang="en-US" dirty="0"/>
+              <a:t>The Guided Practices will give you some exercise in doing this.</a:t>
+            </a:r>
+          </a:p>
+        </p:txBody>
+      </p:sp>
+      <p:sp>
+        <p:nvSpPr>
+          <p:cNvPr id="4" name="Slide Number Placeholder 3"/>
+          <p:cNvSpPr>
+            <a:spLocks noGrp="1"/>
+          </p:cNvSpPr>
+          <p:nvPr>
+            <p:ph type="sldNum" sz="quarter" idx="12"/>
+          </p:nvPr>
+        </p:nvSpPr>
+        <p:spPr/>
+        <p:txBody>
+          <a:bodyPr/>
+          <a:lstStyle/>
+          <a:p>
+            <a:fld id="{9F4492BD-6A9C-48FC-AC76-0B4FE11194A1}" type="slidenum">
+              <a:rPr lang="en-US" smtClean="0"/>
+              <a:pPr/>
+              <a:t>13</a:t>
+            </a:fld>
+            <a:endParaRPr lang="en-US"/>
+          </a:p>
+        </p:txBody>
+      </p:sp>
+    </p:spTree>
+    <p:extLst>
+      <p:ext uri="{BB962C8B-B14F-4D97-AF65-F5344CB8AC3E}">
+        <p14:creationId xmlns:p14="http://schemas.microsoft.com/office/powerpoint/2010/main" val="711196483"/>
+      </p:ext>
+    </p:extLst>
+  </p:cSld>
+  <p:clrMapOvr>
+    <a:masterClrMapping/>
+  </p:clrMapOvr>
+</p:sld>
+</file>
+
+<file path=ppt/slides/slide14.xml><?xml version="1.0" encoding="utf-8"?>
+<p:sld xmlns:a="http://schemas.openxmlformats.org/drawingml/2006/main" xmlns:r="http://schemas.openxmlformats.org/officeDocument/2006/relationships" xmlns:p="http://schemas.openxmlformats.org/presentationml/2006/main">
+  <p:cSld>
+    <p:spTree>
+      <p:nvGrpSpPr>
+        <p:cNvPr id="1" name=""/>
+        <p:cNvGrpSpPr/>
+        <p:nvPr/>
+      </p:nvGrpSpPr>
+      <p:grpSpPr>
+        <a:xfrm>
+          <a:off x="0" y="0"/>
+          <a:ext cx="0" cy="0"/>
+          <a:chOff x="0" y="0"/>
+          <a:chExt cx="0" cy="0"/>
+        </a:xfrm>
+      </p:grpSpPr>
+      <p:sp>
+        <p:nvSpPr>
+          <p:cNvPr id="2" name="Title 1"/>
+          <p:cNvSpPr>
+            <a:spLocks noGrp="1"/>
+          </p:cNvSpPr>
+          <p:nvPr>
+            <p:ph type="title"/>
+          </p:nvPr>
+        </p:nvSpPr>
+        <p:spPr/>
+        <p:txBody>
+          <a:bodyPr/>
+          <a:lstStyle/>
+          <a:p>
+            <a:r>
+              <a:rPr lang="en-US" dirty="0"/>
+              <a:t>Next Steps</a:t>
+            </a:r>
+          </a:p>
+        </p:txBody>
+      </p:sp>
+      <p:sp>
+        <p:nvSpPr>
+          <p:cNvPr id="3" name="Content Placeholder 2"/>
+          <p:cNvSpPr>
+            <a:spLocks noGrp="1"/>
+          </p:cNvSpPr>
+          <p:nvPr>
+            <p:ph idx="1"/>
+          </p:nvPr>
+        </p:nvSpPr>
+        <p:spPr/>
+        <p:txBody>
+          <a:bodyPr/>
+          <a:lstStyle/>
+          <a:p>
+            <a:r>
+              <a:rPr lang="en-US" dirty="0"/>
+              <a:t>Study 04-2-books.rkt in the Examples file</a:t>
+            </a:r>
+          </a:p>
+          <a:p>
+            <a:r>
+              <a:rPr lang="en-US" dirty="0"/>
+              <a:t>If you have questions about this lesson, ask them on the Discussion Board</a:t>
+            </a:r>
+          </a:p>
+          <a:p>
+            <a:r>
+              <a:rPr lang="en-US"/>
+              <a:t>Do Guided Practice 4.4</a:t>
+            </a:r>
+            <a:endParaRPr lang="en-US" dirty="0"/>
+          </a:p>
+          <a:p>
+            <a:r>
+              <a:rPr lang="en-US" dirty="0"/>
+              <a:t>Go on to the next lesson</a:t>
+            </a:r>
+          </a:p>
+        </p:txBody>
+      </p:sp>
+      <p:sp>
+        <p:nvSpPr>
+          <p:cNvPr id="4" name="Slide Number Placeholder 3"/>
+          <p:cNvSpPr>
+            <a:spLocks noGrp="1"/>
+          </p:cNvSpPr>
+          <p:nvPr>
+            <p:ph type="sldNum" sz="quarter" idx="12"/>
+          </p:nvPr>
+        </p:nvSpPr>
+        <p:spPr/>
+        <p:txBody>
+          <a:bodyPr/>
+          <a:lstStyle/>
+          <a:p>
+            <a:fld id="{9F4492BD-6A9C-48FC-AC76-0B4FE11194A1}" type="slidenum">
+              <a:rPr lang="en-US" smtClean="0"/>
+              <a:pPr/>
+              <a:t>14</a:t>
+            </a:fld>
+            <a:endParaRPr lang="en-US"/>
+          </a:p>
+        </p:txBody>
+      </p:sp>
+    </p:spTree>
+    <p:extLst>
+      <p:ext uri="{BB962C8B-B14F-4D97-AF65-F5344CB8AC3E}">
+        <p14:creationId xmlns:p14="http://schemas.microsoft.com/office/powerpoint/2010/main" val="2521155999"/>
+      </p:ext>
+    </p:extLst>
+  </p:cSld>
+  <p:clrMapOvr>
+    <a:masterClrMapping/>
+  </p:clrMapOvr>
+</p:sld>
+</file>
+
+<file path=ppt/slides/slide2.xml><?xml version="1.0" encoding="utf-8"?>
+<p:sld xmlns:a="http://schemas.openxmlformats.org/drawingml/2006/main" xmlns:r="http://schemas.openxmlformats.org/officeDocument/2006/relationships" xmlns:p="http://schemas.openxmlformats.org/presentationml/2006/main">
+  <p:cSld>
+    <p:spTree>
+      <p:nvGrpSpPr>
+        <p:cNvPr id="1" name=""/>
+        <p:cNvGrpSpPr/>
+        <p:nvPr/>
+      </p:nvGrpSpPr>
+      <p:grpSpPr>
+        <a:xfrm>
+          <a:off x="0" y="0"/>
+          <a:ext cx="0" cy="0"/>
+          <a:chOff x="0" y="0"/>
+          <a:chExt cx="0" cy="0"/>
+        </a:xfrm>
+      </p:grpSpPr>
+      <p:sp>
+        <p:nvSpPr>
+          <p:cNvPr id="2" name="Title 1"/>
+          <p:cNvSpPr>
+            <a:spLocks noGrp="1"/>
+          </p:cNvSpPr>
+          <p:nvPr>
+            <p:ph type="title"/>
+          </p:nvPr>
+        </p:nvSpPr>
+        <p:spPr/>
+        <p:txBody>
+          <a:bodyPr/>
+          <a:lstStyle/>
+          <a:p>
+            <a:r>
+              <a:rPr lang="en-US" dirty="0"/>
+              <a:t>Introduction</a:t>
+            </a:r>
+          </a:p>
+        </p:txBody>
+      </p:sp>
+      <p:sp>
+        <p:nvSpPr>
+          <p:cNvPr id="3" name="Content Placeholder 2"/>
+          <p:cNvSpPr>
+            <a:spLocks noGrp="1"/>
+          </p:cNvSpPr>
+          <p:nvPr>
+            <p:ph idx="1"/>
+          </p:nvPr>
+        </p:nvSpPr>
+        <p:spPr/>
+        <p:txBody>
+          <a:bodyPr>
+            <a:normAutofit/>
+          </a:bodyPr>
+          <a:lstStyle/>
+          <a:p>
+            <a:r>
+              <a:rPr lang="en-US" dirty="0"/>
+              <a:t>Lists of structures occur all the time</a:t>
+            </a:r>
+          </a:p>
+          <a:p>
+            <a:r>
+              <a:rPr lang="en-US" dirty="0"/>
+              <a:t>Programming with these is no different:</a:t>
+            </a:r>
+          </a:p>
+          <a:p>
+            <a:pPr lvl="1"/>
+            <a:r>
+              <a:rPr lang="en-US" dirty="0"/>
+              <a:t>write down the data definition, including interpretation and template</a:t>
+            </a:r>
+          </a:p>
+          <a:p>
+            <a:pPr lvl="1"/>
+            <a:r>
+              <a:rPr lang="en-US" dirty="0"/>
+              <a:t>Follow the Recipe!</a:t>
+            </a:r>
+          </a:p>
+        </p:txBody>
+      </p:sp>
+      <p:sp>
+        <p:nvSpPr>
+          <p:cNvPr id="4" name="Slide Number Placeholder 3"/>
+          <p:cNvSpPr>
+            <a:spLocks noGrp="1"/>
+          </p:cNvSpPr>
+          <p:nvPr>
+            <p:ph type="sldNum" sz="quarter" idx="12"/>
+          </p:nvPr>
+        </p:nvSpPr>
+        <p:spPr/>
+        <p:txBody>
+          <a:bodyPr/>
+          <a:lstStyle/>
+          <a:p>
+            <a:fld id="{9F4492BD-6A9C-48FC-AC76-0B4FE11194A1}" type="slidenum">
+              <a:rPr lang="en-US" smtClean="0"/>
+              <a:pPr/>
+              <a:t>2</a:t>
+            </a:fld>
+            <a:endParaRPr lang="en-US"/>
+          </a:p>
+        </p:txBody>
+      </p:sp>
+    </p:spTree>
+    <p:extLst>
+      <p:ext uri="{BB962C8B-B14F-4D97-AF65-F5344CB8AC3E}">
+        <p14:creationId xmlns:p14="http://schemas.microsoft.com/office/powerpoint/2010/main" val="2509334978"/>
+      </p:ext>
+    </p:extLst>
+  </p:cSld>
+  <p:clrMapOvr>
+    <a:masterClrMapping/>
+  </p:clrMapOvr>
+</p:sld>
+</file>
+
+<file path=ppt/slides/slide3.xml><?xml version="1.0" encoding="utf-8"?>
+<p:sld xmlns:a="http://schemas.openxmlformats.org/drawingml/2006/main" xmlns:r="http://schemas.openxmlformats.org/officeDocument/2006/relationships" xmlns:p="http://schemas.openxmlformats.org/presentationml/2006/main">
+  <p:cSld>
+    <p:spTree>
+      <p:nvGrpSpPr>
+        <p:cNvPr id="1" name=""/>
+        <p:cNvGrpSpPr/>
+        <p:nvPr/>
+      </p:nvGrpSpPr>
+      <p:grpSpPr>
+        <a:xfrm>
+          <a:off x="0" y="0"/>
+          <a:ext cx="0" cy="0"/>
+          <a:chOff x="0" y="0"/>
+          <a:chExt cx="0" cy="0"/>
+        </a:xfrm>
+      </p:grpSpPr>
+      <p:sp>
+        <p:nvSpPr>
+          <p:cNvPr id="2" name="Title 1"/>
+          <p:cNvSpPr>
+            <a:spLocks noGrp="1"/>
+          </p:cNvSpPr>
+          <p:nvPr>
+            <p:ph type="title"/>
+          </p:nvPr>
+        </p:nvSpPr>
+        <p:spPr/>
+        <p:txBody>
+          <a:bodyPr/>
+          <a:lstStyle/>
+          <a:p>
+            <a:r>
+              <a:rPr lang="en-US" dirty="0"/>
+              <a:t>Learning Objectives</a:t>
+            </a:r>
+          </a:p>
+        </p:txBody>
+      </p:sp>
+      <p:sp>
+        <p:nvSpPr>
+          <p:cNvPr id="3" name="Content Placeholder 2"/>
+          <p:cNvSpPr>
+            <a:spLocks noGrp="1"/>
+          </p:cNvSpPr>
+          <p:nvPr>
+            <p:ph idx="1"/>
+          </p:nvPr>
+        </p:nvSpPr>
+        <p:spPr/>
+        <p:txBody>
+          <a:bodyPr/>
+          <a:lstStyle/>
+          <a:p>
+            <a:r>
+              <a:rPr lang="en-US" dirty="0"/>
+              <a:t>At the end of this lesson you should be able to:</a:t>
+            </a:r>
+          </a:p>
+          <a:p>
+            <a:pPr lvl="1"/>
+            <a:r>
+              <a:rPr lang="en-US" dirty="0"/>
+              <a:t>write down a template for lists of compound data</a:t>
+            </a:r>
+          </a:p>
+          <a:p>
+            <a:pPr lvl="1"/>
+            <a:r>
+              <a:rPr lang="en-US" dirty="0"/>
+              <a:t>use the template to write simple functions on lists of compound data</a:t>
+            </a:r>
+          </a:p>
+        </p:txBody>
+      </p:sp>
+      <p:sp>
+        <p:nvSpPr>
+          <p:cNvPr id="4" name="Slide Number Placeholder 3"/>
+          <p:cNvSpPr>
+            <a:spLocks noGrp="1"/>
+          </p:cNvSpPr>
+          <p:nvPr>
+            <p:ph type="sldNum" sz="quarter" idx="12"/>
+          </p:nvPr>
+        </p:nvSpPr>
+        <p:spPr/>
+        <p:txBody>
+          <a:bodyPr/>
+          <a:lstStyle/>
+          <a:p>
+            <a:fld id="{9F4492BD-6A9C-48FC-AC76-0B4FE11194A1}" type="slidenum">
+              <a:rPr lang="en-US" smtClean="0"/>
+              <a:pPr/>
+              <a:t>3</a:t>
+            </a:fld>
+            <a:endParaRPr lang="en-US"/>
+          </a:p>
+        </p:txBody>
+      </p:sp>
+    </p:spTree>
+    <p:extLst>
+      <p:ext uri="{BB962C8B-B14F-4D97-AF65-F5344CB8AC3E}">
+        <p14:creationId xmlns:p14="http://schemas.microsoft.com/office/powerpoint/2010/main" val="3512701119"/>
+      </p:ext>
+    </p:extLst>
+  </p:cSld>
+  <p:clrMapOvr>
+    <a:masterClrMapping/>
+  </p:clrMapOvr>
+</p:sld>
+</file>
+
+<file path=ppt/slides/slide4.xml><?xml version="1.0" encoding="utf-8"?>
+<p:sld xmlns:a="http://schemas.openxmlformats.org/drawingml/2006/main" xmlns:r="http://schemas.openxmlformats.org/officeDocument/2006/relationships" xmlns:p="http://schemas.openxmlformats.org/presentationml/2006/main">
+  <p:cSld>
+    <p:spTree>
+      <p:nvGrpSpPr>
+        <p:cNvPr id="1" name=""/>
+        <p:cNvGrpSpPr/>
+        <p:nvPr/>
+      </p:nvGrpSpPr>
+      <p:grpSpPr>
+        <a:xfrm>
+          <a:off x="0" y="0"/>
+          <a:ext cx="0" cy="0"/>
+          <a:chOff x="0" y="0"/>
+          <a:chExt cx="0" cy="0"/>
+        </a:xfrm>
+      </p:grpSpPr>
+      <p:sp>
+        <p:nvSpPr>
+          <p:cNvPr id="2" name="Title 1"/>
+          <p:cNvSpPr>
+            <a:spLocks noGrp="1"/>
+          </p:cNvSpPr>
+          <p:nvPr>
+            <p:ph type="title"/>
+          </p:nvPr>
+        </p:nvSpPr>
+        <p:spPr/>
+        <p:txBody>
+          <a:bodyPr>
+            <a:normAutofit fontScale="90000"/>
+          </a:bodyPr>
+          <a:lstStyle/>
+          <a:p>
+            <a:r>
+              <a:rPr lang="en-US" dirty="0"/>
+              <a:t>Programming with lists of structures</a:t>
+            </a:r>
+          </a:p>
+        </p:txBody>
+      </p:sp>
+      <p:sp>
+        <p:nvSpPr>
+          <p:cNvPr id="3" name="Content Placeholder 2"/>
+          <p:cNvSpPr>
+            <a:spLocks noGrp="1"/>
+          </p:cNvSpPr>
+          <p:nvPr>
+            <p:ph idx="1"/>
+          </p:nvPr>
+        </p:nvSpPr>
+        <p:spPr/>
+        <p:txBody>
+          <a:bodyPr/>
+          <a:lstStyle/>
+          <a:p>
+            <a:r>
+              <a:rPr lang="en-US" dirty="0"/>
+              <a:t>Programming with lists of structures is no different from programming with lists of scalars, except that we make one small change in the recipe for templates</a:t>
+            </a:r>
+          </a:p>
+        </p:txBody>
+      </p:sp>
+      <p:sp>
+        <p:nvSpPr>
+          <p:cNvPr id="4" name="Slide Number Placeholder 3"/>
+          <p:cNvSpPr>
+            <a:spLocks noGrp="1"/>
+          </p:cNvSpPr>
+          <p:nvPr>
+            <p:ph type="sldNum" sz="quarter" idx="12"/>
+          </p:nvPr>
+        </p:nvSpPr>
+        <p:spPr/>
+        <p:txBody>
+          <a:bodyPr/>
+          <a:lstStyle/>
+          <a:p>
+            <a:fld id="{9F4492BD-6A9C-48FC-AC76-0B4FE11194A1}" type="slidenum">
+              <a:rPr lang="en-US" smtClean="0"/>
+              <a:pPr/>
+              <a:t>4</a:t>
+            </a:fld>
+            <a:endParaRPr lang="en-US"/>
+          </a:p>
+        </p:txBody>
+      </p:sp>
+    </p:spTree>
+    <p:extLst>
+      <p:ext uri="{BB962C8B-B14F-4D97-AF65-F5344CB8AC3E}">
+        <p14:creationId xmlns:p14="http://schemas.microsoft.com/office/powerpoint/2010/main" val="3746742104"/>
+      </p:ext>
+    </p:extLst>
+  </p:cSld>
+  <p:clrMapOvr>
+    <a:masterClrMapping/>
+  </p:clrMapOvr>
+</p:sld>
+</file>
+
+<file path=ppt/slides/slide5.xml><?xml version="1.0" encoding="utf-8"?>
+<p:sld xmlns:a="http://schemas.openxmlformats.org/drawingml/2006/main" xmlns:r="http://schemas.openxmlformats.org/officeDocument/2006/relationships" xmlns:p="http://schemas.openxmlformats.org/presentationml/2006/main">
+  <p:cSld>
+    <p:spTree>
+      <p:nvGrpSpPr>
+        <p:cNvPr id="1" name=""/>
+        <p:cNvGrpSpPr/>
+        <p:nvPr/>
+      </p:nvGrpSpPr>
+      <p:grpSpPr>
+        <a:xfrm>
+          <a:off x="0" y="0"/>
+          <a:ext cx="0" cy="0"/>
+          <a:chOff x="0" y="0"/>
+          <a:chExt cx="0" cy="0"/>
+        </a:xfrm>
+      </p:grpSpPr>
+      <p:sp>
+        <p:nvSpPr>
+          <p:cNvPr id="2" name="Title 1"/>
+          <p:cNvSpPr>
+            <a:spLocks noGrp="1"/>
+          </p:cNvSpPr>
+          <p:nvPr>
+            <p:ph type="title"/>
+          </p:nvPr>
+        </p:nvSpPr>
+        <p:spPr/>
+        <p:txBody>
+          <a:bodyPr/>
+          <a:lstStyle/>
+          <a:p>
+            <a:r>
+              <a:rPr lang="en-US" dirty="0"/>
+              <a:t>Example: modeling a bookstore</a:t>
+            </a:r>
+          </a:p>
+        </p:txBody>
+      </p:sp>
+      <p:sp>
+        <p:nvSpPr>
+          <p:cNvPr id="3" name="Content Placeholder 2"/>
+          <p:cNvSpPr>
+            <a:spLocks noGrp="1"/>
+          </p:cNvSpPr>
+          <p:nvPr>
+            <p:ph idx="1"/>
+          </p:nvPr>
+        </p:nvSpPr>
+        <p:spPr/>
+        <p:txBody>
+          <a:bodyPr/>
+          <a:lstStyle/>
+          <a:p>
+            <a:r>
+              <a:rPr lang="en-US" dirty="0"/>
+              <a:t>Let's imagine a program to help manage a bookstore.</a:t>
+            </a:r>
+          </a:p>
+          <a:p>
+            <a:r>
+              <a:rPr lang="en-US" dirty="0"/>
+              <a:t>We'd like to know which books sell and when they sold.  </a:t>
+            </a:r>
+          </a:p>
+          <a:p>
+            <a:r>
+              <a:rPr lang="en-US" dirty="0"/>
+              <a:t>To do this we've decided to keep track of the state of the bookstore, which is a date and the inventory of books in stock on that date.</a:t>
+            </a:r>
+          </a:p>
+          <a:p>
+            <a:endParaRPr lang="en-US" dirty="0"/>
+          </a:p>
+        </p:txBody>
+      </p:sp>
+      <p:sp>
+        <p:nvSpPr>
+          <p:cNvPr id="4" name="Slide Number Placeholder 3"/>
+          <p:cNvSpPr>
+            <a:spLocks noGrp="1"/>
+          </p:cNvSpPr>
+          <p:nvPr>
+            <p:ph type="sldNum" sz="quarter" idx="12"/>
+          </p:nvPr>
+        </p:nvSpPr>
+        <p:spPr/>
+        <p:txBody>
+          <a:bodyPr/>
+          <a:lstStyle/>
+          <a:p>
+            <a:fld id="{2AF3B5EA-18B6-4040-9F78-6052AF49C681}" type="slidenum">
+              <a:rPr lang="en-US" smtClean="0"/>
+              <a:t>5</a:t>
+            </a:fld>
+            <a:endParaRPr lang="en-US"/>
+          </a:p>
+        </p:txBody>
+      </p:sp>
+    </p:spTree>
+    <p:extLst>
+      <p:ext uri="{BB962C8B-B14F-4D97-AF65-F5344CB8AC3E}">
+        <p14:creationId xmlns:p14="http://schemas.microsoft.com/office/powerpoint/2010/main" val="1155545314"/>
+      </p:ext>
+    </p:extLst>
+  </p:cSld>
+  <p:clrMapOvr>
+    <a:masterClrMapping/>
+  </p:clrMapOvr>
+</p:sld>
+</file>
+
+<file path=ppt/slides/slide6.xml><?xml version="1.0" encoding="utf-8"?>
+<p:sld xmlns:a="http://schemas.openxmlformats.org/drawingml/2006/main" xmlns:r="http://schemas.openxmlformats.org/officeDocument/2006/relationships" xmlns:p="http://schemas.openxmlformats.org/presentationml/2006/main">
+  <p:cSld>
+    <p:spTree>
+      <p:nvGrpSpPr>
+        <p:cNvPr id="1" name=""/>
+        <p:cNvGrpSpPr/>
+        <p:nvPr/>
+      </p:nvGrpSpPr>
+      <p:grpSpPr>
+        <a:xfrm>
+          <a:off x="0" y="0"/>
+          <a:ext cx="0" cy="0"/>
+          <a:chOff x="0" y="0"/>
+          <a:chExt cx="0" cy="0"/>
+        </a:xfrm>
+      </p:grpSpPr>
+      <p:sp>
+        <p:nvSpPr>
+          <p:cNvPr id="2" name="Title 1"/>
+          <p:cNvSpPr>
+            <a:spLocks noGrp="1"/>
+          </p:cNvSpPr>
+          <p:nvPr>
+            <p:ph type="title"/>
+          </p:nvPr>
+        </p:nvSpPr>
+        <p:spPr/>
+        <p:txBody>
+          <a:bodyPr/>
+          <a:lstStyle/>
+          <a:p>
+            <a:r>
+              <a:rPr lang="en-US" dirty="0"/>
+              <a:t>Books</a:t>
+            </a:r>
+          </a:p>
+        </p:txBody>
+      </p:sp>
+      <p:sp>
+        <p:nvSpPr>
+          <p:cNvPr id="3" name="Slide Number Placeholder 2"/>
+          <p:cNvSpPr>
+            <a:spLocks noGrp="1"/>
+          </p:cNvSpPr>
+          <p:nvPr>
+            <p:ph type="sldNum" sz="quarter" idx="12"/>
+          </p:nvPr>
+        </p:nvSpPr>
+        <p:spPr/>
+        <p:txBody>
+          <a:bodyPr/>
+          <a:lstStyle/>
+          <a:p>
+            <a:fld id="{9F4492BD-6A9C-48FC-AC76-0B4FE11194A1}" type="slidenum">
+              <a:rPr lang="en-US" smtClean="0"/>
+              <a:pPr/>
+              <a:t>6</a:t>
+            </a:fld>
+            <a:endParaRPr lang="en-US"/>
+          </a:p>
+        </p:txBody>
+      </p:sp>
+      <p:sp>
+        <p:nvSpPr>
+          <p:cNvPr id="4" name="TextBox 3"/>
+          <p:cNvSpPr txBox="1"/>
+          <p:nvPr/>
+        </p:nvSpPr>
+        <p:spPr>
+          <a:xfrm>
+            <a:off x="289560" y="1371600"/>
+            <a:ext cx="8686800" cy="5324535"/>
+          </a:xfrm>
+          <a:prstGeom prst="rect">
+            <a:avLst/>
+          </a:prstGeom>
+          <a:noFill/>
+        </p:spPr>
+        <p:txBody>
+          <a:bodyPr wrap="square" rtlCol="0">
+            <a:spAutoFit/>
+          </a:bodyPr>
+          <a:lstStyle/>
+          <a:p>
+            <a:r>
+              <a:rPr lang="en-US" sz="2000" b="1" dirty="0">
                 <a:latin typeface="Consolas" pitchFamily="49" charset="0"/>
                 <a:cs typeface="Consolas" pitchFamily="49" charset="0"/>
               </a:rPr>
-              <a:t>;; A </a:t>
-            </a:r>
-            <a:r>
-              <a:rPr lang="en-US" sz="2400" b="1" dirty="0" err="1" smtClean="0">
+              <a:t>(define-</a:t>
+            </a:r>
+            <a:r>
+              <a:rPr lang="en-US" sz="2000" b="1" dirty="0" err="1">
                 <a:latin typeface="Consolas" pitchFamily="49" charset="0"/>
                 <a:cs typeface="Consolas" pitchFamily="49" charset="0"/>
               </a:rPr>
-              <a:t>ListOfKeyEvents</a:t>
-            </a:r>
-            <a:r>
-              <a:rPr lang="en-US" sz="2400" b="1" dirty="0" smtClean="0">
+              <a:t>struct</a:t>
+            </a:r>
+            <a:r>
+              <a:rPr lang="en-US" sz="2000" b="1" dirty="0">
                 <a:latin typeface="Consolas" pitchFamily="49" charset="0"/>
                 <a:cs typeface="Consolas" pitchFamily="49" charset="0"/>
               </a:rPr>
-              <a:t> (LOKE) is either</a:t>
-            </a:r>
-          </a:p>
-          <a:p>
-            <a:pPr>
-              <a:buNone/>
-            </a:pPr>
-            <a:r>
-              <a:rPr lang="en-US" sz="2400" b="1" dirty="0" smtClean="0">
+              <a:t> book (</a:t>
+            </a:r>
+            <a:r>
+              <a:rPr lang="en-US" sz="2000" b="1" dirty="0" err="1">
                 <a:latin typeface="Consolas" pitchFamily="49" charset="0"/>
                 <a:cs typeface="Consolas" pitchFamily="49" charset="0"/>
               </a:rPr>
-              <a:t>;; -- empty</a:t>
-            </a:r>
-          </a:p>
-          <a:p>
-            <a:pPr>
-              <a:buNone/>
-            </a:pPr>
-            <a:r>
-              <a:rPr lang="en-US" sz="2400" b="1" dirty="0" smtClean="0">
+              <a:t>isbn</a:t>
+            </a:r>
+            <a:r>
+              <a:rPr lang="en-US" sz="2000" b="1" dirty="0">
                 <a:latin typeface="Consolas" pitchFamily="49" charset="0"/>
                 <a:cs typeface="Consolas" pitchFamily="49" charset="0"/>
               </a:rPr>
-              <a:t>;; -- (cons </a:t>
-            </a:r>
-            <a:r>
-              <a:rPr lang="en-US" sz="2400" b="1" dirty="0" err="1" smtClean="0">
-                <a:latin typeface="Consolas" pitchFamily="49" charset="0"/>
-                <a:cs typeface="Consolas" pitchFamily="49" charset="0"/>
-              </a:rPr>
-              <a:t>KeyEvent</a:t>
-            </a:r>
-            <a:r>
-              <a:rPr lang="en-US" sz="2400" b="1" dirty="0" smtClean="0">
-                <a:latin typeface="Consolas" pitchFamily="49" charset="0"/>
-                <a:cs typeface="Consolas" pitchFamily="49" charset="0"/>
-              </a:rPr>
-              <a:t> LOKE)</a:t>
-            </a:r>
-          </a:p>
-          <a:p>
-            <a:pPr>
-              <a:buNone/>
-            </a:pPr>
-            <a:endParaRPr lang="en-US" sz="2400" b="1" dirty="0" smtClean="0">
+              <a:t> author title on-hand price))</a:t>
+            </a:r>
+          </a:p>
+          <a:p>
+            <a:endParaRPr lang="en-US" sz="2000" b="1" dirty="0">
               <a:latin typeface="Consolas" pitchFamily="49" charset="0"/>
               <a:cs typeface="Consolas" pitchFamily="49" charset="0"/>
             </a:endParaRPr>
           </a:p>
           <a:p>
-            <a:pPr>
-              <a:buNone/>
-            </a:pPr>
-            <a:r>
-              <a:rPr lang="en-US" sz="2400" b="1" dirty="0" smtClean="0">
+            <a:r>
+              <a:rPr lang="en-US" sz="2000" b="1" dirty="0">
                 <a:latin typeface="Consolas" pitchFamily="49" charset="0"/>
                 <a:cs typeface="Consolas" pitchFamily="49" charset="0"/>
               </a:rPr>
-              <a:t>;; </a:t>
-            </a:r>
-            <a:r>
-              <a:rPr lang="en-US" sz="2400" b="1" dirty="0" err="1" smtClean="0">
+              <a:t>;; A Book is a </a:t>
+            </a:r>
+          </a:p>
+          <a:p>
+            <a:r>
+              <a:rPr lang="en-US" sz="2000" b="1" dirty="0">
                 <a:latin typeface="Consolas" pitchFamily="49" charset="0"/>
                 <a:cs typeface="Consolas" pitchFamily="49" charset="0"/>
               </a:rPr>
-              <a:t>loke-fn</a:t>
-            </a:r>
-            <a:r>
-              <a:rPr lang="en-US" sz="2400" b="1" dirty="0" smtClean="0">
+              <a:t>;;  (make-book </a:t>
+            </a:r>
+            <a:r>
+              <a:rPr lang="en-US" sz="2000" b="1" dirty="0" err="1">
                 <a:latin typeface="Consolas" pitchFamily="49" charset="0"/>
                 <a:cs typeface="Consolas" pitchFamily="49" charset="0"/>
               </a:rPr>
-              <a:t> : LOKE -&gt; ??</a:t>
-            </a:r>
-          </a:p>
-          <a:p>
-            <a:pPr>
-              <a:buNone/>
-            </a:pPr>
-            <a:r>
-              <a:rPr lang="en-US" sz="2400" b="1" dirty="0" smtClean="0">
+              <a:t>NonNegInt</a:t>
+            </a:r>
+            <a:r>
+              <a:rPr lang="en-US" sz="2000" b="1" dirty="0">
                 <a:latin typeface="Consolas" pitchFamily="49" charset="0"/>
                 <a:cs typeface="Consolas" pitchFamily="49" charset="0"/>
               </a:rPr>
-              <a:t>;; (define (</a:t>
-            </a:r>
-            <a:r>
-              <a:rPr lang="en-US" sz="2400" b="1" dirty="0" err="1" smtClean="0">
-                <a:solidFill>
-                  <a:srgbClr val="FF0000"/>
-                </a:solidFill>
+              <a:t> String String </a:t>
+            </a:r>
+            <a:r>
+              <a:rPr lang="en-US" sz="2000" b="1" dirty="0" err="1">
                 <a:latin typeface="Consolas" pitchFamily="49" charset="0"/>
                 <a:cs typeface="Consolas" pitchFamily="49" charset="0"/>
               </a:rPr>
-              <a:t>loke-fn</a:t>
-            </a:r>
-            <a:r>
-              <a:rPr lang="en-US" sz="2400" b="1" dirty="0" smtClean="0">
+              <a:t>NonNegInt</a:t>
+            </a:r>
+            <a:r>
+              <a:rPr lang="en-US" sz="2000" b="1" dirty="0">
                 <a:latin typeface="Consolas" pitchFamily="49" charset="0"/>
                 <a:cs typeface="Consolas" pitchFamily="49" charset="0"/>
               </a:rPr>
               <a:t> </a:t>
             </a:r>
             <a:r>
-              <a:rPr lang="en-US" sz="2400" b="1" dirty="0" err="1" smtClean="0">
+              <a:rPr lang="en-US" sz="2000" b="1" dirty="0" err="1">
                 <a:latin typeface="Consolas" pitchFamily="49" charset="0"/>
                 <a:cs typeface="Consolas" pitchFamily="49" charset="0"/>
               </a:rPr>
-              <a:t>loke</a:t>
-            </a:r>
-            <a:r>
-              <a:rPr lang="en-US" sz="2400" b="1" dirty="0" smtClean="0">
+              <a:t>NonNegInt</a:t>
+            </a:r>
+            <a:r>
+              <a:rPr lang="en-US" sz="2000" b="1" dirty="0">
                 <a:latin typeface="Consolas" pitchFamily="49" charset="0"/>
                 <a:cs typeface="Consolas" pitchFamily="49" charset="0"/>
               </a:rPr>
@@ -7588,24 +6572,75 @@
             </a:r>
           </a:p>
           <a:p>
-            <a:pPr>
-              <a:buNone/>
-            </a:pPr>
-            <a:r>
-              <a:rPr lang="en-US" sz="2400" b="1" dirty="0" smtClean="0">
+            <a:r>
+              <a:rPr lang="en-US" sz="2000" b="1" dirty="0">
                 <a:latin typeface="Consolas" pitchFamily="49" charset="0"/>
                 <a:cs typeface="Consolas" pitchFamily="49" charset="0"/>
               </a:rPr>
-              <a:t>;;   (</a:t>
-            </a:r>
-            <a:r>
-              <a:rPr lang="en-US" sz="2400" b="1" dirty="0" err="1" smtClean="0">
+              <a:t>;; Interpretation:</a:t>
+            </a:r>
+          </a:p>
+          <a:p>
+            <a:r>
+              <a:rPr lang="en-US" sz="2000" b="1" dirty="0">
                 <a:latin typeface="Consolas" pitchFamily="49" charset="0"/>
                 <a:cs typeface="Consolas" pitchFamily="49" charset="0"/>
               </a:rPr>
-              <a:t>cond</a:t>
-            </a:r>
-            <a:endParaRPr lang="en-US" sz="2400" b="1" dirty="0" smtClean="0">
+              <a:t>;; --</a:t>
+            </a:r>
+            <a:r>
+              <a:rPr lang="en-US" sz="2000" b="1" dirty="0" err="1">
+                <a:latin typeface="Consolas" pitchFamily="49" charset="0"/>
+                <a:cs typeface="Consolas" pitchFamily="49" charset="0"/>
+              </a:rPr>
+              <a:t>isbn</a:t>
+            </a:r>
+            <a:r>
+              <a:rPr lang="en-US" sz="2000" b="1" dirty="0">
+                <a:latin typeface="Consolas" pitchFamily="49" charset="0"/>
+                <a:cs typeface="Consolas" pitchFamily="49" charset="0"/>
+              </a:rPr>
+              <a:t> is the ISBN of the book</a:t>
+            </a:r>
+          </a:p>
+          <a:p>
+            <a:r>
+              <a:rPr lang="en-US" sz="2000" b="1" dirty="0">
+                <a:latin typeface="Consolas" pitchFamily="49" charset="0"/>
+                <a:cs typeface="Consolas" pitchFamily="49" charset="0"/>
+              </a:rPr>
+              <a:t>;; --author is the author’s name</a:t>
+            </a:r>
+          </a:p>
+          <a:p>
+            <a:r>
+              <a:rPr lang="en-US" sz="2000" b="1" dirty="0">
+                <a:latin typeface="Consolas" pitchFamily="49" charset="0"/>
+                <a:cs typeface="Consolas" pitchFamily="49" charset="0"/>
+              </a:rPr>
+              <a:t>;; --title is the title</a:t>
+            </a:r>
+          </a:p>
+          <a:p>
+            <a:r>
+              <a:rPr lang="en-US" sz="2000" b="1" dirty="0">
+                <a:latin typeface="Consolas" pitchFamily="49" charset="0"/>
+                <a:cs typeface="Consolas" pitchFamily="49" charset="0"/>
+              </a:rPr>
+              <a:t>;; --on-hand is the number of copies on hand</a:t>
+            </a:r>
+          </a:p>
+          <a:p>
+            <a:r>
+              <a:rPr lang="en-US" sz="2000" b="1" dirty="0">
+                <a:latin typeface="Consolas" pitchFamily="49" charset="0"/>
+                <a:cs typeface="Consolas" pitchFamily="49" charset="0"/>
+              </a:rPr>
+              <a:t>;; --price is the price in USD*100</a:t>
+            </a:r>
+          </a:p>
+          <a:p>
+            <a:endParaRPr lang="en-US" sz="2000" b="1" dirty="0">
               <a:latin typeface="Consolas" pitchFamily="49" charset="0"/>
               <a:cs typeface="Consolas" pitchFamily="49" charset="0"/>
             </a:endParaRPr>
@@ -7615,25 +6650,25 @@
               <a:buNone/>
             </a:pPr>
             <a:r>
-              <a:rPr lang="en-US" sz="2400" b="1" dirty="0" smtClean="0">
+              <a:rPr lang="en-US" sz="2000" b="1" dirty="0">
                 <a:latin typeface="Consolas" pitchFamily="49" charset="0"/>
                 <a:cs typeface="Consolas" pitchFamily="49" charset="0"/>
               </a:rPr>
-              <a:t>;;     [(empty? </a:t>
-            </a:r>
-            <a:r>
-              <a:rPr lang="en-US" sz="2400" b="1" dirty="0" err="1" smtClean="0">
+              <a:t>;; book-</a:t>
+            </a:r>
+            <a:r>
+              <a:rPr lang="en-US" sz="2000" b="1" dirty="0" err="1">
                 <a:latin typeface="Consolas" pitchFamily="49" charset="0"/>
                 <a:cs typeface="Consolas" pitchFamily="49" charset="0"/>
               </a:rPr>
-              <a:t>loke</a:t>
-            </a:r>
-            <a:r>
-              <a:rPr lang="en-US" sz="2400" b="1" dirty="0" smtClean="0">
+              <a:t>fn</a:t>
+            </a:r>
+            <a:r>
+              <a:rPr lang="en-US" sz="2000" b="1" dirty="0">
                 <a:latin typeface="Consolas" pitchFamily="49" charset="0"/>
                 <a:cs typeface="Consolas" pitchFamily="49" charset="0"/>
               </a:rPr>
-              <a:t>) ...]</a:t>
+              <a:t> : Book -&gt; ??</a:t>
             </a:r>
           </a:p>
           <a:p>
@@ -7641,54 +6676,51 @@
               <a:buNone/>
             </a:pPr>
             <a:r>
-              <a:rPr lang="en-US" sz="2400" b="1" dirty="0" smtClean="0">
+              <a:rPr lang="en-US" sz="2000" b="1" dirty="0">
                 <a:latin typeface="Consolas" pitchFamily="49" charset="0"/>
                 <a:cs typeface="Consolas" pitchFamily="49" charset="0"/>
               </a:rPr>
-              <a:t>;;     [else (...</a:t>
-            </a:r>
-          </a:p>
-          <a:p>
-            <a:pPr>
-              <a:buNone/>
-            </a:pPr>
-            <a:r>
-              <a:rPr lang="en-US" sz="2400" b="1" dirty="0" smtClean="0">
+              <a:t>;; (define (book-</a:t>
+            </a:r>
+            <a:r>
+              <a:rPr lang="en-US" sz="2000" b="1" dirty="0" err="1">
                 <a:latin typeface="Consolas" pitchFamily="49" charset="0"/>
                 <a:cs typeface="Consolas" pitchFamily="49" charset="0"/>
               </a:rPr>
-              <a:t>;;             (</a:t>
-            </a:r>
-            <a:r>
-              <a:rPr lang="en-US" sz="2400" b="1" dirty="0" err="1" smtClean="0">
-                <a:solidFill>
-                  <a:srgbClr val="00B050"/>
-                </a:solidFill>
+              <a:t>fn</a:t>
+            </a:r>
+            <a:r>
+              <a:rPr lang="en-US" sz="2000" b="1" dirty="0">
                 <a:latin typeface="Consolas" pitchFamily="49" charset="0"/>
                 <a:cs typeface="Consolas" pitchFamily="49" charset="0"/>
               </a:rPr>
-              <a:t>kev-fn</a:t>
-            </a:r>
-            <a:r>
-              <a:rPr lang="en-US" sz="2400" b="1" dirty="0" smtClean="0">
+              <a:t> b)</a:t>
+            </a:r>
+          </a:p>
+          <a:p>
+            <a:pPr>
+              <a:buNone/>
+            </a:pPr>
+            <a:r>
+              <a:rPr lang="en-US" sz="2000" b="1" dirty="0">
                 <a:latin typeface="Consolas" pitchFamily="49" charset="0"/>
                 <a:cs typeface="Consolas" pitchFamily="49" charset="0"/>
               </a:rPr>
-              <a:t> (first </a:t>
-            </a:r>
-            <a:r>
-              <a:rPr lang="en-US" sz="2400" b="1" dirty="0" err="1" smtClean="0">
+              <a:t>;;   (... (book-</a:t>
+            </a:r>
+            <a:r>
+              <a:rPr lang="en-US" sz="2000" b="1" dirty="0" err="1">
                 <a:latin typeface="Consolas" pitchFamily="49" charset="0"/>
                 <a:cs typeface="Consolas" pitchFamily="49" charset="0"/>
               </a:rPr>
-              <a:t>loke</a:t>
-            </a:r>
-            <a:r>
-              <a:rPr lang="en-US" sz="2400" b="1" dirty="0" smtClean="0">
+              <a:t>isbn</a:t>
+            </a:r>
+            <a:r>
+              <a:rPr lang="en-US" sz="2000" b="1" dirty="0">
                 <a:latin typeface="Consolas" pitchFamily="49" charset="0"/>
                 <a:cs typeface="Consolas" pitchFamily="49" charset="0"/>
               </a:rPr>
-              <a:t>))</a:t>
+              <a:t> b) (book-author b) </a:t>
             </a:r>
           </a:p>
           <a:p>
@@ -7696,44 +6728,27 @@
               <a:buNone/>
             </a:pPr>
             <a:r>
-              <a:rPr lang="en-US" sz="2400" b="1" dirty="0" smtClean="0">
+              <a:rPr lang="en-US" sz="2000" b="1" dirty="0">
                 <a:latin typeface="Consolas" pitchFamily="49" charset="0"/>
                 <a:cs typeface="Consolas" pitchFamily="49" charset="0"/>
               </a:rPr>
-              <a:t>;;             (</a:t>
-            </a:r>
-            <a:r>
-              <a:rPr lang="en-US" sz="2400" b="1" dirty="0" err="1" smtClean="0">
-                <a:solidFill>
-                  <a:srgbClr val="FF0000"/>
-                </a:solidFill>
+              <a:t>;;        (book-title b) (book-on-hand b) </a:t>
+            </a:r>
+          </a:p>
+          <a:p>
+            <a:pPr>
+              <a:buNone/>
+            </a:pPr>
+            <a:r>
+              <a:rPr lang="en-US" sz="2000" b="1" dirty="0">
                 <a:latin typeface="Consolas" pitchFamily="49" charset="0"/>
                 <a:cs typeface="Consolas" pitchFamily="49" charset="0"/>
               </a:rPr>
-              <a:t>loke-fn</a:t>
-            </a:r>
-            <a:r>
-              <a:rPr lang="en-US" sz="2400" b="1" dirty="0" smtClean="0">
-                <a:latin typeface="Consolas" pitchFamily="49" charset="0"/>
-                <a:cs typeface="Consolas" pitchFamily="49" charset="0"/>
-              </a:rPr>
-              <a:t> (rest </a:t>
-            </a:r>
-            <a:r>
-              <a:rPr lang="en-US" sz="2400" b="1" dirty="0" err="1" smtClean="0">
-                <a:latin typeface="Consolas" pitchFamily="49" charset="0"/>
-                <a:cs typeface="Consolas" pitchFamily="49" charset="0"/>
-              </a:rPr>
-              <a:t>loke</a:t>
-            </a:r>
-            <a:r>
-              <a:rPr lang="en-US" sz="2400" b="1" dirty="0" smtClean="0">
-                <a:latin typeface="Consolas" pitchFamily="49" charset="0"/>
-                <a:cs typeface="Consolas" pitchFamily="49" charset="0"/>
-              </a:rPr>
-              <a:t>)))]))</a:t>
-            </a:r>
-            <a:endParaRPr lang="en-US" sz="2400" b="1" dirty="0">
+              <a:t>;;        (book-price b)))</a:t>
+            </a:r>
+          </a:p>
+          <a:p>
+            <a:endParaRPr lang="en-US" sz="2000" b="1" dirty="0">
               <a:latin typeface="Consolas" pitchFamily="49" charset="0"/>
               <a:cs typeface="Consolas" pitchFamily="49" charset="0"/>
             </a:endParaRPr>
@@ -7742,38 +6757,14 @@
       </p:sp>
       <p:sp>
         <p:nvSpPr>
-          <p:cNvPr id="4" name="Slide Number Placeholder 3"/>
-          <p:cNvSpPr>
-            <a:spLocks noGrp="1"/>
-          </p:cNvSpPr>
-          <p:nvPr>
-            <p:ph type="sldNum" sz="quarter" idx="12"/>
-          </p:nvPr>
-        </p:nvSpPr>
-        <p:spPr/>
-        <p:txBody>
-          <a:bodyPr/>
-          <a:lstStyle/>
-          <a:p>
-            <a:fld id="{9F4492BD-6A9C-48FC-AC76-0B4FE11194A1}" type="slidenum">
-              <a:rPr lang="en-US" smtClean="0"/>
-              <a:pPr/>
-              <a:t>9</a:t>
-            </a:fld>
-            <a:endParaRPr lang="en-US"/>
-          </a:p>
-        </p:txBody>
-      </p:sp>
-      <p:sp>
-        <p:nvSpPr>
-          <p:cNvPr id="5" name="TextBox 4"/>
-          <p:cNvSpPr txBox="1"/>
+          <p:cNvPr id="5" name="Rectangle 4"/>
+          <p:cNvSpPr/>
           <p:nvPr/>
         </p:nvSpPr>
         <p:spPr>
           <a:xfrm>
-            <a:off x="5483352" y="2995164"/>
-            <a:ext cx="3657600" cy="1477328"/>
+            <a:off x="5600363" y="4191000"/>
+            <a:ext cx="3413760" cy="1752600"/>
           </a:xfrm>
           <a:prstGeom prst="rect">
             <a:avLst/>
@@ -7801,102 +6792,1242 @@
           </a:fontRef>
         </p:style>
         <p:txBody>
-          <a:bodyPr wrap="square" rtlCol="0">
-            <a:spAutoFit/>
+          <a:bodyPr rot="0" spcFirstLastPara="0" vertOverflow="overflow" horzOverflow="overflow" vert="horz" wrap="square" lIns="91440" tIns="45720" rIns="91440" bIns="45720" numCol="1" spcCol="0" rtlCol="0" fromWordArt="0" anchor="ctr" anchorCtr="0" forceAA="0" compatLnSpc="1">
+            <a:prstTxWarp prst="textNoShape">
+              <a:avLst/>
+            </a:prstTxWarp>
+            <a:noAutofit/>
           </a:bodyPr>
           <a:lstStyle/>
           <a:p>
-            <a:r>
-              <a:rPr lang="en-US" b="1" dirty="0" smtClean="0"/>
-              <a:t>(rest </a:t>
-            </a:r>
-            <a:r>
-              <a:rPr lang="en-US" b="1" dirty="0" err="1" smtClean="0"/>
-              <a:t>loke</a:t>
-            </a:r>
-            <a:r>
-              <a:rPr lang="en-US" b="1" dirty="0" smtClean="0"/>
-              <a:t>) </a:t>
-            </a:r>
-            <a:r>
-              <a:rPr lang="en-US" dirty="0" smtClean="0"/>
-              <a:t>is a LOKE, so we wrap it in a </a:t>
-            </a:r>
-            <a:r>
-              <a:rPr lang="en-US" dirty="0" err="1" smtClean="0"/>
-              <a:t>loke</a:t>
-            </a:r>
-            <a:r>
-              <a:rPr lang="en-US" dirty="0" smtClean="0"/>
-              <a:t>-fn.</a:t>
-            </a:r>
-          </a:p>
-          <a:p>
+            <a:pPr>
+              <a:defRPr/>
+            </a:pPr>
+            <a:r>
+              <a:rPr lang="en-US" dirty="0">
+                <a:solidFill>
+                  <a:schemeClr val="tx1"/>
+                </a:solidFill>
+              </a:rPr>
+              <a:t>Here is the data definition for a book in a bookstore, with structure definition, data definition, interpretation, and template.</a:t>
+            </a:r>
+          </a:p>
+        </p:txBody>
+      </p:sp>
+    </p:spTree>
+    <p:extLst>
+      <p:ext uri="{BB962C8B-B14F-4D97-AF65-F5344CB8AC3E}">
+        <p14:creationId xmlns:p14="http://schemas.microsoft.com/office/powerpoint/2010/main" val="1482377572"/>
+      </p:ext>
+    </p:extLst>
+  </p:cSld>
+  <p:clrMapOvr>
+    <a:masterClrMapping/>
+  </p:clrMapOvr>
+</p:sld>
+</file>
+
+<file path=ppt/slides/slide7.xml><?xml version="1.0" encoding="utf-8"?>
+<p:sld xmlns:a="http://schemas.openxmlformats.org/drawingml/2006/main" xmlns:r="http://schemas.openxmlformats.org/officeDocument/2006/relationships" xmlns:p="http://schemas.openxmlformats.org/presentationml/2006/main">
+  <p:cSld>
+    <p:spTree>
+      <p:nvGrpSpPr>
+        <p:cNvPr id="1" name=""/>
+        <p:cNvGrpSpPr/>
+        <p:nvPr/>
+      </p:nvGrpSpPr>
+      <p:grpSpPr>
+        <a:xfrm>
+          <a:off x="0" y="0"/>
+          <a:ext cx="0" cy="0"/>
+          <a:chOff x="0" y="0"/>
+          <a:chExt cx="0" cy="0"/>
+        </a:xfrm>
+      </p:grpSpPr>
+      <p:sp>
+        <p:nvSpPr>
+          <p:cNvPr id="2" name="Title 1"/>
+          <p:cNvSpPr>
+            <a:spLocks noGrp="1"/>
+          </p:cNvSpPr>
+          <p:nvPr>
+            <p:ph type="title"/>
+          </p:nvPr>
+        </p:nvSpPr>
+        <p:spPr/>
+        <p:txBody>
+          <a:bodyPr>
+            <a:normAutofit/>
+          </a:bodyPr>
+          <a:lstStyle/>
+          <a:p>
+            <a:r>
+              <a:rPr lang="en-US" dirty="0" err="1"/>
+              <a:t>BookstoreState</a:t>
+            </a:r>
             <a:endParaRPr lang="en-US" dirty="0"/>
           </a:p>
-          <a:p>
-            <a:r>
-              <a:rPr lang="en-US" dirty="0" smtClean="0"/>
-              <a:t>Similarly, </a:t>
-            </a:r>
-            <a:r>
-              <a:rPr lang="en-US" b="1" dirty="0" smtClean="0"/>
-              <a:t>(first </a:t>
-            </a:r>
-            <a:r>
-              <a:rPr lang="en-US" b="1" dirty="0" err="1" smtClean="0"/>
-              <a:t>loke</a:t>
-            </a:r>
-            <a:r>
-              <a:rPr lang="en-US" b="1" dirty="0" smtClean="0"/>
-              <a:t>) </a:t>
-            </a:r>
-            <a:r>
-              <a:rPr lang="en-US" dirty="0" smtClean="0"/>
-              <a:t>is a </a:t>
-            </a:r>
-            <a:r>
-              <a:rPr lang="en-US" dirty="0" err="1" smtClean="0"/>
-              <a:t>KeyEvent</a:t>
-            </a:r>
-            <a:r>
-              <a:rPr lang="en-US" dirty="0" smtClean="0"/>
-              <a:t>, so we wrap it in a </a:t>
-            </a:r>
-            <a:r>
-              <a:rPr lang="en-US" dirty="0" err="1" smtClean="0"/>
-              <a:t>kev</a:t>
-            </a:r>
-            <a:r>
-              <a:rPr lang="en-US" dirty="0" smtClean="0"/>
-              <a:t>-fn.</a:t>
-            </a:r>
+        </p:txBody>
+      </p:sp>
+      <p:sp>
+        <p:nvSpPr>
+          <p:cNvPr id="5" name="Content Placeholder 4"/>
+          <p:cNvSpPr>
+            <a:spLocks noGrp="1"/>
+          </p:cNvSpPr>
+          <p:nvPr>
+            <p:ph idx="1"/>
+          </p:nvPr>
+        </p:nvSpPr>
+        <p:spPr/>
+        <p:txBody>
+          <a:bodyPr>
+            <a:normAutofit fontScale="62500" lnSpcReduction="20000"/>
+          </a:bodyPr>
+          <a:lstStyle/>
+          <a:p>
+            <a:r>
+              <a:rPr lang="en-US" dirty="0"/>
+              <a:t>;; A </a:t>
+            </a:r>
+            <a:r>
+              <a:rPr lang="en-US" dirty="0" err="1"/>
+              <a:t>BookstoreState</a:t>
+            </a:r>
+            <a:r>
+              <a:rPr lang="en-US" dirty="0"/>
+              <a:t> is a </a:t>
+            </a:r>
+          </a:p>
+          <a:p>
+            <a:r>
+              <a:rPr lang="en-US" dirty="0"/>
+              <a:t>;; (make-bookstore-state Date Inventory)</a:t>
+            </a:r>
+          </a:p>
+          <a:p>
+            <a:r>
+              <a:rPr lang="en-US" dirty="0"/>
+              <a:t>(define-</a:t>
+            </a:r>
+            <a:r>
+              <a:rPr lang="en-US" dirty="0" err="1"/>
+              <a:t>struct</a:t>
+            </a:r>
+            <a:r>
+              <a:rPr lang="en-US" dirty="0"/>
+              <a:t> bookstore-state (date inventory))</a:t>
+            </a:r>
+          </a:p>
+          <a:p>
+            <a:r>
+              <a:rPr lang="en-US" dirty="0"/>
+              <a:t>;; A </a:t>
+            </a:r>
+            <a:r>
+              <a:rPr lang="en-US" dirty="0" err="1"/>
+              <a:t>BookstoreState</a:t>
+            </a:r>
+            <a:r>
+              <a:rPr lang="en-US" dirty="0"/>
+              <a:t> represents the state of a bookstore</a:t>
+            </a:r>
+          </a:p>
+          <a:p>
+            <a:r>
+              <a:rPr lang="en-US" dirty="0"/>
+              <a:t>;; on a given date.</a:t>
+            </a:r>
+          </a:p>
+          <a:p>
+            <a:r>
+              <a:rPr lang="en-US" dirty="0"/>
+              <a:t>;; -- date is the date being described</a:t>
+            </a:r>
+          </a:p>
+          <a:p>
+            <a:r>
+              <a:rPr lang="en-US" dirty="0"/>
+              <a:t>;; -- inventory is the inventory of books as of 9am on</a:t>
+            </a:r>
+          </a:p>
+          <a:p>
+            <a:r>
+              <a:rPr lang="en-US" dirty="0"/>
+              <a:t>;;    the given date.</a:t>
+            </a:r>
+          </a:p>
+          <a:p>
             <a:endParaRPr lang="en-US" dirty="0"/>
           </a:p>
-        </p:txBody>
-      </p:sp>
-      <p:sp>
-        <p:nvSpPr>
-          <p:cNvPr id="6" name="Freeform 5"/>
+          <a:p>
+            <a:r>
+              <a:rPr lang="en-US" dirty="0"/>
+              <a:t>;; A Date is a ...</a:t>
+            </a:r>
+          </a:p>
+          <a:p>
+            <a:endParaRPr lang="en-US" dirty="0"/>
+          </a:p>
+          <a:p>
+            <a:r>
+              <a:rPr lang="en-US" dirty="0"/>
+              <a:t>;; An Inventory is a </a:t>
+            </a:r>
+            <a:r>
+              <a:rPr lang="en-US" dirty="0" err="1"/>
+              <a:t>ListOfBook</a:t>
+            </a:r>
+            <a:r>
+              <a:rPr lang="en-US" dirty="0"/>
+              <a:t>, in </a:t>
+            </a:r>
+            <a:r>
+              <a:rPr lang="en-US" dirty="0">
+                <a:solidFill>
+                  <a:srgbClr val="FF0000"/>
+                </a:solidFill>
+              </a:rPr>
+              <a:t>ISBN order</a:t>
+            </a:r>
+          </a:p>
+          <a:p>
+            <a:endParaRPr lang="en-US" dirty="0"/>
+          </a:p>
+          <a:p>
+            <a:endParaRPr lang="en-US" dirty="0"/>
+          </a:p>
+        </p:txBody>
+      </p:sp>
+      <p:sp>
+        <p:nvSpPr>
+          <p:cNvPr id="4" name="Slide Number Placeholder 3"/>
+          <p:cNvSpPr>
+            <a:spLocks noGrp="1"/>
+          </p:cNvSpPr>
+          <p:nvPr>
+            <p:ph type="sldNum" sz="quarter" idx="12"/>
+          </p:nvPr>
+        </p:nvSpPr>
+        <p:spPr/>
+        <p:txBody>
+          <a:bodyPr/>
+          <a:lstStyle/>
+          <a:p>
+            <a:fld id="{2AF3B5EA-18B6-4040-9F78-6052AF49C681}" type="slidenum">
+              <a:rPr lang="en-US" smtClean="0"/>
+              <a:t>7</a:t>
+            </a:fld>
+            <a:endParaRPr lang="en-US"/>
+          </a:p>
+        </p:txBody>
+      </p:sp>
+      <p:sp>
+        <p:nvSpPr>
+          <p:cNvPr id="8" name="Rectangle 7"/>
           <p:cNvSpPr/>
           <p:nvPr/>
         </p:nvSpPr>
         <p:spPr>
           <a:xfrm>
-            <a:off x="4249882" y="4457700"/>
-            <a:ext cx="2608118" cy="789709"/>
+            <a:off x="457200" y="5319165"/>
+            <a:ext cx="4724400" cy="1387475"/>
+          </a:xfrm>
+          <a:prstGeom prst="rect">
+            <a:avLst/>
+          </a:prstGeom>
+          <a:solidFill>
+            <a:schemeClr val="accent3">
+              <a:lumMod val="40000"/>
+              <a:lumOff val="60000"/>
+            </a:schemeClr>
+          </a:solidFill>
+          <a:ln/>
+        </p:spPr>
+        <p:style>
+          <a:lnRef idx="2">
+            <a:schemeClr val="accent1"/>
+          </a:lnRef>
+          <a:fillRef idx="1">
+            <a:schemeClr val="lt1"/>
+          </a:fillRef>
+          <a:effectRef idx="0">
+            <a:schemeClr val="accent1"/>
+          </a:effectRef>
+          <a:fontRef idx="minor">
+            <a:schemeClr val="dk1"/>
+          </a:fontRef>
+        </p:style>
+        <p:txBody>
+          <a:bodyPr rot="0" spcFirstLastPara="0" vertOverflow="overflow" horzOverflow="overflow" vert="horz" wrap="square" lIns="91440" tIns="45720" rIns="91440" bIns="45720" numCol="1" spcCol="0" rtlCol="0" fromWordArt="0" anchor="ctr" anchorCtr="0" forceAA="0" compatLnSpc="1">
+            <a:prstTxWarp prst="textNoShape">
+              <a:avLst/>
+            </a:prstTxWarp>
+            <a:noAutofit/>
+          </a:bodyPr>
+          <a:lstStyle/>
+          <a:p>
+            <a:pPr algn="ctr"/>
+            <a:r>
+              <a:rPr lang="en-US" dirty="0">
+                <a:solidFill>
+                  <a:schemeClr val="tx1"/>
+                </a:solidFill>
+              </a:rPr>
+              <a:t>Here's where we specify the order of the books.  It is the </a:t>
+            </a:r>
+            <a:r>
+              <a:rPr lang="en-US" i="1" dirty="0">
+                <a:solidFill>
+                  <a:schemeClr val="tx1"/>
+                </a:solidFill>
+              </a:rPr>
+              <a:t>user</a:t>
+            </a:r>
+            <a:r>
+              <a:rPr lang="en-US" dirty="0">
+                <a:solidFill>
+                  <a:schemeClr val="tx1"/>
+                </a:solidFill>
+              </a:rPr>
+              <a:t> of the list who gets to specify the order in which the items appear.  Other functions that use </a:t>
+            </a:r>
+            <a:r>
+              <a:rPr lang="en-US" dirty="0" err="1">
+                <a:solidFill>
+                  <a:schemeClr val="tx1"/>
+                </a:solidFill>
+              </a:rPr>
+              <a:t>ListOfBook</a:t>
+            </a:r>
+            <a:r>
+              <a:rPr lang="en-US" dirty="0">
+                <a:solidFill>
+                  <a:schemeClr val="tx1"/>
+                </a:solidFill>
+              </a:rPr>
+              <a:t> might expect the books in some other order. </a:t>
+            </a:r>
+          </a:p>
+        </p:txBody>
+      </p:sp>
+      <p:sp>
+        <p:nvSpPr>
+          <p:cNvPr id="9" name="Freeform 8"/>
+          <p:cNvSpPr/>
+          <p:nvPr/>
+        </p:nvSpPr>
+        <p:spPr>
+          <a:xfrm>
+            <a:off x="5186995" y="5284099"/>
+            <a:ext cx="1061405" cy="735701"/>
           </a:xfrm>
           <a:custGeom>
             <a:avLst/>
             <a:gdLst>
-              <a:gd name="connsiteX0" fmla="*/ 2608118 w 2608118"/>
-              <a:gd name="connsiteY0" fmla="*/ 0 h 789709"/>
-              <a:gd name="connsiteX1" fmla="*/ 2337954 w 2608118"/>
-              <a:gd name="connsiteY1" fmla="*/ 633845 h 789709"/>
-              <a:gd name="connsiteX2" fmla="*/ 1174173 w 2608118"/>
-              <a:gd name="connsiteY2" fmla="*/ 311727 h 789709"/>
-              <a:gd name="connsiteX3" fmla="*/ 0 w 2608118"/>
-              <a:gd name="connsiteY3" fmla="*/ 789709 h 789709"/>
+              <a:gd name="connsiteX0" fmla="*/ 0 w 1303343"/>
+              <a:gd name="connsiteY0" fmla="*/ 744467 h 803860"/>
+              <a:gd name="connsiteX1" fmla="*/ 1181437 w 1303343"/>
+              <a:gd name="connsiteY1" fmla="*/ 728283 h 803860"/>
+              <a:gd name="connsiteX2" fmla="*/ 1205713 w 1303343"/>
+              <a:gd name="connsiteY2" fmla="*/ 0 h 803860"/>
+            </a:gdLst>
+            <a:ahLst/>
+            <a:cxnLst>
+              <a:cxn ang="0">
+                <a:pos x="connsiteX0" y="connsiteY0"/>
+              </a:cxn>
+              <a:cxn ang="0">
+                <a:pos x="connsiteX1" y="connsiteY1"/>
+              </a:cxn>
+              <a:cxn ang="0">
+                <a:pos x="connsiteX2" y="connsiteY2"/>
+              </a:cxn>
+            </a:cxnLst>
+            <a:rect l="l" t="t" r="r" b="b"/>
+            <a:pathLst>
+              <a:path w="1303343" h="803860">
+                <a:moveTo>
+                  <a:pt x="0" y="744467"/>
+                </a:moveTo>
+                <a:cubicBezTo>
+                  <a:pt x="490242" y="798414"/>
+                  <a:pt x="980485" y="852361"/>
+                  <a:pt x="1181437" y="728283"/>
+                </a:cubicBezTo>
+                <a:cubicBezTo>
+                  <a:pt x="1382389" y="604205"/>
+                  <a:pt x="1294051" y="302102"/>
+                  <a:pt x="1205713" y="0"/>
+                </a:cubicBezTo>
+              </a:path>
+            </a:pathLst>
+          </a:custGeom>
+          <a:noFill/>
+          <a:ln>
+            <a:solidFill>
+              <a:schemeClr val="tx1"/>
+            </a:solidFill>
+            <a:headEnd type="none" w="med" len="med"/>
+            <a:tailEnd type="stealth" w="lg" len="lg"/>
+          </a:ln>
+        </p:spPr>
+        <p:style>
+          <a:lnRef idx="2">
+            <a:schemeClr val="accent1"/>
+          </a:lnRef>
+          <a:fillRef idx="1">
+            <a:schemeClr val="lt1"/>
+          </a:fillRef>
+          <a:effectRef idx="0">
+            <a:schemeClr val="accent1"/>
+          </a:effectRef>
+          <a:fontRef idx="minor">
+            <a:schemeClr val="dk1"/>
+          </a:fontRef>
+        </p:style>
+        <p:txBody>
+          <a:bodyPr rtlCol="0" anchor="ctr"/>
+          <a:lstStyle/>
+          <a:p>
+            <a:pPr algn="ctr"/>
+            <a:endParaRPr lang="en-US"/>
+          </a:p>
+        </p:txBody>
+      </p:sp>
+      <p:sp>
+        <p:nvSpPr>
+          <p:cNvPr id="10" name="Rectangle 9"/>
+          <p:cNvSpPr/>
+          <p:nvPr/>
+        </p:nvSpPr>
+        <p:spPr>
+          <a:xfrm>
+            <a:off x="6553200" y="5334000"/>
+            <a:ext cx="2438400" cy="685800"/>
+          </a:xfrm>
+          <a:prstGeom prst="rect">
+            <a:avLst/>
+          </a:prstGeom>
+          <a:solidFill>
+            <a:schemeClr val="accent6">
+              <a:lumMod val="20000"/>
+              <a:lumOff val="80000"/>
+            </a:schemeClr>
+          </a:solidFill>
+          <a:ln/>
+        </p:spPr>
+        <p:style>
+          <a:lnRef idx="2">
+            <a:schemeClr val="accent1"/>
+          </a:lnRef>
+          <a:fillRef idx="1">
+            <a:schemeClr val="lt1"/>
+          </a:fillRef>
+          <a:effectRef idx="0">
+            <a:schemeClr val="accent1"/>
+          </a:effectRef>
+          <a:fontRef idx="minor">
+            <a:schemeClr val="dk1"/>
+          </a:fontRef>
+        </p:style>
+        <p:txBody>
+          <a:bodyPr rot="0" spcFirstLastPara="0" vertOverflow="overflow" horzOverflow="overflow" vert="horz" wrap="square" lIns="91440" tIns="45720" rIns="91440" bIns="45720" numCol="1" spcCol="0" rtlCol="0" fromWordArt="0" anchor="ctr" anchorCtr="0" forceAA="0" compatLnSpc="1">
+            <a:prstTxWarp prst="textNoShape">
+              <a:avLst/>
+            </a:prstTxWarp>
+            <a:noAutofit/>
+          </a:bodyPr>
+          <a:lstStyle/>
+          <a:p>
+            <a:pPr algn="ctr"/>
+            <a:r>
+              <a:rPr lang="en-US" dirty="0">
+                <a:solidFill>
+                  <a:schemeClr val="tx1"/>
+                </a:solidFill>
+              </a:rPr>
+              <a:t>If you don't know what an ISBN is, go look it up.</a:t>
+            </a:r>
+          </a:p>
+        </p:txBody>
+      </p:sp>
+    </p:spTree>
+    <p:extLst>
+      <p:ext uri="{BB962C8B-B14F-4D97-AF65-F5344CB8AC3E}">
+        <p14:creationId xmlns:p14="http://schemas.microsoft.com/office/powerpoint/2010/main" val="274023881"/>
+      </p:ext>
+    </p:extLst>
+  </p:cSld>
+  <p:clrMapOvr>
+    <a:masterClrMapping/>
+  </p:clrMapOvr>
+</p:sld>
+</file>
+
+<file path=ppt/slides/slide8.xml><?xml version="1.0" encoding="utf-8"?>
+<p:sld xmlns:a="http://schemas.openxmlformats.org/drawingml/2006/main" xmlns:r="http://schemas.openxmlformats.org/officeDocument/2006/relationships" xmlns:p="http://schemas.openxmlformats.org/presentationml/2006/main">
+  <p:cSld>
+    <p:spTree>
+      <p:nvGrpSpPr>
+        <p:cNvPr id="1" name=""/>
+        <p:cNvGrpSpPr/>
+        <p:nvPr/>
+      </p:nvGrpSpPr>
+      <p:grpSpPr>
+        <a:xfrm>
+          <a:off x="0" y="0"/>
+          <a:ext cx="0" cy="0"/>
+          <a:chOff x="0" y="0"/>
+          <a:chExt cx="0" cy="0"/>
+        </a:xfrm>
+      </p:grpSpPr>
+      <p:sp>
+        <p:nvSpPr>
+          <p:cNvPr id="2" name="Title 1"/>
+          <p:cNvSpPr>
+            <a:spLocks noGrp="1"/>
+          </p:cNvSpPr>
+          <p:nvPr>
+            <p:ph type="title"/>
+          </p:nvPr>
+        </p:nvSpPr>
+        <p:spPr/>
+        <p:txBody>
+          <a:bodyPr/>
+          <a:lstStyle/>
+          <a:p>
+            <a:r>
+              <a:rPr lang="en-US" dirty="0" err="1"/>
+              <a:t>ListOfBook</a:t>
+            </a:r>
+            <a:endParaRPr lang="en-US" dirty="0"/>
+          </a:p>
+        </p:txBody>
+      </p:sp>
+      <p:sp>
+        <p:nvSpPr>
+          <p:cNvPr id="3" name="Content Placeholder 2"/>
+          <p:cNvSpPr>
+            <a:spLocks noGrp="1"/>
+          </p:cNvSpPr>
+          <p:nvPr>
+            <p:ph idx="1"/>
+          </p:nvPr>
+        </p:nvSpPr>
+        <p:spPr/>
+        <p:txBody>
+          <a:bodyPr/>
+          <a:lstStyle/>
+          <a:p>
+            <a:r>
+              <a:rPr lang="en-US" dirty="0"/>
+              <a:t>;; A </a:t>
+            </a:r>
+            <a:r>
+              <a:rPr lang="en-US" dirty="0" err="1"/>
+              <a:t>ListOfBook</a:t>
+            </a:r>
+            <a:r>
+              <a:rPr lang="en-US" dirty="0"/>
+              <a:t> one of</a:t>
+            </a:r>
+          </a:p>
+          <a:p>
+            <a:r>
+              <a:rPr lang="en-US" dirty="0"/>
+              <a:t>;; -- empty</a:t>
+            </a:r>
+          </a:p>
+          <a:p>
+            <a:r>
+              <a:rPr lang="en-US" dirty="0"/>
+              <a:t>;; -- (cons Book </a:t>
+            </a:r>
+            <a:r>
+              <a:rPr lang="en-US" dirty="0" err="1"/>
+              <a:t>ListOfBook</a:t>
+            </a:r>
+            <a:r>
+              <a:rPr lang="en-US" dirty="0"/>
+              <a:t>)</a:t>
+            </a:r>
+          </a:p>
+          <a:p>
+            <a:endParaRPr lang="en-US" dirty="0"/>
+          </a:p>
+        </p:txBody>
+      </p:sp>
+      <p:sp>
+        <p:nvSpPr>
+          <p:cNvPr id="4" name="Slide Number Placeholder 3"/>
+          <p:cNvSpPr>
+            <a:spLocks noGrp="1"/>
+          </p:cNvSpPr>
+          <p:nvPr>
+            <p:ph type="sldNum" sz="quarter" idx="12"/>
+          </p:nvPr>
+        </p:nvSpPr>
+        <p:spPr/>
+        <p:txBody>
+          <a:bodyPr/>
+          <a:lstStyle/>
+          <a:p>
+            <a:fld id="{2AF3B5EA-18B6-4040-9F78-6052AF49C681}" type="slidenum">
+              <a:rPr lang="en-US" smtClean="0"/>
+              <a:t>8</a:t>
+            </a:fld>
+            <a:endParaRPr lang="en-US"/>
+          </a:p>
+        </p:txBody>
+      </p:sp>
+      <p:sp>
+        <p:nvSpPr>
+          <p:cNvPr id="5" name="Rectangle 4"/>
+          <p:cNvSpPr/>
+          <p:nvPr/>
+        </p:nvSpPr>
+        <p:spPr>
+          <a:xfrm>
+            <a:off x="687149" y="4134847"/>
+            <a:ext cx="3810000" cy="2586627"/>
+          </a:xfrm>
+          <a:prstGeom prst="rect">
+            <a:avLst/>
+          </a:prstGeom>
+          <a:solidFill>
+            <a:schemeClr val="accent3">
+              <a:lumMod val="40000"/>
+              <a:lumOff val="60000"/>
+            </a:schemeClr>
+          </a:solidFill>
+          <a:ln/>
+        </p:spPr>
+        <p:style>
+          <a:lnRef idx="2">
+            <a:schemeClr val="accent1"/>
+          </a:lnRef>
+          <a:fillRef idx="1">
+            <a:schemeClr val="lt1"/>
+          </a:fillRef>
+          <a:effectRef idx="0">
+            <a:schemeClr val="accent1"/>
+          </a:effectRef>
+          <a:fontRef idx="minor">
+            <a:schemeClr val="dk1"/>
+          </a:fontRef>
+        </p:style>
+        <p:txBody>
+          <a:bodyPr rot="0" spcFirstLastPara="0" vertOverflow="overflow" horzOverflow="overflow" vert="horz" wrap="square" lIns="91440" tIns="45720" rIns="91440" bIns="45720" numCol="1" spcCol="0" rtlCol="0" fromWordArt="0" anchor="t" anchorCtr="0" forceAA="0" compatLnSpc="1">
+            <a:prstTxWarp prst="textNoShape">
+              <a:avLst/>
+            </a:prstTxWarp>
+            <a:noAutofit/>
+          </a:bodyPr>
+          <a:lstStyle/>
+          <a:p>
+            <a:r>
+              <a:rPr lang="en-US" dirty="0">
+                <a:solidFill>
+                  <a:schemeClr val="tx1"/>
+                </a:solidFill>
+              </a:rPr>
+              <a:t>Notice that the data definition doesn't say WHICH list of books this is.  It could be all the books in the bookstore, just the paperbacks, the ones that have been ordered in the last 30 days, etc. etc.  In a </a:t>
+            </a:r>
+            <a:r>
+              <a:rPr lang="en-US" dirty="0" err="1">
+                <a:solidFill>
+                  <a:schemeClr val="tx1"/>
+                </a:solidFill>
+              </a:rPr>
+              <a:t>BookstoreState</a:t>
+            </a:r>
+            <a:r>
+              <a:rPr lang="en-US" dirty="0">
+                <a:solidFill>
+                  <a:schemeClr val="tx1"/>
+                </a:solidFill>
+              </a:rPr>
+              <a:t>, it is the list of all the books in stock as of 9am on the given state.</a:t>
+            </a:r>
+          </a:p>
+        </p:txBody>
+      </p:sp>
+      <p:sp>
+        <p:nvSpPr>
+          <p:cNvPr id="6" name="Rectangle 5"/>
+          <p:cNvSpPr/>
+          <p:nvPr/>
+        </p:nvSpPr>
+        <p:spPr>
+          <a:xfrm>
+            <a:off x="7010400" y="1524000"/>
+            <a:ext cx="1828800" cy="2789238"/>
+          </a:xfrm>
+          <a:prstGeom prst="rect">
+            <a:avLst/>
+          </a:prstGeom>
+          <a:solidFill>
+            <a:schemeClr val="accent3">
+              <a:lumMod val="40000"/>
+              <a:lumOff val="60000"/>
+            </a:schemeClr>
+          </a:solidFill>
+          <a:ln/>
+        </p:spPr>
+        <p:style>
+          <a:lnRef idx="2">
+            <a:schemeClr val="accent1"/>
+          </a:lnRef>
+          <a:fillRef idx="1">
+            <a:schemeClr val="lt1"/>
+          </a:fillRef>
+          <a:effectRef idx="0">
+            <a:schemeClr val="accent1"/>
+          </a:effectRef>
+          <a:fontRef idx="minor">
+            <a:schemeClr val="dk1"/>
+          </a:fontRef>
+        </p:style>
+        <p:txBody>
+          <a:bodyPr rot="0" spcFirstLastPara="0" vertOverflow="overflow" horzOverflow="overflow" vert="horz" wrap="square" lIns="91440" tIns="45720" rIns="91440" bIns="45720" numCol="1" spcCol="0" rtlCol="0" fromWordArt="0" anchor="ctr" anchorCtr="0" forceAA="0" compatLnSpc="1">
+            <a:prstTxWarp prst="textNoShape">
+              <a:avLst/>
+            </a:prstTxWarp>
+            <a:noAutofit/>
+          </a:bodyPr>
+          <a:lstStyle/>
+          <a:p>
+            <a:pPr algn="ctr"/>
+            <a:r>
+              <a:rPr lang="en-US" dirty="0">
+                <a:solidFill>
+                  <a:schemeClr val="tx1"/>
+                </a:solidFill>
+              </a:rPr>
+              <a:t>Don't need a separate interpretation for </a:t>
+            </a:r>
+            <a:r>
+              <a:rPr lang="en-US" dirty="0" err="1">
+                <a:solidFill>
+                  <a:schemeClr val="tx1"/>
+                </a:solidFill>
+              </a:rPr>
+              <a:t>ListOfBook</a:t>
+            </a:r>
+            <a:r>
+              <a:rPr lang="en-US" dirty="0">
+                <a:solidFill>
+                  <a:schemeClr val="tx1"/>
+                </a:solidFill>
+              </a:rPr>
+              <a:t>– a </a:t>
+            </a:r>
+            <a:r>
+              <a:rPr lang="en-US" dirty="0" err="1">
+                <a:solidFill>
+                  <a:schemeClr val="tx1"/>
+                </a:solidFill>
+              </a:rPr>
+              <a:t>ListOfBook</a:t>
+            </a:r>
+            <a:r>
+              <a:rPr lang="en-US" dirty="0">
+                <a:solidFill>
+                  <a:schemeClr val="tx1"/>
+                </a:solidFill>
+              </a:rPr>
+              <a:t> always represents a sequence of books in the standard way.</a:t>
+            </a:r>
+          </a:p>
+        </p:txBody>
+      </p:sp>
+      <p:sp>
+        <p:nvSpPr>
+          <p:cNvPr id="7" name="Rectangle 6"/>
+          <p:cNvSpPr/>
+          <p:nvPr/>
+        </p:nvSpPr>
+        <p:spPr>
+          <a:xfrm>
+            <a:off x="4727098" y="4577759"/>
+            <a:ext cx="3505200" cy="2133600"/>
+          </a:xfrm>
+          <a:prstGeom prst="rect">
+            <a:avLst/>
+          </a:prstGeom>
+          <a:solidFill>
+            <a:schemeClr val="accent3">
+              <a:lumMod val="40000"/>
+              <a:lumOff val="60000"/>
+            </a:schemeClr>
+          </a:solidFill>
+          <a:ln/>
+        </p:spPr>
+        <p:style>
+          <a:lnRef idx="2">
+            <a:schemeClr val="accent1"/>
+          </a:lnRef>
+          <a:fillRef idx="1">
+            <a:schemeClr val="lt1"/>
+          </a:fillRef>
+          <a:effectRef idx="0">
+            <a:schemeClr val="accent1"/>
+          </a:effectRef>
+          <a:fontRef idx="minor">
+            <a:schemeClr val="dk1"/>
+          </a:fontRef>
+        </p:style>
+        <p:txBody>
+          <a:bodyPr rot="0" spcFirstLastPara="0" vertOverflow="overflow" horzOverflow="overflow" vert="horz" wrap="square" lIns="91440" tIns="45720" rIns="91440" bIns="45720" numCol="1" spcCol="0" rtlCol="0" fromWordArt="0" anchor="ctr" anchorCtr="0" forceAA="0" compatLnSpc="1">
+            <a:prstTxWarp prst="textNoShape">
+              <a:avLst/>
+            </a:prstTxWarp>
+            <a:noAutofit/>
+          </a:bodyPr>
+          <a:lstStyle/>
+          <a:p>
+            <a:pPr algn="ctr"/>
+            <a:r>
+              <a:rPr lang="en-US" dirty="0">
+                <a:solidFill>
+                  <a:schemeClr val="tx1"/>
+                </a:solidFill>
+              </a:rPr>
+              <a:t>Also, the data definition doesn't say in which order the books appear in the list.   A user of </a:t>
+            </a:r>
+            <a:r>
+              <a:rPr lang="en-US" dirty="0" err="1">
+                <a:solidFill>
+                  <a:schemeClr val="tx1"/>
+                </a:solidFill>
+              </a:rPr>
+              <a:t>ListOfBook</a:t>
+            </a:r>
+            <a:r>
+              <a:rPr lang="en-US" dirty="0">
+                <a:solidFill>
+                  <a:schemeClr val="tx1"/>
+                </a:solidFill>
+              </a:rPr>
+              <a:t> gets to specify the order in which the books appear.  In our example, </a:t>
+            </a:r>
+            <a:r>
+              <a:rPr lang="en-US" dirty="0" err="1">
+                <a:solidFill>
+                  <a:schemeClr val="tx1"/>
+                </a:solidFill>
+              </a:rPr>
+              <a:t>BookstoreState</a:t>
+            </a:r>
+            <a:r>
+              <a:rPr lang="en-US" dirty="0">
+                <a:solidFill>
+                  <a:schemeClr val="tx1"/>
+                </a:solidFill>
+              </a:rPr>
+              <a:t> expects the books to appear in ISBN order.</a:t>
+            </a:r>
+          </a:p>
+        </p:txBody>
+      </p:sp>
+    </p:spTree>
+    <p:extLst>
+      <p:ext uri="{BB962C8B-B14F-4D97-AF65-F5344CB8AC3E}">
+        <p14:creationId xmlns:p14="http://schemas.microsoft.com/office/powerpoint/2010/main" val="2223343901"/>
+      </p:ext>
+    </p:extLst>
+  </p:cSld>
+  <p:clrMapOvr>
+    <a:masterClrMapping/>
+  </p:clrMapOvr>
+</p:sld>
+</file>
+
+<file path=ppt/slides/slide9.xml><?xml version="1.0" encoding="utf-8"?>
+<p:sld xmlns:a="http://schemas.openxmlformats.org/drawingml/2006/main" xmlns:r="http://schemas.openxmlformats.org/officeDocument/2006/relationships" xmlns:p="http://schemas.openxmlformats.org/presentationml/2006/main">
+  <p:cSld>
+    <p:spTree>
+      <p:nvGrpSpPr>
+        <p:cNvPr id="1" name=""/>
+        <p:cNvGrpSpPr/>
+        <p:nvPr/>
+      </p:nvGrpSpPr>
+      <p:grpSpPr>
+        <a:xfrm>
+          <a:off x="0" y="0"/>
+          <a:ext cx="0" cy="0"/>
+          <a:chOff x="0" y="0"/>
+          <a:chExt cx="0" cy="0"/>
+        </a:xfrm>
+      </p:grpSpPr>
+      <p:sp>
+        <p:nvSpPr>
+          <p:cNvPr id="2" name="Title 1"/>
+          <p:cNvSpPr>
+            <a:spLocks noGrp="1"/>
+          </p:cNvSpPr>
+          <p:nvPr>
+            <p:ph type="title"/>
+          </p:nvPr>
+        </p:nvSpPr>
+        <p:spPr/>
+        <p:txBody>
+          <a:bodyPr/>
+          <a:lstStyle/>
+          <a:p>
+            <a:r>
+              <a:rPr lang="en-US" dirty="0"/>
+              <a:t>Template for </a:t>
+            </a:r>
+            <a:r>
+              <a:rPr lang="en-US" dirty="0" err="1"/>
+              <a:t>ListofBooks</a:t>
+            </a:r>
+            <a:endParaRPr lang="en-US" dirty="0"/>
+          </a:p>
+        </p:txBody>
+      </p:sp>
+      <p:sp>
+        <p:nvSpPr>
+          <p:cNvPr id="3" name="Content Placeholder 2"/>
+          <p:cNvSpPr>
+            <a:spLocks noGrp="1"/>
+          </p:cNvSpPr>
+          <p:nvPr>
+            <p:ph idx="1"/>
+          </p:nvPr>
+        </p:nvSpPr>
+        <p:spPr/>
+        <p:txBody>
+          <a:bodyPr>
+            <a:normAutofit lnSpcReduction="10000"/>
+          </a:bodyPr>
+          <a:lstStyle/>
+          <a:p>
+            <a:pPr>
+              <a:buNone/>
+            </a:pPr>
+            <a:r>
+              <a:rPr lang="en-US" sz="2400" b="1" dirty="0">
+                <a:latin typeface="Consolas" pitchFamily="49" charset="0"/>
+                <a:cs typeface="Consolas" pitchFamily="49" charset="0"/>
+              </a:rPr>
+              <a:t>;; A </a:t>
+            </a:r>
+            <a:r>
+              <a:rPr lang="en-US" sz="2400" b="1" dirty="0" err="1">
+                <a:latin typeface="Consolas" pitchFamily="49" charset="0"/>
+                <a:cs typeface="Consolas" pitchFamily="49" charset="0"/>
+              </a:rPr>
+              <a:t>ListOfBooks</a:t>
+            </a:r>
+            <a:r>
+              <a:rPr lang="en-US" sz="2400" b="1" dirty="0">
+                <a:latin typeface="Consolas" pitchFamily="49" charset="0"/>
+                <a:cs typeface="Consolas" pitchFamily="49" charset="0"/>
+              </a:rPr>
+              <a:t> (LOB) is either</a:t>
+            </a:r>
+          </a:p>
+          <a:p>
+            <a:pPr>
+              <a:buNone/>
+            </a:pPr>
+            <a:r>
+              <a:rPr lang="en-US" sz="2400" b="1" dirty="0">
+                <a:latin typeface="Consolas" pitchFamily="49" charset="0"/>
+                <a:cs typeface="Consolas" pitchFamily="49" charset="0"/>
+              </a:rPr>
+              <a:t>;; -- empty</a:t>
+            </a:r>
+          </a:p>
+          <a:p>
+            <a:pPr>
+              <a:buNone/>
+            </a:pPr>
+            <a:r>
+              <a:rPr lang="en-US" sz="2400" b="1" dirty="0">
+                <a:latin typeface="Consolas" pitchFamily="49" charset="0"/>
+                <a:cs typeface="Consolas" pitchFamily="49" charset="0"/>
+              </a:rPr>
+              <a:t>;; -- (cons Book LOB)</a:t>
+            </a:r>
+          </a:p>
+          <a:p>
+            <a:pPr>
+              <a:buNone/>
+            </a:pPr>
+            <a:endParaRPr lang="en-US" sz="2400" b="1" dirty="0">
+              <a:latin typeface="Consolas" pitchFamily="49" charset="0"/>
+              <a:cs typeface="Consolas" pitchFamily="49" charset="0"/>
+            </a:endParaRPr>
+          </a:p>
+          <a:p>
+            <a:pPr>
+              <a:buNone/>
+            </a:pPr>
+            <a:r>
+              <a:rPr lang="en-US" sz="2400" b="1" dirty="0">
+                <a:latin typeface="Consolas" pitchFamily="49" charset="0"/>
+                <a:cs typeface="Consolas" pitchFamily="49" charset="0"/>
+              </a:rPr>
+              <a:t>;; lob-fn : LOB -&gt; ??</a:t>
+            </a:r>
+          </a:p>
+          <a:p>
+            <a:pPr>
+              <a:buNone/>
+            </a:pPr>
+            <a:r>
+              <a:rPr lang="en-US" sz="2400" b="1" dirty="0">
+                <a:latin typeface="Consolas" pitchFamily="49" charset="0"/>
+                <a:cs typeface="Consolas" pitchFamily="49" charset="0"/>
+              </a:rPr>
+              <a:t>;; (define (lob-fn lob)</a:t>
+            </a:r>
+          </a:p>
+          <a:p>
+            <a:pPr>
+              <a:buNone/>
+            </a:pPr>
+            <a:r>
+              <a:rPr lang="en-US" sz="2400" b="1" dirty="0">
+                <a:latin typeface="Consolas" pitchFamily="49" charset="0"/>
+                <a:cs typeface="Consolas" pitchFamily="49" charset="0"/>
+              </a:rPr>
+              <a:t>;;   (</a:t>
+            </a:r>
+            <a:r>
+              <a:rPr lang="en-US" sz="2400" b="1" dirty="0" err="1">
+                <a:latin typeface="Consolas" pitchFamily="49" charset="0"/>
+                <a:cs typeface="Consolas" pitchFamily="49" charset="0"/>
+              </a:rPr>
+              <a:t>cond</a:t>
+            </a:r>
+            <a:endParaRPr lang="en-US" sz="2400" b="1" dirty="0">
+              <a:latin typeface="Consolas" pitchFamily="49" charset="0"/>
+              <a:cs typeface="Consolas" pitchFamily="49" charset="0"/>
+            </a:endParaRPr>
+          </a:p>
+          <a:p>
+            <a:pPr>
+              <a:buNone/>
+            </a:pPr>
+            <a:r>
+              <a:rPr lang="en-US" sz="2400" b="1" dirty="0">
+                <a:latin typeface="Consolas" pitchFamily="49" charset="0"/>
+                <a:cs typeface="Consolas" pitchFamily="49" charset="0"/>
+              </a:rPr>
+              <a:t>;;     [(empty? lob) ...]</a:t>
+            </a:r>
+          </a:p>
+          <a:p>
+            <a:pPr>
+              <a:buNone/>
+            </a:pPr>
+            <a:r>
+              <a:rPr lang="en-US" sz="2400" b="1" dirty="0">
+                <a:latin typeface="Consolas" pitchFamily="49" charset="0"/>
+                <a:cs typeface="Consolas" pitchFamily="49" charset="0"/>
+              </a:rPr>
+              <a:t>;;     [else (...</a:t>
+            </a:r>
+          </a:p>
+          <a:p>
+            <a:pPr>
+              <a:buNone/>
+            </a:pPr>
+            <a:r>
+              <a:rPr lang="en-US" sz="2400" b="1" dirty="0">
+                <a:latin typeface="Consolas" pitchFamily="49" charset="0"/>
+                <a:cs typeface="Consolas" pitchFamily="49" charset="0"/>
+              </a:rPr>
+              <a:t>;;             (</a:t>
+            </a:r>
+            <a:r>
+              <a:rPr lang="en-US" sz="2400" b="1" dirty="0">
+                <a:solidFill>
+                  <a:srgbClr val="FF0000"/>
+                </a:solidFill>
+                <a:latin typeface="Consolas" pitchFamily="49" charset="0"/>
+                <a:cs typeface="Consolas" pitchFamily="49" charset="0"/>
+              </a:rPr>
+              <a:t>book-</a:t>
+            </a:r>
+            <a:r>
+              <a:rPr lang="en-US" sz="2400" b="1" dirty="0" err="1">
+                <a:solidFill>
+                  <a:srgbClr val="FF0000"/>
+                </a:solidFill>
+                <a:latin typeface="Consolas" pitchFamily="49" charset="0"/>
+                <a:cs typeface="Consolas" pitchFamily="49" charset="0"/>
+              </a:rPr>
+              <a:t>fn</a:t>
+            </a:r>
+            <a:r>
+              <a:rPr lang="en-US" sz="2400" b="1" dirty="0">
+                <a:latin typeface="Consolas" pitchFamily="49" charset="0"/>
+                <a:cs typeface="Consolas" pitchFamily="49" charset="0"/>
+              </a:rPr>
+              <a:t> (first lob))</a:t>
+            </a:r>
+          </a:p>
+          <a:p>
+            <a:pPr>
+              <a:buNone/>
+            </a:pPr>
+            <a:r>
+              <a:rPr lang="en-US" sz="2400" b="1" dirty="0">
+                <a:latin typeface="Consolas" pitchFamily="49" charset="0"/>
+                <a:cs typeface="Consolas" pitchFamily="49" charset="0"/>
+              </a:rPr>
+              <a:t>;;             (lob-fn (rest lob)))]))</a:t>
+            </a:r>
+          </a:p>
+        </p:txBody>
+      </p:sp>
+      <p:sp>
+        <p:nvSpPr>
+          <p:cNvPr id="4" name="Slide Number Placeholder 3"/>
+          <p:cNvSpPr>
+            <a:spLocks noGrp="1"/>
+          </p:cNvSpPr>
+          <p:nvPr>
+            <p:ph type="sldNum" sz="quarter" idx="12"/>
+          </p:nvPr>
+        </p:nvSpPr>
+        <p:spPr/>
+        <p:txBody>
+          <a:bodyPr/>
+          <a:lstStyle/>
+          <a:p>
+            <a:fld id="{9F4492BD-6A9C-48FC-AC76-0B4FE11194A1}" type="slidenum">
+              <a:rPr lang="en-US" smtClean="0"/>
+              <a:pPr/>
+              <a:t>9</a:t>
+            </a:fld>
+            <a:endParaRPr lang="en-US"/>
+          </a:p>
+        </p:txBody>
+      </p:sp>
+      <p:sp>
+        <p:nvSpPr>
+          <p:cNvPr id="5" name="TextBox 4"/>
+          <p:cNvSpPr txBox="1"/>
+          <p:nvPr/>
+        </p:nvSpPr>
+        <p:spPr>
+          <a:xfrm>
+            <a:off x="5498593" y="2136338"/>
+            <a:ext cx="3657600" cy="2308324"/>
+          </a:xfrm>
+          <a:prstGeom prst="rect">
+            <a:avLst/>
+          </a:prstGeom>
+          <a:solidFill>
+            <a:schemeClr val="accent3">
+              <a:lumMod val="40000"/>
+              <a:lumOff val="60000"/>
+            </a:schemeClr>
+          </a:solidFill>
+          <a:ln/>
+        </p:spPr>
+        <p:style>
+          <a:lnRef idx="2">
+            <a:schemeClr val="accent1"/>
+          </a:lnRef>
+          <a:fillRef idx="1">
+            <a:schemeClr val="lt1"/>
+          </a:fillRef>
+          <a:effectRef idx="0">
+            <a:schemeClr val="accent1"/>
+          </a:effectRef>
+          <a:fontRef idx="minor">
+            <a:schemeClr val="dk1"/>
+          </a:fontRef>
+        </p:style>
+        <p:txBody>
+          <a:bodyPr wrap="square" rtlCol="0">
+            <a:spAutoFit/>
+          </a:bodyPr>
+          <a:lstStyle/>
+          <a:p>
+            <a:r>
+              <a:rPr lang="en-US" dirty="0"/>
+              <a:t>We've inserted  a call to a function here.</a:t>
+            </a:r>
+          </a:p>
+          <a:p>
+            <a:endParaRPr lang="en-US" dirty="0"/>
+          </a:p>
+          <a:p>
+            <a:r>
+              <a:rPr lang="en-US" dirty="0"/>
+              <a:t>(rest lob) is a LOB, so we wrap it in a lob-fn.</a:t>
+            </a:r>
+          </a:p>
+          <a:p>
+            <a:endParaRPr lang="en-US" dirty="0"/>
+          </a:p>
+          <a:p>
+            <a:r>
+              <a:rPr lang="en-US" dirty="0"/>
+              <a:t>Similarly, (first lob) is a Book, so we wrap it in a book-fn.</a:t>
+            </a:r>
+          </a:p>
+        </p:txBody>
+      </p:sp>
+      <p:sp>
+        <p:nvSpPr>
+          <p:cNvPr id="9" name="Freeform 8"/>
+          <p:cNvSpPr/>
+          <p:nvPr/>
+        </p:nvSpPr>
+        <p:spPr>
+          <a:xfrm>
+            <a:off x="4011167" y="2522600"/>
+            <a:ext cx="2679809" cy="2732152"/>
+          </a:xfrm>
+          <a:custGeom>
+            <a:avLst/>
+            <a:gdLst>
+              <a:gd name="connsiteX0" fmla="*/ 2743200 w 2743200"/>
+              <a:gd name="connsiteY0" fmla="*/ 0 h 2218944"/>
+              <a:gd name="connsiteX1" fmla="*/ 1011936 w 2743200"/>
+              <a:gd name="connsiteY1" fmla="*/ 377952 h 2218944"/>
+              <a:gd name="connsiteX2" fmla="*/ 0 w 2743200"/>
+              <a:gd name="connsiteY2" fmla="*/ 2218944 h 2218944"/>
+              <a:gd name="connsiteX0" fmla="*/ 2743200 w 2743200"/>
+              <a:gd name="connsiteY0" fmla="*/ 0 h 2218944"/>
+              <a:gd name="connsiteX1" fmla="*/ 1011936 w 2743200"/>
+              <a:gd name="connsiteY1" fmla="*/ 377952 h 2218944"/>
+              <a:gd name="connsiteX2" fmla="*/ 0 w 2743200"/>
+              <a:gd name="connsiteY2" fmla="*/ 2218944 h 2218944"/>
+              <a:gd name="connsiteX0" fmla="*/ 2743200 w 3193238"/>
+              <a:gd name="connsiteY0" fmla="*/ 0 h 2218944"/>
+              <a:gd name="connsiteX1" fmla="*/ 3131010 w 3193238"/>
+              <a:gd name="connsiteY1" fmla="*/ 214565 h 2218944"/>
+              <a:gd name="connsiteX2" fmla="*/ 1011936 w 3193238"/>
+              <a:gd name="connsiteY2" fmla="*/ 377952 h 2218944"/>
+              <a:gd name="connsiteX3" fmla="*/ 0 w 3193238"/>
+              <a:gd name="connsiteY3" fmla="*/ 2218944 h 2218944"/>
+              <a:gd name="connsiteX0" fmla="*/ 2676032 w 3189312"/>
+              <a:gd name="connsiteY0" fmla="*/ 0 h 2245905"/>
+              <a:gd name="connsiteX1" fmla="*/ 3131010 w 3189312"/>
+              <a:gd name="connsiteY1" fmla="*/ 241526 h 2245905"/>
+              <a:gd name="connsiteX2" fmla="*/ 1011936 w 3189312"/>
+              <a:gd name="connsiteY2" fmla="*/ 404913 h 2245905"/>
+              <a:gd name="connsiteX3" fmla="*/ 0 w 3189312"/>
+              <a:gd name="connsiteY3" fmla="*/ 2245905 h 2245905"/>
+              <a:gd name="connsiteX0" fmla="*/ 2676032 w 3177639"/>
+              <a:gd name="connsiteY0" fmla="*/ 29846 h 2275751"/>
+              <a:gd name="connsiteX1" fmla="*/ 3131010 w 3177639"/>
+              <a:gd name="connsiteY1" fmla="*/ 271372 h 2275751"/>
+              <a:gd name="connsiteX2" fmla="*/ 1011936 w 3177639"/>
+              <a:gd name="connsiteY2" fmla="*/ 434759 h 2275751"/>
+              <a:gd name="connsiteX3" fmla="*/ 0 w 3177639"/>
+              <a:gd name="connsiteY3" fmla="*/ 2275751 h 2275751"/>
             </a:gdLst>
             <a:ahLst/>
             <a:cxnLst>
@@ -7915,46 +8046,51 @@
             </a:cxnLst>
             <a:rect l="l" t="t" r="r" b="b"/>
             <a:pathLst>
-              <a:path w="2608118" h="789709">
+              <a:path w="3177639" h="2275751">
                 <a:moveTo>
-                  <a:pt x="2608118" y="0"/>
+                  <a:pt x="2676032" y="29846"/>
                 </a:moveTo>
                 <a:cubicBezTo>
-                  <a:pt x="2592531" y="290945"/>
-                  <a:pt x="2576945" y="581891"/>
-                  <a:pt x="2337954" y="633845"/>
+                  <a:pt x="2257704" y="-95036"/>
+                  <a:pt x="3419554" y="208380"/>
+                  <a:pt x="3131010" y="271372"/>
                 </a:cubicBezTo>
                 <a:cubicBezTo>
-                  <a:pt x="2098963" y="685799"/>
-                  <a:pt x="1563832" y="285750"/>
-                  <a:pt x="1174173" y="311727"/>
+                  <a:pt x="2842466" y="334364"/>
+                  <a:pt x="1329071" y="95079"/>
+                  <a:pt x="1011936" y="434759"/>
                 </a:cubicBezTo>
                 <a:cubicBezTo>
-                  <a:pt x="784514" y="337704"/>
-                  <a:pt x="392257" y="563706"/>
-                  <a:pt x="0" y="789709"/>
+                  <a:pt x="554736" y="804583"/>
+                  <a:pt x="277368" y="1540167"/>
+                  <a:pt x="0" y="2275751"/>
                 </a:cubicBezTo>
               </a:path>
             </a:pathLst>
           </a:custGeom>
           <a:noFill/>
-          <a:ln>
-            <a:headEnd type="none" w="med" len="med"/>
-            <a:tailEnd type="arrow" w="med" len="med"/>
+          <a:ln w="12700">
+            <a:solidFill>
+              <a:schemeClr val="tx1"/>
+            </a:solidFill>
+            <a:headEnd type="oval" w="lg" len="lg"/>
+            <a:tailEnd type="stealth" w="lg" len="lg"/>
           </a:ln>
         </p:spPr>
         <p:style>
           <a:lnRef idx="2">
-            <a:schemeClr val="accent1"/>
+            <a:schemeClr val="accent1">
+              <a:shade val="50000"/>
+            </a:schemeClr>
           </a:lnRef>
           <a:fillRef idx="1">
-            <a:schemeClr val="lt1"/>
+            <a:schemeClr val="accent1"/>
           </a:fillRef>
           <a:effectRef idx="0">
             <a:schemeClr val="accent1"/>
           </a:effectRef>
           <a:fontRef idx="minor">
-            <a:schemeClr val="dk1"/>
+            <a:schemeClr val="lt1"/>
           </a:fontRef>
         </p:style>
         <p:txBody>
@@ -7969,20 +8105,13 @@
     </p:spTree>
     <p:extLst>
       <p:ext uri="{BB962C8B-B14F-4D97-AF65-F5344CB8AC3E}">
-        <p14:creationId xmlns:p14="http://schemas.microsoft.com/office/powerpoint/2010/main" val="637364533"/>
+        <p14:creationId xmlns:p14="http://schemas.microsoft.com/office/powerpoint/2010/main" val="4258007034"/>
       </p:ext>
     </p:extLst>
   </p:cSld>
   <p:clrMapOvr>
     <a:masterClrMapping/>
   </p:clrMapOvr>
-  <p:timing>
-    <p:tnLst>
-      <p:par>
-        <p:cTn id="1" dur="indefinite" restart="never" nodeType="tmRoot"/>
-      </p:par>
-    </p:tnLst>
-  </p:timing>
 </p:sld>
 </file>
 
